--- a/Image Inpainting/Image inpainting.pptx
+++ b/Image Inpainting/Image inpainting.pptx
@@ -18,7 +18,7 @@
     <p:sldId id="266" r:id="rId12"/>
     <p:sldId id="274" r:id="rId13"/>
     <p:sldId id="275" r:id="rId14"/>
-    <p:sldId id="276" r:id="rId15"/>
+    <p:sldId id="289" r:id="rId15"/>
     <p:sldId id="277" r:id="rId16"/>
     <p:sldId id="284" r:id="rId17"/>
     <p:sldId id="285" r:id="rId18"/>
@@ -3130,14 +3130,14 @@
               </a:spcAft>
             </a:pPr>
             <a:r>
-              <a:rPr lang="en-US" sz="2200">
+              <a:rPr lang="en-US" sz="2200" dirty="0">
                 <a:latin typeface="Times New Roman"/>
                 <a:ea typeface="+mn-lt"/>
                 <a:cs typeface="+mn-lt"/>
               </a:rPr>
               <a:t>A FINAL YEAR MAJOR PROJECT </a:t>
             </a:r>
-            <a:endParaRPr lang="en-US" sz="2200">
+            <a:endParaRPr lang="en-US" sz="2200" dirty="0">
               <a:latin typeface="Times New Roman"/>
               <a:cs typeface="Times New Roman"/>
             </a:endParaRPr>
@@ -3155,14 +3155,14 @@
               </a:spcAft>
             </a:pPr>
             <a:r>
-              <a:rPr lang="en-US" sz="2200">
+              <a:rPr lang="en-US" sz="2200" dirty="0">
                 <a:latin typeface="Times New Roman"/>
                 <a:ea typeface="+mn-lt"/>
                 <a:cs typeface="+mn-lt"/>
               </a:rPr>
               <a:t>ON</a:t>
             </a:r>
-            <a:endParaRPr lang="en-US" sz="2200">
+            <a:endParaRPr lang="en-US" sz="2200" dirty="0">
               <a:latin typeface="Times New Roman"/>
               <a:cs typeface="Times New Roman"/>
             </a:endParaRPr>
@@ -3180,14 +3180,14 @@
               </a:spcAft>
             </a:pPr>
             <a:r>
-              <a:rPr lang="en-US" sz="3000" b="1">
+              <a:rPr lang="en-US" sz="3000" b="1" dirty="0">
                 <a:latin typeface="Times New Roman"/>
                 <a:ea typeface="+mn-lt"/>
                 <a:cs typeface="+mn-lt"/>
               </a:rPr>
               <a:t>IMAGE INPAINTING USING GENERATIVE ADVERSARIAL NETWORKS (GAN)</a:t>
             </a:r>
-            <a:endParaRPr lang="en-US" sz="3000">
+            <a:endParaRPr lang="en-US" sz="3000" dirty="0">
               <a:latin typeface="Times New Roman"/>
               <a:cs typeface="Calibri"/>
             </a:endParaRPr>
@@ -3205,14 +3205,14 @@
               </a:spcAft>
             </a:pPr>
             <a:r>
-              <a:rPr lang="en-US" sz="1900">
+              <a:rPr lang="en-US" sz="1900" dirty="0">
                 <a:latin typeface="Times New Roman"/>
                 <a:ea typeface="+mn-lt"/>
                 <a:cs typeface="+mn-lt"/>
               </a:rPr>
               <a:t>[CT 707]</a:t>
             </a:r>
-            <a:endParaRPr lang="en-US" sz="1900" b="1">
+            <a:endParaRPr lang="en-US" sz="1900" b="1" dirty="0">
               <a:latin typeface="Times New Roman"/>
               <a:cs typeface="Times New Roman"/>
             </a:endParaRPr>
@@ -3230,14 +3230,14 @@
               </a:spcAft>
             </a:pPr>
             <a:r>
-              <a:rPr lang="en-US" sz="2200" b="1">
+              <a:rPr lang="en-US" sz="2200" b="1" dirty="0">
                 <a:latin typeface="Times New Roman"/>
                 <a:ea typeface="+mn-lt"/>
                 <a:cs typeface="+mn-lt"/>
               </a:rPr>
               <a:t>SUBMITTED TO:</a:t>
             </a:r>
-            <a:endParaRPr lang="en-US" sz="2200" b="1">
+            <a:endParaRPr lang="en-US" sz="2200" b="1" dirty="0">
               <a:latin typeface="Times New Roman"/>
               <a:cs typeface="Times New Roman"/>
             </a:endParaRPr>
@@ -3255,14 +3255,14 @@
               </a:spcAft>
             </a:pPr>
             <a:r>
-              <a:rPr lang="en-US" sz="2200">
+              <a:rPr lang="en-US" sz="2200" dirty="0">
                 <a:latin typeface="Times New Roman"/>
                 <a:ea typeface="+mn-lt"/>
                 <a:cs typeface="+mn-lt"/>
               </a:rPr>
               <a:t>DEPARTMENT OF ELECTRONICS AND COMPUTER ENGINEERING</a:t>
             </a:r>
-            <a:endParaRPr lang="en-US" sz="2200">
+            <a:endParaRPr lang="en-US" sz="2200" dirty="0">
               <a:latin typeface="Times New Roman"/>
               <a:cs typeface="Times New Roman"/>
             </a:endParaRPr>
@@ -3641,7 +3641,7 @@
                 <a:latin typeface="Times New Roman" panose="02020603050405020304" pitchFamily="18" charset="0"/>
                 <a:cs typeface="Times New Roman" panose="02020603050405020304" pitchFamily="18" charset="0"/>
               </a:rPr>
-              <a:t>The main objective is to implement the Deep Conditional GAN on image inpainting.</a:t>
+              <a:t>The main objective is to implement the GAN for image inpainting.</a:t>
             </a:r>
           </a:p>
           <a:p>
@@ -3658,8 +3658,12 @@
                 <a:latin typeface="Times New Roman" panose="02020603050405020304" pitchFamily="18" charset="0"/>
                 <a:cs typeface="Times New Roman" panose="02020603050405020304" pitchFamily="18" charset="0"/>
               </a:rPr>
-              <a:t>GAN incorporates two neural networks:</a:t>
-            </a:r>
+              <a:t>In GAN, two models are simultaneously trained:</a:t>
+            </a:r>
+            <a:endParaRPr lang="en-US" sz="2000" dirty="0">
+              <a:latin typeface="Times New Roman" panose="02020603050405020304" pitchFamily="18" charset="0"/>
+              <a:cs typeface="Times New Roman" panose="02020603050405020304" pitchFamily="18" charset="0"/>
+            </a:endParaRPr>
           </a:p>
           <a:p>
             <a:pPr marL="800100" lvl="1" indent="-342900" algn="just">
@@ -3671,11 +3675,11 @@
               </a:spcBef>
             </a:pPr>
             <a:r>
-              <a:rPr lang="en-US" dirty="0">
-                <a:latin typeface="Times New Roman" panose="02020603050405020304" pitchFamily="18" charset="0"/>
-                <a:cs typeface="Times New Roman" panose="02020603050405020304" pitchFamily="18" charset="0"/>
-              </a:rPr>
-              <a:t>A generator – it takes in the incomplete image as the input and generates a fake full image with the missing segment filled.</a:t>
+              <a:rPr lang="en-US" sz="2000" dirty="0">
+                <a:latin typeface="Times New Roman" panose="02020603050405020304" pitchFamily="18" charset="0"/>
+                <a:cs typeface="Times New Roman" panose="02020603050405020304" pitchFamily="18" charset="0"/>
+              </a:rPr>
+              <a:t>Generator - Captures data distribution and generates images</a:t>
             </a:r>
           </a:p>
           <a:p>
@@ -3688,11 +3692,11 @@
               </a:spcBef>
             </a:pPr>
             <a:r>
-              <a:rPr lang="en-US" dirty="0">
-                <a:latin typeface="Times New Roman" panose="02020603050405020304" pitchFamily="18" charset="0"/>
-                <a:cs typeface="Times New Roman" panose="02020603050405020304" pitchFamily="18" charset="0"/>
-              </a:rPr>
-              <a:t>A discriminator – it tries to distinguish generated images from original full images.</a:t>
+              <a:rPr lang="en-US" sz="2000" dirty="0">
+                <a:latin typeface="Times New Roman" panose="02020603050405020304" pitchFamily="18" charset="0"/>
+                <a:cs typeface="Times New Roman" panose="02020603050405020304" pitchFamily="18" charset="0"/>
+              </a:rPr>
+              <a:t>Discriminator – Estimates the probability that a sample came from training data rather than the Generator.</a:t>
             </a:r>
           </a:p>
           <a:p>
@@ -3709,8 +3713,22 @@
                 <a:latin typeface="Times New Roman" panose="02020603050405020304" pitchFamily="18" charset="0"/>
                 <a:cs typeface="Times New Roman" panose="02020603050405020304" pitchFamily="18" charset="0"/>
               </a:rPr>
-              <a:t>They will operate on min-max algorithm which have some loss function.</a:t>
-            </a:r>
+              <a:t>Corresponds to a minimax two player game</a:t>
+            </a:r>
+          </a:p>
+          <a:p>
+            <a:pPr marL="342900" indent="-342900" algn="just">
+              <a:lnSpc>
+                <a:spcPct val="150000"/>
+              </a:lnSpc>
+              <a:spcBef>
+                <a:spcPts val="0"/>
+              </a:spcBef>
+            </a:pPr>
+            <a:endParaRPr lang="en-US" sz="2400" dirty="0">
+              <a:latin typeface="Times New Roman" panose="02020603050405020304" pitchFamily="18" charset="0"/>
+              <a:cs typeface="Times New Roman" panose="02020603050405020304" pitchFamily="18" charset="0"/>
+            </a:endParaRPr>
           </a:p>
         </p:txBody>
       </p:sp>
@@ -3828,7 +3846,7 @@
           <p:cNvPr id="4" name="Content Placeholder 4">
             <a:extLst>
               <a:ext uri="{FF2B5EF4-FFF2-40B4-BE49-F238E27FC236}">
-                <a16:creationId xmlns:a16="http://schemas.microsoft.com/office/drawing/2014/main" id="{3144C277-753B-48EA-AD28-1713D61CC3C6}"/>
+                <a16:creationId xmlns:a16="http://schemas.microsoft.com/office/drawing/2014/main" id="{C2CC5BF2-1636-8C65-9130-285E0FFC4E9D}"/>
               </a:ext>
             </a:extLst>
           </p:cNvPr>
@@ -3840,63 +3858,28 @@
           </p:nvPr>
         </p:nvPicPr>
         <p:blipFill>
-          <a:blip r:embed="rId2"/>
+          <a:blip r:embed="rId2">
+            <a:extLst>
+              <a:ext uri="{28A0092B-C50C-407E-A947-70E740481C1C}">
+                <a14:useLocalDpi xmlns:a14="http://schemas.microsoft.com/office/drawing/2010/main" val="0"/>
+              </a:ext>
+            </a:extLst>
+          </a:blip>
           <a:stretch>
             <a:fillRect/>
           </a:stretch>
         </p:blipFill>
         <p:spPr>
           <a:xfrm>
-            <a:off x="729226" y="1175282"/>
-            <a:ext cx="10733547" cy="5669839"/>
+            <a:off x="1540781" y="382131"/>
+            <a:ext cx="9110437" cy="6093737"/>
           </a:xfrm>
-          <a:prstGeom prst="rect">
-            <a:avLst/>
-          </a:prstGeom>
         </p:spPr>
       </p:pic>
-      <p:sp>
-        <p:nvSpPr>
-          <p:cNvPr id="2" name="TextBox 1">
-            <a:extLst>
-              <a:ext uri="{FF2B5EF4-FFF2-40B4-BE49-F238E27FC236}">
-                <a16:creationId xmlns:a16="http://schemas.microsoft.com/office/drawing/2014/main" id="{DC31AC4A-4B68-4014-97A0-66E9E3E773A3}"/>
-              </a:ext>
-            </a:extLst>
-          </p:cNvPr>
-          <p:cNvSpPr txBox="1"/>
-          <p:nvPr/>
-        </p:nvSpPr>
-        <p:spPr>
-          <a:xfrm>
-            <a:off x="1970468" y="721217"/>
-            <a:ext cx="3245475" cy="461665"/>
-          </a:xfrm>
-          <a:prstGeom prst="rect">
-            <a:avLst/>
-          </a:prstGeom>
-          <a:noFill/>
-        </p:spPr>
-        <p:txBody>
-          <a:bodyPr wrap="square" rtlCol="0">
-            <a:spAutoFit/>
-          </a:bodyPr>
-          <a:lstStyle/>
-          <a:p>
-            <a:r>
-              <a:rPr lang="en-US" sz="2400" b="1">
-                <a:latin typeface="Times New Roman" panose="02020603050405020304" pitchFamily="18" charset="0"/>
-                <a:cs typeface="Times New Roman" panose="02020603050405020304" pitchFamily="18" charset="0"/>
-              </a:rPr>
-              <a:t>Network Architecture</a:t>
-            </a:r>
-          </a:p>
-        </p:txBody>
-      </p:sp>
     </p:spTree>
     <p:extLst>
       <p:ext uri="{BB962C8B-B14F-4D97-AF65-F5344CB8AC3E}">
-        <p14:creationId xmlns:p14="http://schemas.microsoft.com/office/powerpoint/2010/main" val="475854137"/>
+        <p14:creationId xmlns:p14="http://schemas.microsoft.com/office/powerpoint/2010/main" val="1768389058"/>
       </p:ext>
     </p:extLst>
   </p:cSld>
@@ -3947,7 +3930,7 @@
         </p:spPr>
         <p:txBody>
           <a:bodyPr>
-            <a:normAutofit fontScale="85000" lnSpcReduction="10000"/>
+            <a:normAutofit/>
           </a:bodyPr>
           <a:lstStyle/>
           <a:p>
@@ -3957,11 +3940,11 @@
               </a:lnSpc>
             </a:pPr>
             <a:r>
-              <a:rPr lang="en-US" dirty="0">
-                <a:latin typeface="Times New Roman" panose="02020603050405020304" pitchFamily="18" charset="0"/>
-                <a:cs typeface="Times New Roman" panose="02020603050405020304" pitchFamily="18" charset="0"/>
-              </a:rPr>
-              <a:t>The network architecture of the generator is based on U-Net.</a:t>
+              <a:rPr lang="en-US" sz="2400" dirty="0">
+                <a:latin typeface="Times New Roman" panose="02020603050405020304" pitchFamily="18" charset="0"/>
+                <a:cs typeface="Times New Roman" panose="02020603050405020304" pitchFamily="18" charset="0"/>
+              </a:rPr>
+              <a:t>The network architecture of the generator is based on U-Net, which is certain kind of architecture that achieves image segmentation.</a:t>
             </a:r>
           </a:p>
           <a:p>
@@ -3971,7 +3954,7 @@
               </a:lnSpc>
             </a:pPr>
             <a:r>
-              <a:rPr lang="en-US" dirty="0">
+              <a:rPr lang="en-US" sz="2400" dirty="0">
                 <a:latin typeface="Times New Roman" panose="02020603050405020304" pitchFamily="18" charset="0"/>
                 <a:cs typeface="Times New Roman" panose="02020603050405020304" pitchFamily="18" charset="0"/>
               </a:rPr>
@@ -3985,11 +3968,11 @@
               </a:lnSpc>
             </a:pPr>
             <a:r>
-              <a:rPr lang="en-US" dirty="0">
-                <a:latin typeface="Times New Roman" panose="02020603050405020304" pitchFamily="18" charset="0"/>
-                <a:cs typeface="Times New Roman" panose="02020603050405020304" pitchFamily="18" charset="0"/>
-              </a:rPr>
-              <a:t>Encoder, a shrinking network that shrinks the tensor layer by layer.</a:t>
+              <a:rPr lang="en-US" sz="2400" dirty="0">
+                <a:latin typeface="Times New Roman" panose="02020603050405020304" pitchFamily="18" charset="0"/>
+                <a:cs typeface="Times New Roman" panose="02020603050405020304" pitchFamily="18" charset="0"/>
+              </a:rPr>
+              <a:t>The left side of the network is Contracting path or Encoder.</a:t>
             </a:r>
           </a:p>
           <a:p>
@@ -3999,11 +3982,11 @@
               </a:lnSpc>
             </a:pPr>
             <a:r>
-              <a:rPr lang="en-US" dirty="0">
-                <a:latin typeface="Times New Roman" panose="02020603050405020304" pitchFamily="18" charset="0"/>
-                <a:cs typeface="Times New Roman" panose="02020603050405020304" pitchFamily="18" charset="0"/>
-              </a:rPr>
-              <a:t>Decoder, a expanding network that expands the depth of the tensor layer by layer.</a:t>
+              <a:rPr lang="en-US" sz="2400" dirty="0">
+                <a:latin typeface="Times New Roman" panose="02020603050405020304" pitchFamily="18" charset="0"/>
+                <a:cs typeface="Times New Roman" panose="02020603050405020304" pitchFamily="18" charset="0"/>
+              </a:rPr>
+              <a:t>The right side of the network is Expansive path or Decoder.</a:t>
             </a:r>
           </a:p>
           <a:p>
@@ -4013,11 +3996,11 @@
               </a:lnSpc>
             </a:pPr>
             <a:r>
-              <a:rPr lang="en-US" dirty="0">
-                <a:latin typeface="Times New Roman" panose="02020603050405020304" pitchFamily="18" charset="0"/>
-                <a:cs typeface="Times New Roman" panose="02020603050405020304" pitchFamily="18" charset="0"/>
-              </a:rPr>
-              <a:t>The final output of the generator is the recovered image from the cropped image, which is of the original size.</a:t>
+              <a:rPr lang="en-US" sz="2400" dirty="0">
+                <a:latin typeface="Times New Roman" panose="02020603050405020304" pitchFamily="18" charset="0"/>
+                <a:cs typeface="Times New Roman" panose="02020603050405020304" pitchFamily="18" charset="0"/>
+              </a:rPr>
+              <a:t>The generated image of the generator is then injected into the discriminator, that determines whether the image is real or fake.</a:t>
             </a:r>
           </a:p>
           <a:p>
@@ -4026,13 +4009,10 @@
                 <a:spcPct val="150000"/>
               </a:lnSpc>
             </a:pPr>
-            <a:r>
-              <a:rPr lang="en-US" dirty="0">
-                <a:latin typeface="Times New Roman" panose="02020603050405020304" pitchFamily="18" charset="0"/>
-                <a:cs typeface="Times New Roman" panose="02020603050405020304" pitchFamily="18" charset="0"/>
-              </a:rPr>
-              <a:t>The recovered image of the generator is then injected into the discriminator, that determines whether the image is real or fake.</a:t>
-            </a:r>
+            <a:endParaRPr lang="en-US" sz="2400" dirty="0">
+              <a:latin typeface="Times New Roman" panose="02020603050405020304" pitchFamily="18" charset="0"/>
+              <a:cs typeface="Times New Roman" panose="02020603050405020304" pitchFamily="18" charset="0"/>
+            </a:endParaRPr>
           </a:p>
         </p:txBody>
       </p:sp>

--- a/Image Inpainting/Image inpainting.pptx
+++ b/Image Inpainting/Image inpainting.pptx
@@ -20,16 +20,18 @@
     <p:sldId id="275" r:id="rId14"/>
     <p:sldId id="289" r:id="rId15"/>
     <p:sldId id="277" r:id="rId16"/>
-    <p:sldId id="284" r:id="rId17"/>
-    <p:sldId id="285" r:id="rId18"/>
-    <p:sldId id="286" r:id="rId19"/>
-    <p:sldId id="287" r:id="rId20"/>
-    <p:sldId id="288" r:id="rId21"/>
-    <p:sldId id="268" r:id="rId22"/>
-    <p:sldId id="283" r:id="rId23"/>
-    <p:sldId id="282" r:id="rId24"/>
-    <p:sldId id="267" r:id="rId25"/>
-    <p:sldId id="269" r:id="rId26"/>
+    <p:sldId id="285" r:id="rId17"/>
+    <p:sldId id="286" r:id="rId18"/>
+    <p:sldId id="287" r:id="rId19"/>
+    <p:sldId id="292" r:id="rId20"/>
+    <p:sldId id="291" r:id="rId21"/>
+    <p:sldId id="288" r:id="rId22"/>
+    <p:sldId id="290" r:id="rId23"/>
+    <p:sldId id="268" r:id="rId24"/>
+    <p:sldId id="283" r:id="rId25"/>
+    <p:sldId id="282" r:id="rId26"/>
+    <p:sldId id="267" r:id="rId27"/>
+    <p:sldId id="269" r:id="rId28"/>
   </p:sldIdLst>
   <p:sldSz cx="12192000" cy="6858000"/>
   <p:notesSz cx="6858000" cy="9144000"/>
@@ -3764,15 +3766,15 @@
       </p:grpSpPr>
       <p:pic>
         <p:nvPicPr>
-          <p:cNvPr id="4" name="Picture 2">
+          <p:cNvPr id="5" name="Content Placeholder 4">
             <a:extLst>
               <a:ext uri="{FF2B5EF4-FFF2-40B4-BE49-F238E27FC236}">
-                <a16:creationId xmlns:a16="http://schemas.microsoft.com/office/drawing/2014/main" id="{E17C4363-D8AD-4D76-9647-AF86BADD816B}"/>
+                <a16:creationId xmlns:a16="http://schemas.microsoft.com/office/drawing/2014/main" id="{36E69002-3571-489E-B58B-BB1454B22AAA}"/>
               </a:ext>
             </a:extLst>
           </p:cNvPr>
           <p:cNvPicPr>
-            <a:picLocks noGrp="1" noChangeAspect="1" noChangeArrowheads="1"/>
+            <a:picLocks noGrp="1" noChangeAspect="1"/>
           </p:cNvPicPr>
           <p:nvPr>
             <p:ph idx="1"/>
@@ -3786,29 +3788,15 @@
               </a:ext>
             </a:extLst>
           </a:blip>
-          <a:srcRect/>
           <a:stretch>
             <a:fillRect/>
           </a:stretch>
         </p:blipFill>
-        <p:spPr bwMode="auto">
+        <p:spPr>
           <a:xfrm>
-            <a:off x="537124" y="856343"/>
-            <a:ext cx="10816676" cy="5643289"/>
+            <a:off x="252413" y="635793"/>
+            <a:ext cx="11687174" cy="5586413"/>
           </a:xfrm>
-          <a:prstGeom prst="rect">
-            <a:avLst/>
-          </a:prstGeom>
-          <a:noFill/>
-          <a:extLst>
-            <a:ext uri="{909E8E84-426E-40DD-AFC4-6F175D3DCCD1}">
-              <a14:hiddenFill xmlns:a14="http://schemas.microsoft.com/office/drawing/2010/main">
-                <a:solidFill>
-                  <a:srgbClr val="FFFFFF"/>
-                </a:solidFill>
-              </a14:hiddenFill>
-            </a:ext>
-          </a:extLst>
         </p:spPr>
       </p:pic>
     </p:spTree>
@@ -3871,11 +3859,49 @@
         </p:blipFill>
         <p:spPr>
           <a:xfrm>
-            <a:off x="1540781" y="382131"/>
+            <a:off x="1540781" y="764263"/>
             <a:ext cx="9110437" cy="6093737"/>
           </a:xfrm>
         </p:spPr>
       </p:pic>
+      <p:sp>
+        <p:nvSpPr>
+          <p:cNvPr id="3" name="Title 1">
+            <a:extLst>
+              <a:ext uri="{FF2B5EF4-FFF2-40B4-BE49-F238E27FC236}">
+                <a16:creationId xmlns:a16="http://schemas.microsoft.com/office/drawing/2014/main" id="{56EC6074-9D7A-40C2-A450-949D4199594C}"/>
+              </a:ext>
+            </a:extLst>
+          </p:cNvPr>
+          <p:cNvSpPr>
+            <a:spLocks noGrp="1"/>
+          </p:cNvSpPr>
+          <p:nvPr>
+            <p:ph type="title"/>
+          </p:nvPr>
+        </p:nvSpPr>
+        <p:spPr>
+          <a:xfrm>
+            <a:off x="401472" y="228647"/>
+            <a:ext cx="10515600" cy="713048"/>
+          </a:xfrm>
+        </p:spPr>
+        <p:txBody>
+          <a:bodyPr>
+            <a:normAutofit/>
+          </a:bodyPr>
+          <a:lstStyle/>
+          <a:p>
+            <a:r>
+              <a:rPr lang="en-US" sz="3200" b="1" dirty="0">
+                <a:latin typeface="Times New Roman" panose="02020603050405020304" pitchFamily="18" charset="0"/>
+                <a:cs typeface="Times New Roman" panose="02020603050405020304" pitchFamily="18" charset="0"/>
+              </a:rPr>
+              <a:t>Generator</a:t>
+            </a:r>
+          </a:p>
+        </p:txBody>
+      </p:sp>
     </p:spTree>
     <p:extLst>
       <p:ext uri="{BB962C8B-B14F-4D97-AF65-F5344CB8AC3E}">
@@ -4048,10 +4074,10 @@
       </p:grpSpPr>
       <p:sp>
         <p:nvSpPr>
-          <p:cNvPr id="2" name="Title 1">
+          <p:cNvPr id="3" name="Content Placeholder 2">
             <a:extLst>
               <a:ext uri="{FF2B5EF4-FFF2-40B4-BE49-F238E27FC236}">
-                <a16:creationId xmlns:a16="http://schemas.microsoft.com/office/drawing/2014/main" id="{5FC1B8C8-5C6B-4FE0-9740-8E555407346B}"/>
+                <a16:creationId xmlns:a16="http://schemas.microsoft.com/office/drawing/2014/main" id="{EEEFADF3-ECFB-43FC-84CE-4A3BD3C4FF1C}"/>
               </a:ext>
             </a:extLst>
           </p:cNvPr>
@@ -4059,49 +4085,21 @@
             <a:spLocks noGrp="1"/>
           </p:cNvSpPr>
           <p:nvPr>
-            <p:ph type="title"/>
-          </p:nvPr>
-        </p:nvSpPr>
-        <p:spPr/>
+            <p:ph idx="1"/>
+          </p:nvPr>
+        </p:nvSpPr>
+        <p:spPr>
+          <a:xfrm>
+            <a:off x="838200" y="764275"/>
+            <a:ext cx="10515600" cy="5595582"/>
+          </a:xfrm>
+        </p:spPr>
         <p:txBody>
           <a:bodyPr>
             <a:normAutofit/>
           </a:bodyPr>
           <a:lstStyle/>
           <a:p>
-            <a:r>
-              <a:rPr lang="en-US" sz="3200" b="1" dirty="0">
-                <a:latin typeface="Times New Roman" panose="02020603050405020304" pitchFamily="18" charset="0"/>
-                <a:cs typeface="Times New Roman" panose="02020603050405020304" pitchFamily="18" charset="0"/>
-              </a:rPr>
-              <a:t>Conditional GAN</a:t>
-            </a:r>
-          </a:p>
-        </p:txBody>
-      </p:sp>
-      <p:sp>
-        <p:nvSpPr>
-          <p:cNvPr id="3" name="Content Placeholder 2">
-            <a:extLst>
-              <a:ext uri="{FF2B5EF4-FFF2-40B4-BE49-F238E27FC236}">
-                <a16:creationId xmlns:a16="http://schemas.microsoft.com/office/drawing/2014/main" id="{CB721C18-80E9-4391-923A-E9A00C710ABB}"/>
-              </a:ext>
-            </a:extLst>
-          </p:cNvPr>
-          <p:cNvSpPr>
-            <a:spLocks noGrp="1"/>
-          </p:cNvSpPr>
-          <p:nvPr>
-            <p:ph idx="1"/>
-          </p:nvPr>
-        </p:nvSpPr>
-        <p:spPr/>
-        <p:txBody>
-          <a:bodyPr>
-            <a:normAutofit/>
-          </a:bodyPr>
-          <a:lstStyle/>
-          <a:p>
             <a:pPr>
               <a:lnSpc>
                 <a:spcPct val="150000"/>
@@ -4118,8 +4116,32 @@
                 <a:latin typeface="Times New Roman" panose="02020603050405020304" pitchFamily="18" charset="0"/>
                 <a:cs typeface="Times New Roman" panose="02020603050405020304" pitchFamily="18" charset="0"/>
               </a:rPr>
-              <a:t>Generation of the output image is conditional on an input (source image).</a:t>
-            </a:r>
+              <a:t>Each block in the encoder is: </a:t>
+            </a:r>
+            <a:br>
+              <a:rPr lang="en-US" sz="2400" dirty="0">
+                <a:latin typeface="Times New Roman" panose="02020603050405020304" pitchFamily="18" charset="0"/>
+                <a:cs typeface="Times New Roman" panose="02020603050405020304" pitchFamily="18" charset="0"/>
+              </a:rPr>
+            </a:br>
+            <a:r>
+              <a:rPr lang="en-US" sz="2400" dirty="0">
+                <a:latin typeface="Times New Roman" panose="02020603050405020304" pitchFamily="18" charset="0"/>
+                <a:cs typeface="Times New Roman" panose="02020603050405020304" pitchFamily="18" charset="0"/>
+              </a:rPr>
+              <a:t>Convolution -&gt; Batch normalization -&gt; Leaky </a:t>
+            </a:r>
+            <a:r>
+              <a:rPr lang="en-US" sz="2400" dirty="0" err="1">
+                <a:latin typeface="Times New Roman" panose="02020603050405020304" pitchFamily="18" charset="0"/>
+                <a:cs typeface="Times New Roman" panose="02020603050405020304" pitchFamily="18" charset="0"/>
+              </a:rPr>
+              <a:t>ReLU</a:t>
+            </a:r>
+            <a:endParaRPr lang="en-US" sz="2400" dirty="0">
+              <a:latin typeface="Times New Roman" panose="02020603050405020304" pitchFamily="18" charset="0"/>
+              <a:cs typeface="Times New Roman" panose="02020603050405020304" pitchFamily="18" charset="0"/>
+            </a:endParaRPr>
           </a:p>
           <a:p>
             <a:pPr>
@@ -4138,8 +4160,32 @@
                 <a:latin typeface="Times New Roman" panose="02020603050405020304" pitchFamily="18" charset="0"/>
                 <a:cs typeface="Times New Roman" panose="02020603050405020304" pitchFamily="18" charset="0"/>
               </a:rPr>
-              <a:t>Pix2Pix model.</a:t>
-            </a:r>
+              <a:t>Each block in the decoder is: </a:t>
+            </a:r>
+            <a:br>
+              <a:rPr lang="en-US" sz="2400" dirty="0">
+                <a:latin typeface="Times New Roman" panose="02020603050405020304" pitchFamily="18" charset="0"/>
+                <a:cs typeface="Times New Roman" panose="02020603050405020304" pitchFamily="18" charset="0"/>
+              </a:rPr>
+            </a:br>
+            <a:r>
+              <a:rPr lang="en-US" sz="2400" dirty="0">
+                <a:latin typeface="Times New Roman" panose="02020603050405020304" pitchFamily="18" charset="0"/>
+                <a:cs typeface="Times New Roman" panose="02020603050405020304" pitchFamily="18" charset="0"/>
+              </a:rPr>
+              <a:t>Transposed convolution -&gt; Batch normalization -&gt; Dropout (applied to the first 3 blocks) -&gt; </a:t>
+            </a:r>
+            <a:r>
+              <a:rPr lang="en-US" sz="2400" dirty="0" err="1">
+                <a:latin typeface="Times New Roman" panose="02020603050405020304" pitchFamily="18" charset="0"/>
+                <a:cs typeface="Times New Roman" panose="02020603050405020304" pitchFamily="18" charset="0"/>
+              </a:rPr>
+              <a:t>ReLU</a:t>
+            </a:r>
+            <a:endParaRPr lang="en-US" sz="2400" dirty="0">
+              <a:latin typeface="Times New Roman" panose="02020603050405020304" pitchFamily="18" charset="0"/>
+              <a:cs typeface="Times New Roman" panose="02020603050405020304" pitchFamily="18" charset="0"/>
+            </a:endParaRPr>
           </a:p>
           <a:p>
             <a:pPr>
@@ -4158,7 +4204,7 @@
                 <a:latin typeface="Times New Roman" panose="02020603050405020304" pitchFamily="18" charset="0"/>
                 <a:cs typeface="Times New Roman" panose="02020603050405020304" pitchFamily="18" charset="0"/>
               </a:rPr>
-              <a:t>Implementation using Keras deep learning framework based directly on the model described in the paper.</a:t>
+              <a:t>Skip connections between the encoder and decoder.</a:t>
             </a:r>
           </a:p>
         </p:txBody>
@@ -4166,7 +4212,7 @@
     </p:spTree>
     <p:extLst>
       <p:ext uri="{BB962C8B-B14F-4D97-AF65-F5344CB8AC3E}">
-        <p14:creationId xmlns:p14="http://schemas.microsoft.com/office/powerpoint/2010/main" val="1958377712"/>
+        <p14:creationId xmlns:p14="http://schemas.microsoft.com/office/powerpoint/2010/main" val="2461038803"/>
       </p:ext>
     </p:extLst>
   </p:cSld>
@@ -4198,7 +4244,7 @@
           <p:cNvPr id="2" name="Title 1">
             <a:extLst>
               <a:ext uri="{FF2B5EF4-FFF2-40B4-BE49-F238E27FC236}">
-                <a16:creationId xmlns:a16="http://schemas.microsoft.com/office/drawing/2014/main" id="{06DE7B61-B4E0-41D9-A391-DCE5D0AC9943}"/>
+                <a16:creationId xmlns:a16="http://schemas.microsoft.com/office/drawing/2014/main" id="{9A8CCFDB-7509-4941-AACC-07D681031F5F}"/>
               </a:ext>
             </a:extLst>
           </p:cNvPr>
@@ -4209,12 +4255,7 @@
             <p:ph type="title"/>
           </p:nvPr>
         </p:nvSpPr>
-        <p:spPr>
-          <a:xfrm>
-            <a:off x="838200" y="365125"/>
-            <a:ext cx="10515600" cy="1409084"/>
-          </a:xfrm>
-        </p:spPr>
+        <p:spPr/>
         <p:txBody>
           <a:bodyPr>
             <a:normAutofit/>
@@ -4226,7 +4267,7 @@
                 <a:latin typeface="Times New Roman" panose="02020603050405020304" pitchFamily="18" charset="0"/>
                 <a:cs typeface="Times New Roman" panose="02020603050405020304" pitchFamily="18" charset="0"/>
               </a:rPr>
-              <a:t>Generator</a:t>
+              <a:t>Generator loss</a:t>
             </a:r>
           </a:p>
         </p:txBody>
@@ -4236,7 +4277,7 @@
           <p:cNvPr id="3" name="Content Placeholder 2">
             <a:extLst>
               <a:ext uri="{FF2B5EF4-FFF2-40B4-BE49-F238E27FC236}">
-                <a16:creationId xmlns:a16="http://schemas.microsoft.com/office/drawing/2014/main" id="{EEEFADF3-ECFB-43FC-84CE-4A3BD3C4FF1C}"/>
+                <a16:creationId xmlns:a16="http://schemas.microsoft.com/office/drawing/2014/main" id="{CAF07A12-0308-485B-B1E3-78719439618F}"/>
               </a:ext>
             </a:extLst>
           </p:cNvPr>
@@ -4247,12 +4288,7 @@
             <p:ph idx="1"/>
           </p:nvPr>
         </p:nvSpPr>
-        <p:spPr>
-          <a:xfrm>
-            <a:off x="838200" y="1774209"/>
-            <a:ext cx="10515600" cy="4585648"/>
-          </a:xfrm>
-        </p:spPr>
+        <p:spPr/>
         <p:txBody>
           <a:bodyPr>
             <a:normAutofit/>
@@ -4275,35 +4311,7 @@
                 <a:latin typeface="Times New Roman" panose="02020603050405020304" pitchFamily="18" charset="0"/>
                 <a:cs typeface="Times New Roman" panose="02020603050405020304" pitchFamily="18" charset="0"/>
               </a:rPr>
-              <a:t>U-Net consisting of an encoder (</a:t>
-            </a:r>
-            <a:r>
-              <a:rPr lang="en-US" sz="2400" dirty="0" err="1">
-                <a:latin typeface="Times New Roman" panose="02020603050405020304" pitchFamily="18" charset="0"/>
-                <a:cs typeface="Times New Roman" panose="02020603050405020304" pitchFamily="18" charset="0"/>
-              </a:rPr>
-              <a:t>downsampler</a:t>
-            </a:r>
-            <a:r>
-              <a:rPr lang="en-US" sz="2400" dirty="0">
-                <a:latin typeface="Times New Roman" panose="02020603050405020304" pitchFamily="18" charset="0"/>
-                <a:cs typeface="Times New Roman" panose="02020603050405020304" pitchFamily="18" charset="0"/>
-              </a:rPr>
-              <a:t>) and decoder (</a:t>
-            </a:r>
-            <a:r>
-              <a:rPr lang="en-US" sz="2400" dirty="0" err="1">
-                <a:latin typeface="Times New Roman" panose="02020603050405020304" pitchFamily="18" charset="0"/>
-                <a:cs typeface="Times New Roman" panose="02020603050405020304" pitchFamily="18" charset="0"/>
-              </a:rPr>
-              <a:t>upsampler</a:t>
-            </a:r>
-            <a:r>
-              <a:rPr lang="en-US" sz="2400" dirty="0">
-                <a:latin typeface="Times New Roman" panose="02020603050405020304" pitchFamily="18" charset="0"/>
-                <a:cs typeface="Times New Roman" panose="02020603050405020304" pitchFamily="18" charset="0"/>
-              </a:rPr>
-              <a:t>)</a:t>
+              <a:t>The generator loss is a sigmoid cross-entropy loss of the generated images and an array of ones.</a:t>
             </a:r>
           </a:p>
           <a:p>
@@ -4323,95 +4331,7 @@
                 <a:latin typeface="Times New Roman" panose="02020603050405020304" pitchFamily="18" charset="0"/>
                 <a:cs typeface="Times New Roman" panose="02020603050405020304" pitchFamily="18" charset="0"/>
               </a:rPr>
-              <a:t>Each block in the encoder is: </a:t>
-            </a:r>
-            <a:br>
-              <a:rPr lang="en-US" sz="2400" dirty="0">
-                <a:latin typeface="Times New Roman" panose="02020603050405020304" pitchFamily="18" charset="0"/>
-                <a:cs typeface="Times New Roman" panose="02020603050405020304" pitchFamily="18" charset="0"/>
-              </a:rPr>
-            </a:br>
-            <a:r>
-              <a:rPr lang="en-US" sz="2400" dirty="0">
-                <a:latin typeface="Times New Roman" panose="02020603050405020304" pitchFamily="18" charset="0"/>
-                <a:cs typeface="Times New Roman" panose="02020603050405020304" pitchFamily="18" charset="0"/>
-              </a:rPr>
-              <a:t>Convolution -&gt; Batch normalization -&gt; Leaky </a:t>
-            </a:r>
-            <a:r>
-              <a:rPr lang="en-US" sz="2400" dirty="0" err="1">
-                <a:latin typeface="Times New Roman" panose="02020603050405020304" pitchFamily="18" charset="0"/>
-                <a:cs typeface="Times New Roman" panose="02020603050405020304" pitchFamily="18" charset="0"/>
-              </a:rPr>
-              <a:t>ReLU</a:t>
-            </a:r>
-            <a:endParaRPr lang="en-US" sz="2400" dirty="0">
-              <a:latin typeface="Times New Roman" panose="02020603050405020304" pitchFamily="18" charset="0"/>
-              <a:cs typeface="Times New Roman" panose="02020603050405020304" pitchFamily="18" charset="0"/>
-            </a:endParaRPr>
-          </a:p>
-          <a:p>
-            <a:pPr>
-              <a:lnSpc>
-                <a:spcPct val="150000"/>
-              </a:lnSpc>
-              <a:spcBef>
-                <a:spcPts val="0"/>
-              </a:spcBef>
-              <a:spcAft>
-                <a:spcPts val="600"/>
-              </a:spcAft>
-            </a:pPr>
-            <a:r>
-              <a:rPr lang="en-US" sz="2400" dirty="0">
-                <a:latin typeface="Times New Roman" panose="02020603050405020304" pitchFamily="18" charset="0"/>
-                <a:cs typeface="Times New Roman" panose="02020603050405020304" pitchFamily="18" charset="0"/>
-              </a:rPr>
-              <a:t>Each block in the decoder is: </a:t>
-            </a:r>
-            <a:br>
-              <a:rPr lang="en-US" sz="2400" dirty="0">
-                <a:latin typeface="Times New Roman" panose="02020603050405020304" pitchFamily="18" charset="0"/>
-                <a:cs typeface="Times New Roman" panose="02020603050405020304" pitchFamily="18" charset="0"/>
-              </a:rPr>
-            </a:br>
-            <a:r>
-              <a:rPr lang="en-US" sz="2400" dirty="0">
-                <a:latin typeface="Times New Roman" panose="02020603050405020304" pitchFamily="18" charset="0"/>
-                <a:cs typeface="Times New Roman" panose="02020603050405020304" pitchFamily="18" charset="0"/>
-              </a:rPr>
-              <a:t>Transposed convolution -&gt; Batch normalization -&gt; Dropout (applied to the first 3 blocks) -&gt; </a:t>
-            </a:r>
-            <a:r>
-              <a:rPr lang="en-US" sz="2400" dirty="0" err="1">
-                <a:latin typeface="Times New Roman" panose="02020603050405020304" pitchFamily="18" charset="0"/>
-                <a:cs typeface="Times New Roman" panose="02020603050405020304" pitchFamily="18" charset="0"/>
-              </a:rPr>
-              <a:t>ReLU</a:t>
-            </a:r>
-            <a:endParaRPr lang="en-US" sz="2400" dirty="0">
-              <a:latin typeface="Times New Roman" panose="02020603050405020304" pitchFamily="18" charset="0"/>
-              <a:cs typeface="Times New Roman" panose="02020603050405020304" pitchFamily="18" charset="0"/>
-            </a:endParaRPr>
-          </a:p>
-          <a:p>
-            <a:pPr>
-              <a:lnSpc>
-                <a:spcPct val="150000"/>
-              </a:lnSpc>
-              <a:spcBef>
-                <a:spcPts val="0"/>
-              </a:spcBef>
-              <a:spcAft>
-                <a:spcPts val="600"/>
-              </a:spcAft>
-            </a:pPr>
-            <a:r>
-              <a:rPr lang="en-US" sz="2400" dirty="0">
-                <a:latin typeface="Times New Roman" panose="02020603050405020304" pitchFamily="18" charset="0"/>
-                <a:cs typeface="Times New Roman" panose="02020603050405020304" pitchFamily="18" charset="0"/>
-              </a:rPr>
-              <a:t>Skip connections between the encoder and decoder</a:t>
+              <a:t>Also includes L1 loss, which is MAE (mean absolute error) between the generated image and the target image.</a:t>
             </a:r>
           </a:p>
         </p:txBody>
@@ -4419,7 +4339,7 @@
     </p:spTree>
     <p:extLst>
       <p:ext uri="{BB962C8B-B14F-4D97-AF65-F5344CB8AC3E}">
-        <p14:creationId xmlns:p14="http://schemas.microsoft.com/office/powerpoint/2010/main" val="2461038803"/>
+        <p14:creationId xmlns:p14="http://schemas.microsoft.com/office/powerpoint/2010/main" val="1731598065"/>
       </p:ext>
     </p:extLst>
   </p:cSld>
@@ -4451,7 +4371,7 @@
           <p:cNvPr id="2" name="Title 1">
             <a:extLst>
               <a:ext uri="{FF2B5EF4-FFF2-40B4-BE49-F238E27FC236}">
-                <a16:creationId xmlns:a16="http://schemas.microsoft.com/office/drawing/2014/main" id="{9A8CCFDB-7509-4941-AACC-07D681031F5F}"/>
+                <a16:creationId xmlns:a16="http://schemas.microsoft.com/office/drawing/2014/main" id="{E1FEE3B2-5914-492C-B1E5-6E5D6536A5A0}"/>
               </a:ext>
             </a:extLst>
           </p:cNvPr>
@@ -4462,7 +4382,12 @@
             <p:ph type="title"/>
           </p:nvPr>
         </p:nvSpPr>
-        <p:spPr/>
+        <p:spPr>
+          <a:xfrm>
+            <a:off x="838200" y="269590"/>
+            <a:ext cx="10515600" cy="1040594"/>
+          </a:xfrm>
+        </p:spPr>
         <p:txBody>
           <a:bodyPr>
             <a:normAutofit/>
@@ -4474,139 +4399,50 @@
                 <a:latin typeface="Times New Roman" panose="02020603050405020304" pitchFamily="18" charset="0"/>
                 <a:cs typeface="Times New Roman" panose="02020603050405020304" pitchFamily="18" charset="0"/>
               </a:rPr>
-              <a:t>Generator loss</a:t>
-            </a:r>
-          </a:p>
-        </p:txBody>
-      </p:sp>
-      <p:sp>
-        <p:nvSpPr>
-          <p:cNvPr id="3" name="Content Placeholder 2">
+              <a:t>Discriminator</a:t>
+            </a:r>
+          </a:p>
+        </p:txBody>
+      </p:sp>
+      <p:pic>
+        <p:nvPicPr>
+          <p:cNvPr id="7" name="Content Placeholder 6">
             <a:extLst>
               <a:ext uri="{FF2B5EF4-FFF2-40B4-BE49-F238E27FC236}">
-                <a16:creationId xmlns:a16="http://schemas.microsoft.com/office/drawing/2014/main" id="{CAF07A12-0308-485B-B1E3-78719439618F}"/>
+                <a16:creationId xmlns:a16="http://schemas.microsoft.com/office/drawing/2014/main" id="{B71900C6-5A1A-4761-98C1-2621A81B6868}"/>
               </a:ext>
             </a:extLst>
           </p:cNvPr>
-          <p:cNvSpPr>
-            <a:spLocks noGrp="1"/>
-          </p:cNvSpPr>
+          <p:cNvPicPr>
+            <a:picLocks noGrp="1" noChangeAspect="1"/>
+          </p:cNvPicPr>
           <p:nvPr>
             <p:ph idx="1"/>
           </p:nvPr>
-        </p:nvSpPr>
-        <p:spPr/>
-        <p:txBody>
-          <a:bodyPr>
-            <a:normAutofit/>
-          </a:bodyPr>
-          <a:lstStyle/>
-          <a:p>
-            <a:pPr>
-              <a:lnSpc>
-                <a:spcPct val="150000"/>
-              </a:lnSpc>
-              <a:spcBef>
-                <a:spcPts val="0"/>
-              </a:spcBef>
-              <a:spcAft>
-                <a:spcPts val="600"/>
-              </a:spcAft>
-            </a:pPr>
-            <a:r>
-              <a:rPr lang="en-US" sz="2400" dirty="0">
-                <a:latin typeface="Times New Roman" panose="02020603050405020304" pitchFamily="18" charset="0"/>
-                <a:cs typeface="Times New Roman" panose="02020603050405020304" pitchFamily="18" charset="0"/>
-              </a:rPr>
-              <a:t>The generator loss is a sigmoid cross-entropy loss of the generated images and an array of ones.</a:t>
-            </a:r>
-          </a:p>
-          <a:p>
-            <a:pPr>
-              <a:lnSpc>
-                <a:spcPct val="150000"/>
-              </a:lnSpc>
-              <a:spcBef>
-                <a:spcPts val="0"/>
-              </a:spcBef>
-              <a:spcAft>
-                <a:spcPts val="600"/>
-              </a:spcAft>
-            </a:pPr>
-            <a:r>
-              <a:rPr lang="en-US" sz="2400" dirty="0">
-                <a:latin typeface="Times New Roman" panose="02020603050405020304" pitchFamily="18" charset="0"/>
-                <a:cs typeface="Times New Roman" panose="02020603050405020304" pitchFamily="18" charset="0"/>
-              </a:rPr>
-              <a:t>Also includes L1 loss, which is MAE (mean absolute error) between the generated image and the target image.</a:t>
-            </a:r>
-          </a:p>
-          <a:p>
-            <a:pPr>
-              <a:lnSpc>
-                <a:spcPct val="150000"/>
-              </a:lnSpc>
-              <a:spcBef>
-                <a:spcPts val="0"/>
-              </a:spcBef>
-              <a:spcAft>
-                <a:spcPts val="600"/>
-              </a:spcAft>
-            </a:pPr>
-            <a:r>
-              <a:rPr lang="en-US" sz="2400" dirty="0">
-                <a:latin typeface="Times New Roman" panose="02020603050405020304" pitchFamily="18" charset="0"/>
-                <a:cs typeface="Times New Roman" panose="02020603050405020304" pitchFamily="18" charset="0"/>
-              </a:rPr>
-              <a:t>Total generator loss is</a:t>
-            </a:r>
-            <a:br>
-              <a:rPr lang="en-US" sz="2400" dirty="0">
-                <a:latin typeface="Times New Roman" panose="02020603050405020304" pitchFamily="18" charset="0"/>
-                <a:cs typeface="Times New Roman" panose="02020603050405020304" pitchFamily="18" charset="0"/>
-              </a:rPr>
-            </a:br>
-            <a:r>
-              <a:rPr lang="en-US" sz="2400" dirty="0">
-                <a:latin typeface="Times New Roman" panose="02020603050405020304" pitchFamily="18" charset="0"/>
-                <a:cs typeface="Times New Roman" panose="02020603050405020304" pitchFamily="18" charset="0"/>
-              </a:rPr>
-              <a:t>		</a:t>
-            </a:r>
-            <a:r>
-              <a:rPr lang="en-US" sz="2400" dirty="0" err="1">
-                <a:latin typeface="Times New Roman" panose="02020603050405020304" pitchFamily="18" charset="0"/>
-                <a:cs typeface="Times New Roman" panose="02020603050405020304" pitchFamily="18" charset="0"/>
-              </a:rPr>
-              <a:t>gan_loss</a:t>
-            </a:r>
-            <a:r>
-              <a:rPr lang="en-US" sz="2400" dirty="0">
-                <a:latin typeface="Times New Roman" panose="02020603050405020304" pitchFamily="18" charset="0"/>
-                <a:cs typeface="Times New Roman" panose="02020603050405020304" pitchFamily="18" charset="0"/>
-              </a:rPr>
-              <a:t> + LAMBDA * L1_loss </a:t>
-            </a:r>
-            <a:br>
-              <a:rPr lang="en-US" sz="2400" dirty="0">
-                <a:latin typeface="Times New Roman" panose="02020603050405020304" pitchFamily="18" charset="0"/>
-                <a:cs typeface="Times New Roman" panose="02020603050405020304" pitchFamily="18" charset="0"/>
-              </a:rPr>
-            </a:br>
-            <a:r>
-              <a:rPr lang="en-US" sz="2400" dirty="0">
-                <a:latin typeface="Times New Roman" panose="02020603050405020304" pitchFamily="18" charset="0"/>
-                <a:cs typeface="Times New Roman" panose="02020603050405020304" pitchFamily="18" charset="0"/>
-              </a:rPr>
-              <a:t>where LAMBDA = 100. </a:t>
-            </a:r>
-          </a:p>
-        </p:txBody>
-      </p:sp>
+        </p:nvPicPr>
+        <p:blipFill>
+          <a:blip r:embed="rId2">
+            <a:extLst>
+              <a:ext uri="{28A0092B-C50C-407E-A947-70E740481C1C}">
+                <a14:useLocalDpi xmlns:a14="http://schemas.microsoft.com/office/drawing/2010/main" val="0"/>
+              </a:ext>
+            </a:extLst>
+          </a:blip>
+          <a:stretch>
+            <a:fillRect/>
+          </a:stretch>
+        </p:blipFill>
+        <p:spPr>
+          <a:xfrm>
+            <a:off x="2956671" y="1306057"/>
+            <a:ext cx="6278657" cy="5282353"/>
+          </a:xfrm>
+        </p:spPr>
+      </p:pic>
     </p:spTree>
     <p:extLst>
       <p:ext uri="{BB962C8B-B14F-4D97-AF65-F5344CB8AC3E}">
-        <p14:creationId xmlns:p14="http://schemas.microsoft.com/office/powerpoint/2010/main" val="1731598065"/>
+        <p14:creationId xmlns:p14="http://schemas.microsoft.com/office/powerpoint/2010/main" val="824164043"/>
       </p:ext>
     </p:extLst>
   </p:cSld>
@@ -4635,10 +4471,10 @@
       </p:grpSpPr>
       <p:sp>
         <p:nvSpPr>
-          <p:cNvPr id="2" name="Title 1">
+          <p:cNvPr id="4" name="Content Placeholder 2">
             <a:extLst>
               <a:ext uri="{FF2B5EF4-FFF2-40B4-BE49-F238E27FC236}">
-                <a16:creationId xmlns:a16="http://schemas.microsoft.com/office/drawing/2014/main" id="{E1FEE3B2-5914-492C-B1E5-6E5D6536A5A0}"/>
+                <a16:creationId xmlns:a16="http://schemas.microsoft.com/office/drawing/2014/main" id="{29A38DF6-A777-4AD2-9546-33D723548AA5}"/>
               </a:ext>
             </a:extLst>
           </p:cNvPr>
@@ -4646,49 +4482,21 @@
             <a:spLocks noGrp="1"/>
           </p:cNvSpPr>
           <p:nvPr>
-            <p:ph type="title"/>
-          </p:nvPr>
-        </p:nvSpPr>
-        <p:spPr/>
+            <p:ph idx="1"/>
+          </p:nvPr>
+        </p:nvSpPr>
+        <p:spPr>
+          <a:xfrm>
+            <a:off x="838200" y="709684"/>
+            <a:ext cx="10515600" cy="5467279"/>
+          </a:xfrm>
+        </p:spPr>
         <p:txBody>
           <a:bodyPr>
             <a:normAutofit/>
           </a:bodyPr>
           <a:lstStyle/>
           <a:p>
-            <a:r>
-              <a:rPr lang="en-US" sz="3200" b="1" dirty="0">
-                <a:latin typeface="Times New Roman" panose="02020603050405020304" pitchFamily="18" charset="0"/>
-                <a:cs typeface="Times New Roman" panose="02020603050405020304" pitchFamily="18" charset="0"/>
-              </a:rPr>
-              <a:t>Discriminator</a:t>
-            </a:r>
-          </a:p>
-        </p:txBody>
-      </p:sp>
-      <p:sp>
-        <p:nvSpPr>
-          <p:cNvPr id="3" name="Content Placeholder 2">
-            <a:extLst>
-              <a:ext uri="{FF2B5EF4-FFF2-40B4-BE49-F238E27FC236}">
-                <a16:creationId xmlns:a16="http://schemas.microsoft.com/office/drawing/2014/main" id="{AA12D825-EE76-4061-BB44-F0679248D526}"/>
-              </a:ext>
-            </a:extLst>
-          </p:cNvPr>
-          <p:cNvSpPr>
-            <a:spLocks noGrp="1"/>
-          </p:cNvSpPr>
-          <p:nvPr>
-            <p:ph idx="1"/>
-          </p:nvPr>
-        </p:nvSpPr>
-        <p:spPr/>
-        <p:txBody>
-          <a:bodyPr>
-            <a:normAutofit fontScale="85000" lnSpcReduction="20000"/>
-          </a:bodyPr>
-          <a:lstStyle/>
-          <a:p>
             <a:pPr>
               <a:lnSpc>
                 <a:spcPct val="160000"/>
@@ -4712,7 +4520,7 @@
                 <a:latin typeface="Times New Roman" panose="02020603050405020304" pitchFamily="18" charset="0"/>
                 <a:cs typeface="Times New Roman" panose="02020603050405020304" pitchFamily="18" charset="0"/>
               </a:rPr>
-              <a:t> classifier—it tries to classify if each image patch is real or not real</a:t>
+              <a:t> classifier—it tries to classify if each image patch is real or not real.</a:t>
             </a:r>
           </a:p>
           <a:p>
@@ -4732,34 +4540,7 @@
                 <a:latin typeface="Times New Roman" panose="02020603050405020304" pitchFamily="18" charset="0"/>
                 <a:cs typeface="Times New Roman" panose="02020603050405020304" pitchFamily="18" charset="0"/>
               </a:rPr>
-              <a:t>Each block in the discriminator is: </a:t>
-            </a:r>
-            <a:br>
-              <a:rPr lang="en-US" sz="2400" dirty="0">
-                <a:latin typeface="Times New Roman" panose="02020603050405020304" pitchFamily="18" charset="0"/>
-                <a:cs typeface="Times New Roman" panose="02020603050405020304" pitchFamily="18" charset="0"/>
-              </a:rPr>
-            </a:br>
-            <a:r>
-              <a:rPr lang="en-US" sz="2400" dirty="0">
-                <a:latin typeface="Times New Roman" panose="02020603050405020304" pitchFamily="18" charset="0"/>
-                <a:cs typeface="Times New Roman" panose="02020603050405020304" pitchFamily="18" charset="0"/>
-              </a:rPr>
-              <a:t>Convolution -&gt; Batch normalization -&gt; Leaky </a:t>
-            </a:r>
-            <a:r>
-              <a:rPr lang="en-US" sz="2400" dirty="0" err="1">
-                <a:latin typeface="Times New Roman" panose="02020603050405020304" pitchFamily="18" charset="0"/>
-                <a:cs typeface="Times New Roman" panose="02020603050405020304" pitchFamily="18" charset="0"/>
-              </a:rPr>
-              <a:t>ReLU</a:t>
-            </a:r>
-            <a:r>
-              <a:rPr lang="en-US" sz="2400" dirty="0">
-                <a:latin typeface="Times New Roman" panose="02020603050405020304" pitchFamily="18" charset="0"/>
-                <a:cs typeface="Times New Roman" panose="02020603050405020304" pitchFamily="18" charset="0"/>
-              </a:rPr>
-              <a:t>.</a:t>
+              <a:t>Run this discriminator convolutionally across the image, averaging all responses to provide the ultimate output of D.</a:t>
             </a:r>
           </a:p>
           <a:p>
@@ -4779,101 +4560,7 @@
                 <a:latin typeface="Times New Roman" panose="02020603050405020304" pitchFamily="18" charset="0"/>
                 <a:cs typeface="Times New Roman" panose="02020603050405020304" pitchFamily="18" charset="0"/>
               </a:rPr>
-              <a:t>The shape of the output after the last layer is (</a:t>
-            </a:r>
-            <a:r>
-              <a:rPr lang="en-US" sz="2400" dirty="0" err="1">
-                <a:latin typeface="Times New Roman" panose="02020603050405020304" pitchFamily="18" charset="0"/>
-                <a:cs typeface="Times New Roman" panose="02020603050405020304" pitchFamily="18" charset="0"/>
-              </a:rPr>
-              <a:t>batch_size</a:t>
-            </a:r>
-            <a:r>
-              <a:rPr lang="en-US" sz="2400" dirty="0">
-                <a:latin typeface="Times New Roman" panose="02020603050405020304" pitchFamily="18" charset="0"/>
-                <a:cs typeface="Times New Roman" panose="02020603050405020304" pitchFamily="18" charset="0"/>
-              </a:rPr>
-              <a:t>, 30, 30, 1).</a:t>
-            </a:r>
-          </a:p>
-          <a:p>
-            <a:pPr>
-              <a:lnSpc>
-                <a:spcPct val="160000"/>
-              </a:lnSpc>
-              <a:spcBef>
-                <a:spcPts val="0"/>
-              </a:spcBef>
-              <a:spcAft>
-                <a:spcPts val="600"/>
-              </a:spcAft>
-            </a:pPr>
-            <a:r>
-              <a:rPr lang="en-US" sz="2400" dirty="0">
-                <a:latin typeface="Times New Roman" panose="02020603050405020304" pitchFamily="18" charset="0"/>
-                <a:cs typeface="Times New Roman" panose="02020603050405020304" pitchFamily="18" charset="0"/>
-              </a:rPr>
-              <a:t>Each 30 x 30 image patch of the output classifies a 70 x 70 portion of the input image.</a:t>
-            </a:r>
-          </a:p>
-          <a:p>
-            <a:pPr>
-              <a:lnSpc>
-                <a:spcPct val="160000"/>
-              </a:lnSpc>
-              <a:spcBef>
-                <a:spcPts val="0"/>
-              </a:spcBef>
-              <a:spcAft>
-                <a:spcPts val="600"/>
-              </a:spcAft>
-            </a:pPr>
-            <a:r>
-              <a:rPr lang="en-US" sz="2400" dirty="0">
-                <a:latin typeface="Times New Roman" panose="02020603050405020304" pitchFamily="18" charset="0"/>
-                <a:cs typeface="Times New Roman" panose="02020603050405020304" pitchFamily="18" charset="0"/>
-              </a:rPr>
-              <a:t>The discriminator receives 2 inputs:</a:t>
-            </a:r>
-          </a:p>
-          <a:p>
-            <a:pPr>
-              <a:lnSpc>
-                <a:spcPct val="160000"/>
-              </a:lnSpc>
-              <a:spcBef>
-                <a:spcPts val="0"/>
-              </a:spcBef>
-              <a:spcAft>
-                <a:spcPts val="600"/>
-              </a:spcAft>
-            </a:pPr>
-            <a:r>
-              <a:rPr lang="en-US" sz="2400" dirty="0">
-                <a:latin typeface="Times New Roman" panose="02020603050405020304" pitchFamily="18" charset="0"/>
-                <a:cs typeface="Times New Roman" panose="02020603050405020304" pitchFamily="18" charset="0"/>
-              </a:rPr>
-              <a:t>The input image and the target image, which it should classify as real.</a:t>
-            </a:r>
-          </a:p>
-          <a:p>
-            <a:pPr>
-              <a:lnSpc>
-                <a:spcPct val="160000"/>
-              </a:lnSpc>
-              <a:spcBef>
-                <a:spcPts val="0"/>
-              </a:spcBef>
-              <a:spcAft>
-                <a:spcPts val="600"/>
-              </a:spcAft>
-            </a:pPr>
-            <a:r>
-              <a:rPr lang="en-US" sz="2400" dirty="0">
-                <a:latin typeface="Times New Roman" panose="02020603050405020304" pitchFamily="18" charset="0"/>
-                <a:cs typeface="Times New Roman" panose="02020603050405020304" pitchFamily="18" charset="0"/>
-              </a:rPr>
-              <a:t>The input image and the generated image (the output of the generator), which it should classify as fake.</a:t>
+              <a:t>Each value of the output matrix represents the probability of whether the corresponding image patch is real or artiﬁcially generated.</a:t>
             </a:r>
           </a:p>
         </p:txBody>
@@ -4881,7 +4568,7 @@
     </p:spTree>
     <p:extLst>
       <p:ext uri="{BB962C8B-B14F-4D97-AF65-F5344CB8AC3E}">
-        <p14:creationId xmlns:p14="http://schemas.microsoft.com/office/powerpoint/2010/main" val="824164043"/>
+        <p14:creationId xmlns:p14="http://schemas.microsoft.com/office/powerpoint/2010/main" val="4114951135"/>
       </p:ext>
     </p:extLst>
   </p:cSld>
@@ -5075,10 +4762,10 @@
       </p:grpSpPr>
       <p:sp>
         <p:nvSpPr>
-          <p:cNvPr id="2" name="Title 1">
+          <p:cNvPr id="3" name="Content Placeholder 2">
             <a:extLst>
               <a:ext uri="{FF2B5EF4-FFF2-40B4-BE49-F238E27FC236}">
-                <a16:creationId xmlns:a16="http://schemas.microsoft.com/office/drawing/2014/main" id="{F111F097-F07F-4A2E-A320-0D923BFFFCF7}"/>
+                <a16:creationId xmlns:a16="http://schemas.microsoft.com/office/drawing/2014/main" id="{1BF83E02-5371-4FF3-A5DD-443F76747FC7}"/>
               </a:ext>
             </a:extLst>
           </p:cNvPr>
@@ -5086,46 +4773,18 @@
             <a:spLocks noGrp="1"/>
           </p:cNvSpPr>
           <p:nvPr>
-            <p:ph type="title"/>
-          </p:nvPr>
-        </p:nvSpPr>
-        <p:spPr/>
+            <p:ph idx="1"/>
+          </p:nvPr>
+        </p:nvSpPr>
+        <p:spPr>
+          <a:xfrm>
+            <a:off x="838200" y="655093"/>
+            <a:ext cx="10515600" cy="5431808"/>
+          </a:xfrm>
+        </p:spPr>
         <p:txBody>
           <a:bodyPr>
-            <a:normAutofit/>
-          </a:bodyPr>
-          <a:lstStyle/>
-          <a:p>
-            <a:r>
-              <a:rPr lang="en-US" sz="3200" b="1" dirty="0">
-                <a:latin typeface="Times New Roman" panose="02020603050405020304" pitchFamily="18" charset="0"/>
-                <a:cs typeface="Times New Roman" panose="02020603050405020304" pitchFamily="18" charset="0"/>
-              </a:rPr>
-              <a:t>Discriminator loss</a:t>
-            </a:r>
-          </a:p>
-        </p:txBody>
-      </p:sp>
-      <p:sp>
-        <p:nvSpPr>
-          <p:cNvPr id="3" name="Content Placeholder 2">
-            <a:extLst>
-              <a:ext uri="{FF2B5EF4-FFF2-40B4-BE49-F238E27FC236}">
-                <a16:creationId xmlns:a16="http://schemas.microsoft.com/office/drawing/2014/main" id="{BEB9D495-9143-4608-8D5C-2D5169C03773}"/>
-              </a:ext>
-            </a:extLst>
-          </p:cNvPr>
-          <p:cNvSpPr>
-            <a:spLocks noGrp="1"/>
-          </p:cNvSpPr>
-          <p:nvPr>
-            <p:ph idx="1"/>
-          </p:nvPr>
-        </p:nvSpPr>
-        <p:spPr/>
-        <p:txBody>
-          <a:bodyPr>
-            <a:normAutofit/>
+            <a:noAutofit/>
           </a:bodyPr>
           <a:lstStyle/>
           <a:p>
@@ -5145,11 +4804,11 @@
                 <a:latin typeface="Times New Roman" panose="02020603050405020304" pitchFamily="18" charset="0"/>
                 <a:cs typeface="Times New Roman" panose="02020603050405020304" pitchFamily="18" charset="0"/>
               </a:rPr>
-              <a:t>The discriminator loss function takes 2 inputs: real images and generated images.</a:t>
-            </a:r>
-          </a:p>
-          <a:p>
-            <a:pPr>
+              <a:t>The discriminator receives 2 inputs:</a:t>
+            </a:r>
+          </a:p>
+          <a:p>
+            <a:pPr lvl="1">
               <a:lnSpc>
                 <a:spcPct val="150000"/>
               </a:lnSpc>
@@ -5159,17 +4818,19 @@
               <a:spcAft>
                 <a:spcPts val="600"/>
               </a:spcAft>
-            </a:pPr>
-            <a:r>
-              <a:rPr lang="en-US" sz="2400" dirty="0">
-                <a:latin typeface="Times New Roman" panose="02020603050405020304" pitchFamily="18" charset="0"/>
-                <a:cs typeface="Times New Roman" panose="02020603050405020304" pitchFamily="18" charset="0"/>
-              </a:rPr>
-              <a:t>Real loss is a sigmoid cross-entropy loss of the real images and an array of ones.</a:t>
-            </a:r>
-          </a:p>
-          <a:p>
-            <a:pPr>
+              <a:buFont typeface="Wingdings" panose="05000000000000000000" pitchFamily="2" charset="2"/>
+              <a:buChar char="ü"/>
+            </a:pPr>
+            <a:r>
+              <a:rPr lang="en-US" sz="2000" dirty="0">
+                <a:latin typeface="Times New Roman" panose="02020603050405020304" pitchFamily="18" charset="0"/>
+                <a:cs typeface="Times New Roman" panose="02020603050405020304" pitchFamily="18" charset="0"/>
+              </a:rPr>
+              <a:t>The input image and the target image, which it should classify as real.</a:t>
+            </a:r>
+          </a:p>
+          <a:p>
+            <a:pPr lvl="1">
               <a:lnSpc>
                 <a:spcPct val="150000"/>
               </a:lnSpc>
@@ -5179,25 +4840,16 @@
               <a:spcAft>
                 <a:spcPts val="600"/>
               </a:spcAft>
-            </a:pPr>
-            <a:r>
-              <a:rPr lang="en-US" sz="2400" dirty="0">
-                <a:latin typeface="Times New Roman" panose="02020603050405020304" pitchFamily="18" charset="0"/>
-                <a:cs typeface="Times New Roman" panose="02020603050405020304" pitchFamily="18" charset="0"/>
-              </a:rPr>
-              <a:t>Generated loss is a sigmoid cross-entropy loss of the generated images and an array </a:t>
-            </a:r>
-            <a:r>
-              <a:rPr lang="en-US" sz="2400">
-                <a:latin typeface="Times New Roman" panose="02020603050405020304" pitchFamily="18" charset="0"/>
-                <a:cs typeface="Times New Roman" panose="02020603050405020304" pitchFamily="18" charset="0"/>
-              </a:rPr>
-              <a:t>of zeros.</a:t>
-            </a:r>
-            <a:endParaRPr lang="en-US" sz="2400" dirty="0">
-              <a:latin typeface="Times New Roman" panose="02020603050405020304" pitchFamily="18" charset="0"/>
-              <a:cs typeface="Times New Roman" panose="02020603050405020304" pitchFamily="18" charset="0"/>
-            </a:endParaRPr>
+              <a:buFont typeface="Wingdings" panose="05000000000000000000" pitchFamily="2" charset="2"/>
+              <a:buChar char="ü"/>
+            </a:pPr>
+            <a:r>
+              <a:rPr lang="en-US" sz="2000" dirty="0">
+                <a:latin typeface="Times New Roman" panose="02020603050405020304" pitchFamily="18" charset="0"/>
+                <a:cs typeface="Times New Roman" panose="02020603050405020304" pitchFamily="18" charset="0"/>
+              </a:rPr>
+              <a:t>The input image and the generated image (the output of the generator), which it should classify as fake.</a:t>
+            </a:r>
           </a:p>
           <a:p>
             <a:pPr>
@@ -5216,7 +4868,34 @@
                 <a:latin typeface="Times New Roman" panose="02020603050405020304" pitchFamily="18" charset="0"/>
                 <a:cs typeface="Times New Roman" panose="02020603050405020304" pitchFamily="18" charset="0"/>
               </a:rPr>
-              <a:t>Total loss is the sum of real loss and generated loss.</a:t>
+              <a:t>Each block in the discriminator is: </a:t>
+            </a:r>
+            <a:br>
+              <a:rPr lang="en-US" sz="2400" dirty="0">
+                <a:latin typeface="Times New Roman" panose="02020603050405020304" pitchFamily="18" charset="0"/>
+                <a:cs typeface="Times New Roman" panose="02020603050405020304" pitchFamily="18" charset="0"/>
+              </a:rPr>
+            </a:br>
+            <a:r>
+              <a:rPr lang="en-US" sz="2400" dirty="0">
+                <a:latin typeface="Times New Roman" panose="02020603050405020304" pitchFamily="18" charset="0"/>
+                <a:cs typeface="Times New Roman" panose="02020603050405020304" pitchFamily="18" charset="0"/>
+              </a:rPr>
+              <a:t>Convolution -&gt; Batch normalization -&gt; Leaky </a:t>
+            </a:r>
+            <a:r>
+              <a:rPr lang="en-US" sz="2400" dirty="0" err="1">
+                <a:latin typeface="Times New Roman" panose="02020603050405020304" pitchFamily="18" charset="0"/>
+                <a:cs typeface="Times New Roman" panose="02020603050405020304" pitchFamily="18" charset="0"/>
+              </a:rPr>
+              <a:t>ReLU</a:t>
+            </a:r>
+            <a:r>
+              <a:rPr lang="en-US" sz="2400" dirty="0">
+                <a:latin typeface="Times New Roman" panose="02020603050405020304" pitchFamily="18" charset="0"/>
+                <a:cs typeface="Times New Roman" panose="02020603050405020304" pitchFamily="18" charset="0"/>
+              </a:rPr>
+              <a:t>.</a:t>
             </a:r>
           </a:p>
           <a:p>
@@ -5231,17 +4910,62 @@
                 <a:spcPts val="600"/>
               </a:spcAft>
             </a:pPr>
-            <a:endParaRPr lang="en-US" sz="2400" dirty="0">
-              <a:latin typeface="Times New Roman" panose="02020603050405020304" pitchFamily="18" charset="0"/>
-              <a:cs typeface="Times New Roman" panose="02020603050405020304" pitchFamily="18" charset="0"/>
-            </a:endParaRPr>
+            <a:r>
+              <a:rPr lang="en-US" sz="2400" dirty="0">
+                <a:latin typeface="Times New Roman" panose="02020603050405020304" pitchFamily="18" charset="0"/>
+                <a:cs typeface="Times New Roman" panose="02020603050405020304" pitchFamily="18" charset="0"/>
+              </a:rPr>
+              <a:t>The shape of the output after the last layer is (</a:t>
+            </a:r>
+            <a:r>
+              <a:rPr lang="en-US" sz="2400" dirty="0" err="1">
+                <a:latin typeface="Times New Roman" panose="02020603050405020304" pitchFamily="18" charset="0"/>
+                <a:cs typeface="Times New Roman" panose="02020603050405020304" pitchFamily="18" charset="0"/>
+              </a:rPr>
+              <a:t>batch_size</a:t>
+            </a:r>
+            <a:r>
+              <a:rPr lang="en-US" sz="2400" dirty="0">
+                <a:latin typeface="Times New Roman" panose="02020603050405020304" pitchFamily="18" charset="0"/>
+                <a:cs typeface="Times New Roman" panose="02020603050405020304" pitchFamily="18" charset="0"/>
+              </a:rPr>
+              <a:t>, 30, 30, 1).</a:t>
+            </a:r>
+          </a:p>
+          <a:p>
+            <a:pPr>
+              <a:lnSpc>
+                <a:spcPct val="150000"/>
+              </a:lnSpc>
+              <a:spcBef>
+                <a:spcPts val="0"/>
+              </a:spcBef>
+              <a:spcAft>
+                <a:spcPts val="600"/>
+              </a:spcAft>
+            </a:pPr>
+            <a:r>
+              <a:rPr lang="en-US" sz="2400" dirty="0">
+                <a:latin typeface="Times New Roman" panose="02020603050405020304" pitchFamily="18" charset="0"/>
+                <a:cs typeface="Times New Roman" panose="02020603050405020304" pitchFamily="18" charset="0"/>
+              </a:rPr>
+              <a:t>Each 30 x 30 image patch of the output classifies a 70 x 70 portion of the input image.</a:t>
+            </a:r>
+          </a:p>
+          <a:p>
+            <a:pPr>
+              <a:lnSpc>
+                <a:spcPct val="150000"/>
+              </a:lnSpc>
+            </a:pPr>
+            <a:endParaRPr lang="en-US" sz="2400" dirty="0"/>
           </a:p>
         </p:txBody>
       </p:sp>
     </p:spTree>
     <p:extLst>
       <p:ext uri="{BB962C8B-B14F-4D97-AF65-F5344CB8AC3E}">
-        <p14:creationId xmlns:p14="http://schemas.microsoft.com/office/powerpoint/2010/main" val="1117752074"/>
+        <p14:creationId xmlns:p14="http://schemas.microsoft.com/office/powerpoint/2010/main" val="708905645"/>
       </p:ext>
     </p:extLst>
   </p:cSld>
@@ -5254,14 +4978,6 @@
 <file path=ppt/slides/slide21.xml><?xml version="1.0" encoding="utf-8"?>
 <p:sld xmlns:a="http://schemas.openxmlformats.org/drawingml/2006/main" xmlns:r="http://schemas.openxmlformats.org/officeDocument/2006/relationships" xmlns:p="http://schemas.openxmlformats.org/presentationml/2006/main">
   <p:cSld>
-    <p:bg>
-      <p:bgPr>
-        <a:solidFill>
-          <a:schemeClr val="bg1"/>
-        </a:solidFill>
-        <a:effectLst/>
-      </p:bgPr>
-    </p:bg>
     <p:spTree>
       <p:nvGrpSpPr>
         <p:cNvPr id="1" name=""/>
@@ -5278,10 +4994,43 @@
       </p:grpSpPr>
       <p:sp>
         <p:nvSpPr>
+          <p:cNvPr id="2" name="Title 1">
+            <a:extLst>
+              <a:ext uri="{FF2B5EF4-FFF2-40B4-BE49-F238E27FC236}">
+                <a16:creationId xmlns:a16="http://schemas.microsoft.com/office/drawing/2014/main" id="{F111F097-F07F-4A2E-A320-0D923BFFFCF7}"/>
+              </a:ext>
+            </a:extLst>
+          </p:cNvPr>
+          <p:cNvSpPr>
+            <a:spLocks noGrp="1"/>
+          </p:cNvSpPr>
+          <p:nvPr>
+            <p:ph type="title"/>
+          </p:nvPr>
+        </p:nvSpPr>
+        <p:spPr/>
+        <p:txBody>
+          <a:bodyPr>
+            <a:normAutofit/>
+          </a:bodyPr>
+          <a:lstStyle/>
+          <a:p>
+            <a:r>
+              <a:rPr lang="en-US" sz="3200" b="1" dirty="0">
+                <a:latin typeface="Times New Roman" panose="02020603050405020304" pitchFamily="18" charset="0"/>
+                <a:cs typeface="Times New Roman" panose="02020603050405020304" pitchFamily="18" charset="0"/>
+              </a:rPr>
+              <a:t>Discriminator loss</a:t>
+            </a:r>
+          </a:p>
+        </p:txBody>
+      </p:sp>
+      <p:sp>
+        <p:nvSpPr>
           <p:cNvPr id="3" name="Content Placeholder 2">
             <a:extLst>
               <a:ext uri="{FF2B5EF4-FFF2-40B4-BE49-F238E27FC236}">
-                <a16:creationId xmlns:a16="http://schemas.microsoft.com/office/drawing/2014/main" id="{A71E7746-F2D2-121B-BAF0-A7DD5CA3AC66}"/>
+                <a16:creationId xmlns:a16="http://schemas.microsoft.com/office/drawing/2014/main" id="{BEB9D495-9143-4608-8D5C-2D5169C03773}"/>
               </a:ext>
             </a:extLst>
           </p:cNvPr>
@@ -5292,21 +5041,16 @@
             <p:ph idx="1"/>
           </p:nvPr>
         </p:nvSpPr>
-        <p:spPr>
-          <a:xfrm>
-            <a:off x="643467" y="713127"/>
-            <a:ext cx="10905066" cy="5463836"/>
-          </a:xfrm>
-        </p:spPr>
+        <p:spPr/>
         <p:txBody>
           <a:bodyPr>
             <a:normAutofit/>
           </a:bodyPr>
           <a:lstStyle/>
           <a:p>
-            <a:pPr marL="0" indent="0">
-              <a:lnSpc>
-                <a:spcPct val="160000"/>
+            <a:pPr>
+              <a:lnSpc>
+                <a:spcPct val="150000"/>
               </a:lnSpc>
               <a:spcBef>
                 <a:spcPts val="0"/>
@@ -5314,24 +5058,19 @@
               <a:spcAft>
                 <a:spcPts val="600"/>
               </a:spcAft>
-              <a:buNone/>
-            </a:pPr>
-            <a:r>
-              <a:rPr lang="en-US" b="1">
-                <a:latin typeface="Times New Roman" panose="02020603050405020304" pitchFamily="18" charset="0"/>
-                <a:cs typeface="Times New Roman" panose="02020603050405020304" pitchFamily="18" charset="0"/>
-              </a:rPr>
-              <a:t>Frontend development:</a:t>
-            </a:r>
-            <a:endParaRPr lang="en-US" b="1">
-              <a:latin typeface="Times New Roman"/>
-              <a:cs typeface="Times New Roman"/>
-            </a:endParaRPr>
+            </a:pPr>
+            <a:r>
+              <a:rPr lang="en-US" sz="2400" dirty="0">
+                <a:latin typeface="Times New Roman" panose="02020603050405020304" pitchFamily="18" charset="0"/>
+                <a:cs typeface="Times New Roman" panose="02020603050405020304" pitchFamily="18" charset="0"/>
+              </a:rPr>
+              <a:t>The discriminator loss function takes 2 inputs: real images and generated images.</a:t>
+            </a:r>
           </a:p>
           <a:p>
             <a:pPr>
               <a:lnSpc>
-                <a:spcPct val="160000"/>
+                <a:spcPct val="150000"/>
               </a:lnSpc>
               <a:spcBef>
                 <a:spcPts val="0"/>
@@ -5341,17 +5080,17 @@
               </a:spcAft>
             </a:pPr>
             <a:r>
-              <a:rPr lang="en-US" sz="2400">
-                <a:latin typeface="Times New Roman" panose="02020603050405020304" pitchFamily="18" charset="0"/>
-                <a:cs typeface="Times New Roman" panose="02020603050405020304" pitchFamily="18" charset="0"/>
-              </a:rPr>
-              <a:t>JavaScript – React</a:t>
+              <a:rPr lang="en-US" sz="2400" dirty="0">
+                <a:latin typeface="Times New Roman" panose="02020603050405020304" pitchFamily="18" charset="0"/>
+                <a:cs typeface="Times New Roman" panose="02020603050405020304" pitchFamily="18" charset="0"/>
+              </a:rPr>
+              <a:t>Real loss is a sigmoid cross-entropy loss of the real images and an array of ones.</a:t>
             </a:r>
           </a:p>
           <a:p>
             <a:pPr>
               <a:lnSpc>
-                <a:spcPct val="160000"/>
+                <a:spcPct val="150000"/>
               </a:lnSpc>
               <a:spcBef>
                 <a:spcPts val="0"/>
@@ -5361,17 +5100,28 @@
               </a:spcAft>
             </a:pPr>
             <a:r>
+              <a:rPr lang="en-US" sz="2400" dirty="0">
+                <a:latin typeface="Times New Roman" panose="02020603050405020304" pitchFamily="18" charset="0"/>
+                <a:cs typeface="Times New Roman" panose="02020603050405020304" pitchFamily="18" charset="0"/>
+              </a:rPr>
+              <a:t>Generated loss is a sigmoid cross-entropy loss of the generated images and an array </a:t>
+            </a:r>
+            <a:r>
               <a:rPr lang="en-US" sz="2400">
-                <a:latin typeface="Times New Roman"/>
-                <a:cs typeface="Times New Roman"/>
-              </a:rPr>
-              <a:t>CSS</a:t>
-            </a:r>
-          </a:p>
-          <a:p>
-            <a:pPr marL="0" indent="0">
-              <a:lnSpc>
-                <a:spcPct val="160000"/>
+                <a:latin typeface="Times New Roman" panose="02020603050405020304" pitchFamily="18" charset="0"/>
+                <a:cs typeface="Times New Roman" panose="02020603050405020304" pitchFamily="18" charset="0"/>
+              </a:rPr>
+              <a:t>of zeros.</a:t>
+            </a:r>
+            <a:endParaRPr lang="en-US" sz="2400" dirty="0">
+              <a:latin typeface="Times New Roman" panose="02020603050405020304" pitchFamily="18" charset="0"/>
+              <a:cs typeface="Times New Roman" panose="02020603050405020304" pitchFamily="18" charset="0"/>
+            </a:endParaRPr>
+          </a:p>
+          <a:p>
+            <a:pPr>
+              <a:lnSpc>
+                <a:spcPct val="150000"/>
               </a:lnSpc>
               <a:spcBef>
                 <a:spcPts val="0"/>
@@ -5379,18 +5129,19 @@
               <a:spcAft>
                 <a:spcPts val="600"/>
               </a:spcAft>
-              <a:buNone/>
-            </a:pPr>
-            <a:endParaRPr lang="en-US" sz="2000" b="1">
-              <a:latin typeface="Times New Roman"/>
-              <a:ea typeface="+mn-lt"/>
-              <a:cs typeface="Times New Roman"/>
-            </a:endParaRPr>
-          </a:p>
-          <a:p>
-            <a:pPr marL="0" indent="0">
-              <a:lnSpc>
-                <a:spcPct val="160000"/>
+            </a:pPr>
+            <a:r>
+              <a:rPr lang="en-US" sz="2400" dirty="0">
+                <a:latin typeface="Times New Roman" panose="02020603050405020304" pitchFamily="18" charset="0"/>
+                <a:cs typeface="Times New Roman" panose="02020603050405020304" pitchFamily="18" charset="0"/>
+              </a:rPr>
+              <a:t>Total loss is the sum of real loss and generated loss.</a:t>
+            </a:r>
+          </a:p>
+          <a:p>
+            <a:pPr>
+              <a:lnSpc>
+                <a:spcPct val="150000"/>
               </a:lnSpc>
               <a:spcBef>
                 <a:spcPts val="0"/>
@@ -5398,75 +5149,18 @@
               <a:spcAft>
                 <a:spcPts val="600"/>
               </a:spcAft>
-              <a:buNone/>
-            </a:pPr>
-            <a:r>
-              <a:rPr lang="en-US" b="1">
-                <a:latin typeface="Times New Roman"/>
-                <a:cs typeface="Times New Roman"/>
-              </a:rPr>
-              <a:t>Backend development:</a:t>
-            </a:r>
-          </a:p>
-          <a:p>
-            <a:pPr>
-              <a:lnSpc>
-                <a:spcPct val="150000"/>
-              </a:lnSpc>
-              <a:spcBef>
-                <a:spcPts val="0"/>
-              </a:spcBef>
-              <a:spcAft>
-                <a:spcPts val="600"/>
-              </a:spcAft>
-            </a:pPr>
-            <a:r>
-              <a:rPr lang="en-US" sz="2400">
-                <a:latin typeface="Times New Roman"/>
-                <a:cs typeface="Times New Roman"/>
-              </a:rPr>
-              <a:t>Node JS</a:t>
-            </a:r>
-            <a:endParaRPr lang="en-US" sz="2400">
-              <a:latin typeface="Times New Roman"/>
-              <a:ea typeface="+mn-lt"/>
-              <a:cs typeface="+mn-lt"/>
+            </a:pPr>
+            <a:endParaRPr lang="en-US" sz="2400" dirty="0">
+              <a:latin typeface="Times New Roman" panose="02020603050405020304" pitchFamily="18" charset="0"/>
+              <a:cs typeface="Times New Roman" panose="02020603050405020304" pitchFamily="18" charset="0"/>
             </a:endParaRPr>
-          </a:p>
-          <a:p>
-            <a:pPr>
-              <a:lnSpc>
-                <a:spcPct val="150000"/>
-              </a:lnSpc>
-              <a:spcBef>
-                <a:spcPts val="0"/>
-              </a:spcBef>
-              <a:spcAft>
-                <a:spcPts val="600"/>
-              </a:spcAft>
-            </a:pPr>
-            <a:r>
-              <a:rPr lang="en-US" sz="2400">
-                <a:latin typeface="Times New Roman"/>
-                <a:ea typeface="+mn-lt"/>
-                <a:cs typeface="+mn-lt"/>
-              </a:rPr>
-              <a:t>Python</a:t>
-            </a:r>
-            <a:endParaRPr lang="en-US" sz="2400">
-              <a:latin typeface="Times New Roman"/>
-              <a:cs typeface="Times New Roman"/>
-            </a:endParaRPr>
-          </a:p>
-          <a:p>
-            <a:endParaRPr lang="en-US" sz="2000"/>
           </a:p>
         </p:txBody>
       </p:sp>
     </p:spTree>
     <p:extLst>
       <p:ext uri="{BB962C8B-B14F-4D97-AF65-F5344CB8AC3E}">
-        <p14:creationId xmlns:p14="http://schemas.microsoft.com/office/powerpoint/2010/main" val="30016698"/>
+        <p14:creationId xmlns:p14="http://schemas.microsoft.com/office/powerpoint/2010/main" val="1117752074"/>
       </p:ext>
     </p:extLst>
   </p:cSld>
@@ -5498,7 +5192,7 @@
           <p:cNvPr id="3" name="Content Placeholder 2">
             <a:extLst>
               <a:ext uri="{FF2B5EF4-FFF2-40B4-BE49-F238E27FC236}">
-                <a16:creationId xmlns:a16="http://schemas.microsoft.com/office/drawing/2014/main" id="{ACDC6698-1295-4E10-B360-F7316E067EEB}"/>
+                <a16:creationId xmlns:a16="http://schemas.microsoft.com/office/drawing/2014/main" id="{462D8543-EA0A-4973-95BA-519345A1E6F0}"/>
               </a:ext>
             </a:extLst>
           </p:cNvPr>
@@ -5511,8 +5205,8 @@
         </p:nvSpPr>
         <p:spPr>
           <a:xfrm>
-            <a:off x="643467" y="1825625"/>
-            <a:ext cx="10710333" cy="4351338"/>
+            <a:off x="838200" y="573206"/>
+            <a:ext cx="10515600" cy="5603757"/>
           </a:xfrm>
         </p:spPr>
         <p:txBody>
@@ -5521,7 +5215,7 @@
           </a:bodyPr>
           <a:lstStyle/>
           <a:p>
-            <a:pPr algn="just">
+            <a:pPr>
               <a:lnSpc>
                 <a:spcPct val="150000"/>
               </a:lnSpc>
@@ -5533,15 +5227,36 @@
               </a:spcAft>
             </a:pPr>
             <a:r>
-              <a:rPr lang="en-US" sz="2400" dirty="0">
-                <a:latin typeface="Times New Roman" panose="02020603050405020304" pitchFamily="18" charset="0"/>
-                <a:cs typeface="Times New Roman" panose="02020603050405020304" pitchFamily="18" charset="0"/>
-              </a:rPr>
-              <a:t>A homepage showcasing the basic functionality of our application has been created.</a:t>
-            </a:r>
-          </a:p>
-          <a:p>
-            <a:pPr algn="just">
+              <a:rPr lang="es-ES" dirty="0" err="1">
+                <a:latin typeface="Times New Roman" panose="02020603050405020304" pitchFamily="18" charset="0"/>
+                <a:cs typeface="Times New Roman" panose="02020603050405020304" pitchFamily="18" charset="0"/>
+              </a:rPr>
+              <a:t>Minimax</a:t>
+            </a:r>
+            <a:r>
+              <a:rPr lang="es-ES" dirty="0">
+                <a:latin typeface="Times New Roman" panose="02020603050405020304" pitchFamily="18" charset="0"/>
+                <a:cs typeface="Times New Roman" panose="02020603050405020304" pitchFamily="18" charset="0"/>
+              </a:rPr>
+              <a:t> </a:t>
+            </a:r>
+            <a:r>
+              <a:rPr lang="es-ES" dirty="0" err="1">
+                <a:latin typeface="Times New Roman" panose="02020603050405020304" pitchFamily="18" charset="0"/>
+                <a:cs typeface="Times New Roman" panose="02020603050405020304" pitchFamily="18" charset="0"/>
+              </a:rPr>
+              <a:t>loss</a:t>
+            </a:r>
+            <a:r>
+              <a:rPr lang="es-ES" dirty="0">
+                <a:latin typeface="Times New Roman" panose="02020603050405020304" pitchFamily="18" charset="0"/>
+                <a:cs typeface="Times New Roman" panose="02020603050405020304" pitchFamily="18" charset="0"/>
+              </a:rPr>
+              <a:t>:</a:t>
+            </a:r>
+          </a:p>
+          <a:p>
+            <a:pPr marL="0" indent="0">
               <a:lnSpc>
                 <a:spcPct val="150000"/>
               </a:lnSpc>
@@ -5551,17 +5266,15 @@
               <a:spcAft>
                 <a:spcPts val="600"/>
               </a:spcAft>
-            </a:pPr>
-            <a:r>
-              <a:rPr lang="en-US" sz="2400" dirty="0">
-                <a:latin typeface="Times New Roman" panose="02020603050405020304" pitchFamily="18" charset="0"/>
-                <a:cs typeface="Times New Roman" panose="02020603050405020304" pitchFamily="18" charset="0"/>
-              </a:rPr>
-              <a:t>Reviewed some research papers on GAN models used for image inpainting.</a:t>
-            </a:r>
-          </a:p>
-          <a:p>
-            <a:pPr algn="just">
+              <a:buNone/>
+            </a:pPr>
+            <a:endParaRPr lang="es-ES" dirty="0">
+              <a:latin typeface="Times New Roman" panose="02020603050405020304" pitchFamily="18" charset="0"/>
+              <a:cs typeface="Times New Roman" panose="02020603050405020304" pitchFamily="18" charset="0"/>
+            </a:endParaRPr>
+          </a:p>
+          <a:p>
+            <a:pPr marL="0" indent="0">
               <a:lnSpc>
                 <a:spcPct val="150000"/>
               </a:lnSpc>
@@ -5571,63 +5284,231 @@
               <a:spcAft>
                 <a:spcPts val="600"/>
               </a:spcAft>
-            </a:pPr>
-            <a:r>
-              <a:rPr lang="en-US" sz="2400" dirty="0">
-                <a:latin typeface="Times New Roman" panose="02020603050405020304" pitchFamily="18" charset="0"/>
-                <a:cs typeface="Times New Roman" panose="02020603050405020304" pitchFamily="18" charset="0"/>
-              </a:rPr>
-              <a:t>Obtained “places” dataset and prepared the data in a suitable form to train the model.</a:t>
-            </a:r>
-          </a:p>
-        </p:txBody>
-      </p:sp>
-      <p:sp>
-        <p:nvSpPr>
-          <p:cNvPr id="4" name="Title 1">
+              <a:buNone/>
+            </a:pPr>
+            <a:endParaRPr lang="es-ES" dirty="0">
+              <a:latin typeface="Times New Roman" panose="02020603050405020304" pitchFamily="18" charset="0"/>
+              <a:cs typeface="Times New Roman" panose="02020603050405020304" pitchFamily="18" charset="0"/>
+            </a:endParaRPr>
+          </a:p>
+          <a:p>
+            <a:pPr>
+              <a:lnSpc>
+                <a:spcPct val="150000"/>
+              </a:lnSpc>
+              <a:spcBef>
+                <a:spcPts val="0"/>
+              </a:spcBef>
+              <a:spcAft>
+                <a:spcPts val="600"/>
+              </a:spcAft>
+            </a:pPr>
+            <a:r>
+              <a:rPr lang="es-ES" dirty="0">
+                <a:latin typeface="Times New Roman" panose="02020603050405020304" pitchFamily="18" charset="0"/>
+                <a:cs typeface="Times New Roman" panose="02020603050405020304" pitchFamily="18" charset="0"/>
+              </a:rPr>
+              <a:t>Mean Absolute Error (L1 </a:t>
+            </a:r>
+            <a:r>
+              <a:rPr lang="es-ES" dirty="0" err="1">
+                <a:latin typeface="Times New Roman" panose="02020603050405020304" pitchFamily="18" charset="0"/>
+                <a:cs typeface="Times New Roman" panose="02020603050405020304" pitchFamily="18" charset="0"/>
+              </a:rPr>
+              <a:t>loss</a:t>
+            </a:r>
+            <a:r>
+              <a:rPr lang="es-ES" dirty="0">
+                <a:latin typeface="Times New Roman" panose="02020603050405020304" pitchFamily="18" charset="0"/>
+                <a:cs typeface="Times New Roman" panose="02020603050405020304" pitchFamily="18" charset="0"/>
+              </a:rPr>
+              <a:t>) :</a:t>
+            </a:r>
+          </a:p>
+          <a:p>
+            <a:pPr marL="0" indent="0">
+              <a:lnSpc>
+                <a:spcPct val="150000"/>
+              </a:lnSpc>
+              <a:spcBef>
+                <a:spcPts val="0"/>
+              </a:spcBef>
+              <a:spcAft>
+                <a:spcPts val="600"/>
+              </a:spcAft>
+              <a:buNone/>
+            </a:pPr>
+            <a:endParaRPr lang="es-ES" dirty="0">
+              <a:latin typeface="Times New Roman" panose="02020603050405020304" pitchFamily="18" charset="0"/>
+              <a:cs typeface="Times New Roman" panose="02020603050405020304" pitchFamily="18" charset="0"/>
+            </a:endParaRPr>
+          </a:p>
+          <a:p>
+            <a:pPr>
+              <a:lnSpc>
+                <a:spcPct val="150000"/>
+              </a:lnSpc>
+              <a:spcBef>
+                <a:spcPts val="0"/>
+              </a:spcBef>
+              <a:spcAft>
+                <a:spcPts val="600"/>
+              </a:spcAft>
+            </a:pPr>
+            <a:r>
+              <a:rPr lang="es-ES" dirty="0">
+                <a:latin typeface="Times New Roman" panose="02020603050405020304" pitchFamily="18" charset="0"/>
+                <a:cs typeface="Times New Roman" panose="02020603050405020304" pitchFamily="18" charset="0"/>
+              </a:rPr>
+              <a:t>Final </a:t>
+            </a:r>
+            <a:r>
+              <a:rPr lang="es-ES" dirty="0" err="1">
+                <a:latin typeface="Times New Roman" panose="02020603050405020304" pitchFamily="18" charset="0"/>
+                <a:cs typeface="Times New Roman" panose="02020603050405020304" pitchFamily="18" charset="0"/>
+              </a:rPr>
+              <a:t>objective</a:t>
+            </a:r>
+            <a:r>
+              <a:rPr lang="es-ES" dirty="0">
+                <a:latin typeface="Times New Roman" panose="02020603050405020304" pitchFamily="18" charset="0"/>
+                <a:cs typeface="Times New Roman" panose="02020603050405020304" pitchFamily="18" charset="0"/>
+              </a:rPr>
+              <a:t> </a:t>
+            </a:r>
+            <a:r>
+              <a:rPr lang="es-ES" dirty="0" err="1">
+                <a:latin typeface="Times New Roman" panose="02020603050405020304" pitchFamily="18" charset="0"/>
+                <a:cs typeface="Times New Roman" panose="02020603050405020304" pitchFamily="18" charset="0"/>
+              </a:rPr>
+              <a:t>function</a:t>
+            </a:r>
+            <a:r>
+              <a:rPr lang="es-ES" dirty="0">
+                <a:latin typeface="Times New Roman" panose="02020603050405020304" pitchFamily="18" charset="0"/>
+                <a:cs typeface="Times New Roman" panose="02020603050405020304" pitchFamily="18" charset="0"/>
+              </a:rPr>
+              <a:t>:</a:t>
+            </a:r>
+            <a:endParaRPr lang="en-US" dirty="0">
+              <a:latin typeface="Times New Roman" panose="02020603050405020304" pitchFamily="18" charset="0"/>
+              <a:cs typeface="Times New Roman" panose="02020603050405020304" pitchFamily="18" charset="0"/>
+            </a:endParaRPr>
+          </a:p>
+        </p:txBody>
+      </p:sp>
+      <p:pic>
+        <p:nvPicPr>
+          <p:cNvPr id="5" name="Picture 4">
             <a:extLst>
               <a:ext uri="{FF2B5EF4-FFF2-40B4-BE49-F238E27FC236}">
-                <a16:creationId xmlns:a16="http://schemas.microsoft.com/office/drawing/2014/main" id="{FB160293-04D9-4C61-BCBD-06757DEC5B20}"/>
+                <a16:creationId xmlns:a16="http://schemas.microsoft.com/office/drawing/2014/main" id="{550B4171-0A75-4CEF-A388-EF8F2E9ADE73}"/>
               </a:ext>
             </a:extLst>
           </p:cNvPr>
-          <p:cNvSpPr>
-            <a:spLocks noGrp="1"/>
-          </p:cNvSpPr>
-          <p:nvPr>
-            <p:ph type="title"/>
-          </p:nvPr>
-        </p:nvSpPr>
+          <p:cNvPicPr>
+            <a:picLocks noChangeAspect="1"/>
+          </p:cNvPicPr>
+          <p:nvPr/>
+        </p:nvPicPr>
+        <p:blipFill>
+          <a:blip r:embed="rId2">
+            <a:extLst>
+              <a:ext uri="{28A0092B-C50C-407E-A947-70E740481C1C}">
+                <a14:useLocalDpi xmlns:a14="http://schemas.microsoft.com/office/drawing/2010/main" val="0"/>
+              </a:ext>
+            </a:extLst>
+          </a:blip>
+          <a:stretch>
+            <a:fillRect/>
+          </a:stretch>
+        </p:blipFill>
         <p:spPr>
           <a:xfrm>
-            <a:off x="643467" y="321734"/>
-            <a:ext cx="10905066" cy="1135737"/>
+            <a:off x="1961572" y="1304114"/>
+            <a:ext cx="8268854" cy="1305107"/>
           </a:xfrm>
+          <a:prstGeom prst="rect">
+            <a:avLst/>
+          </a:prstGeom>
         </p:spPr>
-        <p:txBody>
-          <a:bodyPr>
-            <a:normAutofit/>
-          </a:bodyPr>
-          <a:lstStyle/>
-          <a:p>
-            <a:r>
-              <a:rPr lang="en-US" sz="3600" b="1">
-                <a:latin typeface="Times New Roman"/>
-                <a:cs typeface="Calibri Light"/>
-              </a:rPr>
-              <a:t>Tasks completed</a:t>
-            </a:r>
-            <a:endParaRPr lang="en-US" sz="3600" b="1">
-              <a:latin typeface="Times New Roman"/>
-              <a:cs typeface="Times New Roman"/>
-            </a:endParaRPr>
-          </a:p>
-        </p:txBody>
-      </p:sp>
+      </p:pic>
+      <p:pic>
+        <p:nvPicPr>
+          <p:cNvPr id="7" name="Picture 6">
+            <a:extLst>
+              <a:ext uri="{FF2B5EF4-FFF2-40B4-BE49-F238E27FC236}">
+                <a16:creationId xmlns:a16="http://schemas.microsoft.com/office/drawing/2014/main" id="{465B2E55-DE52-4070-88FE-825A008FBA6D}"/>
+              </a:ext>
+            </a:extLst>
+          </p:cNvPr>
+          <p:cNvPicPr>
+            <a:picLocks noChangeAspect="1"/>
+          </p:cNvPicPr>
+          <p:nvPr/>
+        </p:nvPicPr>
+        <p:blipFill>
+          <a:blip r:embed="rId3">
+            <a:extLst>
+              <a:ext uri="{28A0092B-C50C-407E-A947-70E740481C1C}">
+                <a14:useLocalDpi xmlns:a14="http://schemas.microsoft.com/office/drawing/2010/main" val="0"/>
+              </a:ext>
+            </a:extLst>
+          </a:blip>
+          <a:stretch>
+            <a:fillRect/>
+          </a:stretch>
+        </p:blipFill>
+        <p:spPr>
+          <a:xfrm>
+            <a:off x="3157976" y="3475197"/>
+            <a:ext cx="5876046" cy="665213"/>
+          </a:xfrm>
+          <a:prstGeom prst="rect">
+            <a:avLst/>
+          </a:prstGeom>
+        </p:spPr>
+      </p:pic>
+      <p:pic>
+        <p:nvPicPr>
+          <p:cNvPr id="9" name="Picture 8">
+            <a:extLst>
+              <a:ext uri="{FF2B5EF4-FFF2-40B4-BE49-F238E27FC236}">
+                <a16:creationId xmlns:a16="http://schemas.microsoft.com/office/drawing/2014/main" id="{5BE5024E-E43C-4E51-8E9F-E35E463B43B2}"/>
+              </a:ext>
+            </a:extLst>
+          </p:cNvPr>
+          <p:cNvPicPr>
+            <a:picLocks noChangeAspect="1"/>
+          </p:cNvPicPr>
+          <p:nvPr/>
+        </p:nvPicPr>
+        <p:blipFill>
+          <a:blip r:embed="rId4">
+            <a:extLst>
+              <a:ext uri="{28A0092B-C50C-407E-A947-70E740481C1C}">
+                <a14:useLocalDpi xmlns:a14="http://schemas.microsoft.com/office/drawing/2010/main" val="0"/>
+              </a:ext>
+            </a:extLst>
+          </a:blip>
+          <a:stretch>
+            <a:fillRect/>
+          </a:stretch>
+        </p:blipFill>
+        <p:spPr>
+          <a:xfrm>
+            <a:off x="2347389" y="5001200"/>
+            <a:ext cx="7497221" cy="714475"/>
+          </a:xfrm>
+          <a:prstGeom prst="rect">
+            <a:avLst/>
+          </a:prstGeom>
+        </p:spPr>
+      </p:pic>
     </p:spTree>
     <p:extLst>
       <p:ext uri="{BB962C8B-B14F-4D97-AF65-F5344CB8AC3E}">
-        <p14:creationId xmlns:p14="http://schemas.microsoft.com/office/powerpoint/2010/main" val="2735958904"/>
+        <p14:creationId xmlns:p14="http://schemas.microsoft.com/office/powerpoint/2010/main" val="4277369300"/>
       </p:ext>
     </p:extLst>
   </p:cSld>
@@ -5638,207 +5519,6 @@
 </file>
 
 <file path=ppt/slides/slide23.xml><?xml version="1.0" encoding="utf-8"?>
-<p:sld xmlns:a="http://schemas.openxmlformats.org/drawingml/2006/main" xmlns:r="http://schemas.openxmlformats.org/officeDocument/2006/relationships" xmlns:p="http://schemas.openxmlformats.org/presentationml/2006/main">
-  <p:cSld>
-    <p:spTree>
-      <p:nvGrpSpPr>
-        <p:cNvPr id="1" name=""/>
-        <p:cNvGrpSpPr/>
-        <p:nvPr/>
-      </p:nvGrpSpPr>
-      <p:grpSpPr>
-        <a:xfrm>
-          <a:off x="0" y="0"/>
-          <a:ext cx="0" cy="0"/>
-          <a:chOff x="0" y="0"/>
-          <a:chExt cx="0" cy="0"/>
-        </a:xfrm>
-      </p:grpSpPr>
-      <p:sp>
-        <p:nvSpPr>
-          <p:cNvPr id="3" name="Content Placeholder 2">
-            <a:extLst>
-              <a:ext uri="{FF2B5EF4-FFF2-40B4-BE49-F238E27FC236}">
-                <a16:creationId xmlns:a16="http://schemas.microsoft.com/office/drawing/2014/main" id="{DBB8CAF1-A279-4F01-82DD-3DDE1B4FD958}"/>
-              </a:ext>
-            </a:extLst>
-          </p:cNvPr>
-          <p:cNvSpPr>
-            <a:spLocks noGrp="1"/>
-          </p:cNvSpPr>
-          <p:nvPr>
-            <p:ph idx="1"/>
-          </p:nvPr>
-        </p:nvSpPr>
-        <p:spPr>
-          <a:xfrm>
-            <a:off x="643467" y="1825625"/>
-            <a:ext cx="10710333" cy="4351338"/>
-          </a:xfrm>
-        </p:spPr>
-        <p:txBody>
-          <a:bodyPr>
-            <a:normAutofit/>
-          </a:bodyPr>
-          <a:lstStyle/>
-          <a:p>
-            <a:pPr>
-              <a:lnSpc>
-                <a:spcPct val="150000"/>
-              </a:lnSpc>
-              <a:spcBef>
-                <a:spcPts val="0"/>
-              </a:spcBef>
-              <a:spcAft>
-                <a:spcPts val="600"/>
-              </a:spcAft>
-            </a:pPr>
-            <a:r>
-              <a:rPr lang="en-US" sz="2400" dirty="0">
-                <a:latin typeface="Times New Roman" panose="02020603050405020304" pitchFamily="18" charset="0"/>
-                <a:cs typeface="Times New Roman" panose="02020603050405020304" pitchFamily="18" charset="0"/>
-              </a:rPr>
-              <a:t>Dynamic properties of the web application need to be added.</a:t>
-            </a:r>
-          </a:p>
-          <a:p>
-            <a:pPr>
-              <a:lnSpc>
-                <a:spcPct val="150000"/>
-              </a:lnSpc>
-              <a:spcBef>
-                <a:spcPts val="0"/>
-              </a:spcBef>
-              <a:spcAft>
-                <a:spcPts val="600"/>
-              </a:spcAft>
-            </a:pPr>
-            <a:r>
-              <a:rPr lang="en-US" sz="2400" dirty="0">
-                <a:latin typeface="Times New Roman" panose="02020603050405020304" pitchFamily="18" charset="0"/>
-                <a:cs typeface="Times New Roman" panose="02020603050405020304" pitchFamily="18" charset="0"/>
-              </a:rPr>
-              <a:t>GAN model with the corresponding generator and discriminator needs to be built.</a:t>
-            </a:r>
-          </a:p>
-          <a:p>
-            <a:pPr>
-              <a:lnSpc>
-                <a:spcPct val="150000"/>
-              </a:lnSpc>
-              <a:spcBef>
-                <a:spcPts val="0"/>
-              </a:spcBef>
-              <a:spcAft>
-                <a:spcPts val="600"/>
-              </a:spcAft>
-            </a:pPr>
-            <a:r>
-              <a:rPr lang="en-US" sz="2400" dirty="0">
-                <a:latin typeface="Times New Roman" panose="02020603050405020304" pitchFamily="18" charset="0"/>
-                <a:cs typeface="Times New Roman" panose="02020603050405020304" pitchFamily="18" charset="0"/>
-              </a:rPr>
-              <a:t>Data preprocessing.</a:t>
-            </a:r>
-          </a:p>
-          <a:p>
-            <a:pPr>
-              <a:lnSpc>
-                <a:spcPct val="150000"/>
-              </a:lnSpc>
-              <a:spcBef>
-                <a:spcPts val="0"/>
-              </a:spcBef>
-              <a:spcAft>
-                <a:spcPts val="600"/>
-              </a:spcAft>
-            </a:pPr>
-            <a:r>
-              <a:rPr lang="en-US" sz="2400" dirty="0">
-                <a:latin typeface="Times New Roman" panose="02020603050405020304" pitchFamily="18" charset="0"/>
-                <a:cs typeface="Times New Roman" panose="02020603050405020304" pitchFamily="18" charset="0"/>
-              </a:rPr>
-              <a:t>Training the model.</a:t>
-            </a:r>
-          </a:p>
-          <a:p>
-            <a:pPr>
-              <a:lnSpc>
-                <a:spcPct val="150000"/>
-              </a:lnSpc>
-              <a:spcBef>
-                <a:spcPts val="0"/>
-              </a:spcBef>
-              <a:spcAft>
-                <a:spcPts val="600"/>
-              </a:spcAft>
-            </a:pPr>
-            <a:r>
-              <a:rPr lang="en-US" sz="2400" dirty="0">
-                <a:latin typeface="Times New Roman" panose="02020603050405020304" pitchFamily="18" charset="0"/>
-                <a:cs typeface="Times New Roman" panose="02020603050405020304" pitchFamily="18" charset="0"/>
-              </a:rPr>
-              <a:t>Building database, creating APIs.</a:t>
-            </a:r>
-          </a:p>
-        </p:txBody>
-      </p:sp>
-      <p:sp>
-        <p:nvSpPr>
-          <p:cNvPr id="4" name="Title 1">
-            <a:extLst>
-              <a:ext uri="{FF2B5EF4-FFF2-40B4-BE49-F238E27FC236}">
-                <a16:creationId xmlns:a16="http://schemas.microsoft.com/office/drawing/2014/main" id="{6D663B74-2C5B-4317-A1E3-CF311E451B78}"/>
-              </a:ext>
-            </a:extLst>
-          </p:cNvPr>
-          <p:cNvSpPr>
-            <a:spLocks noGrp="1"/>
-          </p:cNvSpPr>
-          <p:nvPr>
-            <p:ph type="title"/>
-          </p:nvPr>
-        </p:nvSpPr>
-        <p:spPr>
-          <a:xfrm>
-            <a:off x="643467" y="321734"/>
-            <a:ext cx="10905066" cy="1135737"/>
-          </a:xfrm>
-        </p:spPr>
-        <p:txBody>
-          <a:bodyPr>
-            <a:normAutofit/>
-          </a:bodyPr>
-          <a:lstStyle/>
-          <a:p>
-            <a:r>
-              <a:rPr lang="en-US" sz="3600" b="1">
-                <a:latin typeface="Times New Roman"/>
-                <a:cs typeface="Calibri Light"/>
-              </a:rPr>
-              <a:t>Tasks remaining</a:t>
-            </a:r>
-            <a:endParaRPr lang="en-US" sz="3600" b="1">
-              <a:latin typeface="Times New Roman"/>
-              <a:cs typeface="Times New Roman"/>
-            </a:endParaRPr>
-          </a:p>
-        </p:txBody>
-      </p:sp>
-    </p:spTree>
-    <p:extLst>
-      <p:ext uri="{BB962C8B-B14F-4D97-AF65-F5344CB8AC3E}">
-        <p14:creationId xmlns:p14="http://schemas.microsoft.com/office/powerpoint/2010/main" val="1909848064"/>
-      </p:ext>
-    </p:extLst>
-  </p:cSld>
-  <p:clrMapOvr>
-    <a:masterClrMapping/>
-  </p:clrMapOvr>
-</p:sld>
-</file>
-
-<file path=ppt/slides/slide24.xml><?xml version="1.0" encoding="utf-8"?>
 <p:sld xmlns:a="http://schemas.openxmlformats.org/drawingml/2006/main" xmlns:r="http://schemas.openxmlformats.org/officeDocument/2006/relationships" xmlns:p="http://schemas.openxmlformats.org/presentationml/2006/main">
   <p:cSld>
     <p:bg>
@@ -5865,6 +5545,573 @@
       </p:grpSpPr>
       <p:sp>
         <p:nvSpPr>
+          <p:cNvPr id="3" name="Content Placeholder 2">
+            <a:extLst>
+              <a:ext uri="{FF2B5EF4-FFF2-40B4-BE49-F238E27FC236}">
+                <a16:creationId xmlns:a16="http://schemas.microsoft.com/office/drawing/2014/main" id="{A71E7746-F2D2-121B-BAF0-A7DD5CA3AC66}"/>
+              </a:ext>
+            </a:extLst>
+          </p:cNvPr>
+          <p:cNvSpPr>
+            <a:spLocks noGrp="1"/>
+          </p:cNvSpPr>
+          <p:nvPr>
+            <p:ph idx="1"/>
+          </p:nvPr>
+        </p:nvSpPr>
+        <p:spPr>
+          <a:xfrm>
+            <a:off x="643467" y="713127"/>
+            <a:ext cx="10905066" cy="5463836"/>
+          </a:xfrm>
+        </p:spPr>
+        <p:txBody>
+          <a:bodyPr>
+            <a:normAutofit/>
+          </a:bodyPr>
+          <a:lstStyle/>
+          <a:p>
+            <a:pPr marL="0" indent="0">
+              <a:lnSpc>
+                <a:spcPct val="160000"/>
+              </a:lnSpc>
+              <a:spcBef>
+                <a:spcPts val="0"/>
+              </a:spcBef>
+              <a:spcAft>
+                <a:spcPts val="600"/>
+              </a:spcAft>
+              <a:buNone/>
+            </a:pPr>
+            <a:r>
+              <a:rPr lang="en-US" b="1">
+                <a:latin typeface="Times New Roman" panose="02020603050405020304" pitchFamily="18" charset="0"/>
+                <a:cs typeface="Times New Roman" panose="02020603050405020304" pitchFamily="18" charset="0"/>
+              </a:rPr>
+              <a:t>Frontend development:</a:t>
+            </a:r>
+            <a:endParaRPr lang="en-US" b="1">
+              <a:latin typeface="Times New Roman"/>
+              <a:cs typeface="Times New Roman"/>
+            </a:endParaRPr>
+          </a:p>
+          <a:p>
+            <a:pPr>
+              <a:lnSpc>
+                <a:spcPct val="160000"/>
+              </a:lnSpc>
+              <a:spcBef>
+                <a:spcPts val="0"/>
+              </a:spcBef>
+              <a:spcAft>
+                <a:spcPts val="600"/>
+              </a:spcAft>
+            </a:pPr>
+            <a:r>
+              <a:rPr lang="en-US" sz="2400">
+                <a:latin typeface="Times New Roman" panose="02020603050405020304" pitchFamily="18" charset="0"/>
+                <a:cs typeface="Times New Roman" panose="02020603050405020304" pitchFamily="18" charset="0"/>
+              </a:rPr>
+              <a:t>JavaScript – React</a:t>
+            </a:r>
+          </a:p>
+          <a:p>
+            <a:pPr>
+              <a:lnSpc>
+                <a:spcPct val="160000"/>
+              </a:lnSpc>
+              <a:spcBef>
+                <a:spcPts val="0"/>
+              </a:spcBef>
+              <a:spcAft>
+                <a:spcPts val="600"/>
+              </a:spcAft>
+            </a:pPr>
+            <a:r>
+              <a:rPr lang="en-US" sz="2400">
+                <a:latin typeface="Times New Roman"/>
+                <a:cs typeface="Times New Roman"/>
+              </a:rPr>
+              <a:t>CSS</a:t>
+            </a:r>
+          </a:p>
+          <a:p>
+            <a:pPr marL="0" indent="0">
+              <a:lnSpc>
+                <a:spcPct val="160000"/>
+              </a:lnSpc>
+              <a:spcBef>
+                <a:spcPts val="0"/>
+              </a:spcBef>
+              <a:spcAft>
+                <a:spcPts val="600"/>
+              </a:spcAft>
+              <a:buNone/>
+            </a:pPr>
+            <a:endParaRPr lang="en-US" sz="2000" b="1">
+              <a:latin typeface="Times New Roman"/>
+              <a:ea typeface="+mn-lt"/>
+              <a:cs typeface="Times New Roman"/>
+            </a:endParaRPr>
+          </a:p>
+          <a:p>
+            <a:pPr marL="0" indent="0">
+              <a:lnSpc>
+                <a:spcPct val="160000"/>
+              </a:lnSpc>
+              <a:spcBef>
+                <a:spcPts val="0"/>
+              </a:spcBef>
+              <a:spcAft>
+                <a:spcPts val="600"/>
+              </a:spcAft>
+              <a:buNone/>
+            </a:pPr>
+            <a:r>
+              <a:rPr lang="en-US" b="1">
+                <a:latin typeface="Times New Roman"/>
+                <a:cs typeface="Times New Roman"/>
+              </a:rPr>
+              <a:t>Backend development:</a:t>
+            </a:r>
+          </a:p>
+          <a:p>
+            <a:pPr>
+              <a:lnSpc>
+                <a:spcPct val="150000"/>
+              </a:lnSpc>
+              <a:spcBef>
+                <a:spcPts val="0"/>
+              </a:spcBef>
+              <a:spcAft>
+                <a:spcPts val="600"/>
+              </a:spcAft>
+            </a:pPr>
+            <a:r>
+              <a:rPr lang="en-US" sz="2400">
+                <a:latin typeface="Times New Roman"/>
+                <a:cs typeface="Times New Roman"/>
+              </a:rPr>
+              <a:t>Node JS</a:t>
+            </a:r>
+            <a:endParaRPr lang="en-US" sz="2400">
+              <a:latin typeface="Times New Roman"/>
+              <a:ea typeface="+mn-lt"/>
+              <a:cs typeface="+mn-lt"/>
+            </a:endParaRPr>
+          </a:p>
+          <a:p>
+            <a:pPr>
+              <a:lnSpc>
+                <a:spcPct val="150000"/>
+              </a:lnSpc>
+              <a:spcBef>
+                <a:spcPts val="0"/>
+              </a:spcBef>
+              <a:spcAft>
+                <a:spcPts val="600"/>
+              </a:spcAft>
+            </a:pPr>
+            <a:r>
+              <a:rPr lang="en-US" sz="2400">
+                <a:latin typeface="Times New Roman"/>
+                <a:ea typeface="+mn-lt"/>
+                <a:cs typeface="+mn-lt"/>
+              </a:rPr>
+              <a:t>Python</a:t>
+            </a:r>
+            <a:endParaRPr lang="en-US" sz="2400">
+              <a:latin typeface="Times New Roman"/>
+              <a:cs typeface="Times New Roman"/>
+            </a:endParaRPr>
+          </a:p>
+          <a:p>
+            <a:endParaRPr lang="en-US" sz="2000"/>
+          </a:p>
+        </p:txBody>
+      </p:sp>
+    </p:spTree>
+    <p:extLst>
+      <p:ext uri="{BB962C8B-B14F-4D97-AF65-F5344CB8AC3E}">
+        <p14:creationId xmlns:p14="http://schemas.microsoft.com/office/powerpoint/2010/main" val="30016698"/>
+      </p:ext>
+    </p:extLst>
+  </p:cSld>
+  <p:clrMapOvr>
+    <a:masterClrMapping/>
+  </p:clrMapOvr>
+</p:sld>
+</file>
+
+<file path=ppt/slides/slide24.xml><?xml version="1.0" encoding="utf-8"?>
+<p:sld xmlns:a="http://schemas.openxmlformats.org/drawingml/2006/main" xmlns:r="http://schemas.openxmlformats.org/officeDocument/2006/relationships" xmlns:p="http://schemas.openxmlformats.org/presentationml/2006/main">
+  <p:cSld>
+    <p:spTree>
+      <p:nvGrpSpPr>
+        <p:cNvPr id="1" name=""/>
+        <p:cNvGrpSpPr/>
+        <p:nvPr/>
+      </p:nvGrpSpPr>
+      <p:grpSpPr>
+        <a:xfrm>
+          <a:off x="0" y="0"/>
+          <a:ext cx="0" cy="0"/>
+          <a:chOff x="0" y="0"/>
+          <a:chExt cx="0" cy="0"/>
+        </a:xfrm>
+      </p:grpSpPr>
+      <p:sp>
+        <p:nvSpPr>
+          <p:cNvPr id="3" name="Content Placeholder 2">
+            <a:extLst>
+              <a:ext uri="{FF2B5EF4-FFF2-40B4-BE49-F238E27FC236}">
+                <a16:creationId xmlns:a16="http://schemas.microsoft.com/office/drawing/2014/main" id="{ACDC6698-1295-4E10-B360-F7316E067EEB}"/>
+              </a:ext>
+            </a:extLst>
+          </p:cNvPr>
+          <p:cNvSpPr>
+            <a:spLocks noGrp="1"/>
+          </p:cNvSpPr>
+          <p:nvPr>
+            <p:ph idx="1"/>
+          </p:nvPr>
+        </p:nvSpPr>
+        <p:spPr>
+          <a:xfrm>
+            <a:off x="643467" y="1825625"/>
+            <a:ext cx="10710333" cy="4351338"/>
+          </a:xfrm>
+        </p:spPr>
+        <p:txBody>
+          <a:bodyPr>
+            <a:normAutofit/>
+          </a:bodyPr>
+          <a:lstStyle/>
+          <a:p>
+            <a:pPr algn="just">
+              <a:lnSpc>
+                <a:spcPct val="150000"/>
+              </a:lnSpc>
+              <a:spcBef>
+                <a:spcPts val="0"/>
+              </a:spcBef>
+              <a:spcAft>
+                <a:spcPts val="600"/>
+              </a:spcAft>
+            </a:pPr>
+            <a:r>
+              <a:rPr lang="en-US" sz="2400" dirty="0">
+                <a:latin typeface="Times New Roman" panose="02020603050405020304" pitchFamily="18" charset="0"/>
+                <a:cs typeface="Times New Roman" panose="02020603050405020304" pitchFamily="18" charset="0"/>
+              </a:rPr>
+              <a:t>A homepage showcasing the basic functionality of our application has been created.</a:t>
+            </a:r>
+          </a:p>
+          <a:p>
+            <a:pPr algn="just">
+              <a:lnSpc>
+                <a:spcPct val="150000"/>
+              </a:lnSpc>
+              <a:spcBef>
+                <a:spcPts val="0"/>
+              </a:spcBef>
+              <a:spcAft>
+                <a:spcPts val="600"/>
+              </a:spcAft>
+            </a:pPr>
+            <a:r>
+              <a:rPr lang="en-US" sz="2400" dirty="0">
+                <a:latin typeface="Times New Roman" panose="02020603050405020304" pitchFamily="18" charset="0"/>
+                <a:cs typeface="Times New Roman" panose="02020603050405020304" pitchFamily="18" charset="0"/>
+              </a:rPr>
+              <a:t>Reviewed some research papers on GAN models used for image inpainting.</a:t>
+            </a:r>
+          </a:p>
+          <a:p>
+            <a:pPr algn="just">
+              <a:lnSpc>
+                <a:spcPct val="150000"/>
+              </a:lnSpc>
+              <a:spcBef>
+                <a:spcPts val="0"/>
+              </a:spcBef>
+              <a:spcAft>
+                <a:spcPts val="600"/>
+              </a:spcAft>
+            </a:pPr>
+            <a:r>
+              <a:rPr lang="en-US" sz="2400" dirty="0">
+                <a:latin typeface="Times New Roman" panose="02020603050405020304" pitchFamily="18" charset="0"/>
+                <a:cs typeface="Times New Roman" panose="02020603050405020304" pitchFamily="18" charset="0"/>
+              </a:rPr>
+              <a:t>Obtained “places” dataset and prepared the data in a suitable form to train the model.</a:t>
+            </a:r>
+          </a:p>
+        </p:txBody>
+      </p:sp>
+      <p:sp>
+        <p:nvSpPr>
+          <p:cNvPr id="4" name="Title 1">
+            <a:extLst>
+              <a:ext uri="{FF2B5EF4-FFF2-40B4-BE49-F238E27FC236}">
+                <a16:creationId xmlns:a16="http://schemas.microsoft.com/office/drawing/2014/main" id="{FB160293-04D9-4C61-BCBD-06757DEC5B20}"/>
+              </a:ext>
+            </a:extLst>
+          </p:cNvPr>
+          <p:cNvSpPr>
+            <a:spLocks noGrp="1"/>
+          </p:cNvSpPr>
+          <p:nvPr>
+            <p:ph type="title"/>
+          </p:nvPr>
+        </p:nvSpPr>
+        <p:spPr>
+          <a:xfrm>
+            <a:off x="643467" y="321734"/>
+            <a:ext cx="10905066" cy="1135737"/>
+          </a:xfrm>
+        </p:spPr>
+        <p:txBody>
+          <a:bodyPr>
+            <a:normAutofit/>
+          </a:bodyPr>
+          <a:lstStyle/>
+          <a:p>
+            <a:r>
+              <a:rPr lang="en-US" sz="3600" b="1">
+                <a:latin typeface="Times New Roman"/>
+                <a:cs typeface="Calibri Light"/>
+              </a:rPr>
+              <a:t>Tasks completed</a:t>
+            </a:r>
+            <a:endParaRPr lang="en-US" sz="3600" b="1">
+              <a:latin typeface="Times New Roman"/>
+              <a:cs typeface="Times New Roman"/>
+            </a:endParaRPr>
+          </a:p>
+        </p:txBody>
+      </p:sp>
+    </p:spTree>
+    <p:extLst>
+      <p:ext uri="{BB962C8B-B14F-4D97-AF65-F5344CB8AC3E}">
+        <p14:creationId xmlns:p14="http://schemas.microsoft.com/office/powerpoint/2010/main" val="2735958904"/>
+      </p:ext>
+    </p:extLst>
+  </p:cSld>
+  <p:clrMapOvr>
+    <a:masterClrMapping/>
+  </p:clrMapOvr>
+</p:sld>
+</file>
+
+<file path=ppt/slides/slide25.xml><?xml version="1.0" encoding="utf-8"?>
+<p:sld xmlns:a="http://schemas.openxmlformats.org/drawingml/2006/main" xmlns:r="http://schemas.openxmlformats.org/officeDocument/2006/relationships" xmlns:p="http://schemas.openxmlformats.org/presentationml/2006/main">
+  <p:cSld>
+    <p:spTree>
+      <p:nvGrpSpPr>
+        <p:cNvPr id="1" name=""/>
+        <p:cNvGrpSpPr/>
+        <p:nvPr/>
+      </p:nvGrpSpPr>
+      <p:grpSpPr>
+        <a:xfrm>
+          <a:off x="0" y="0"/>
+          <a:ext cx="0" cy="0"/>
+          <a:chOff x="0" y="0"/>
+          <a:chExt cx="0" cy="0"/>
+        </a:xfrm>
+      </p:grpSpPr>
+      <p:sp>
+        <p:nvSpPr>
+          <p:cNvPr id="3" name="Content Placeholder 2">
+            <a:extLst>
+              <a:ext uri="{FF2B5EF4-FFF2-40B4-BE49-F238E27FC236}">
+                <a16:creationId xmlns:a16="http://schemas.microsoft.com/office/drawing/2014/main" id="{DBB8CAF1-A279-4F01-82DD-3DDE1B4FD958}"/>
+              </a:ext>
+            </a:extLst>
+          </p:cNvPr>
+          <p:cNvSpPr>
+            <a:spLocks noGrp="1"/>
+          </p:cNvSpPr>
+          <p:nvPr>
+            <p:ph idx="1"/>
+          </p:nvPr>
+        </p:nvSpPr>
+        <p:spPr>
+          <a:xfrm>
+            <a:off x="643467" y="1825625"/>
+            <a:ext cx="10710333" cy="4351338"/>
+          </a:xfrm>
+        </p:spPr>
+        <p:txBody>
+          <a:bodyPr>
+            <a:normAutofit/>
+          </a:bodyPr>
+          <a:lstStyle/>
+          <a:p>
+            <a:pPr>
+              <a:lnSpc>
+                <a:spcPct val="150000"/>
+              </a:lnSpc>
+              <a:spcBef>
+                <a:spcPts val="0"/>
+              </a:spcBef>
+              <a:spcAft>
+                <a:spcPts val="600"/>
+              </a:spcAft>
+            </a:pPr>
+            <a:r>
+              <a:rPr lang="en-US" sz="2400" dirty="0">
+                <a:latin typeface="Times New Roman" panose="02020603050405020304" pitchFamily="18" charset="0"/>
+                <a:cs typeface="Times New Roman" panose="02020603050405020304" pitchFamily="18" charset="0"/>
+              </a:rPr>
+              <a:t>Dynamic properties of the web application need to be added.</a:t>
+            </a:r>
+          </a:p>
+          <a:p>
+            <a:pPr>
+              <a:lnSpc>
+                <a:spcPct val="150000"/>
+              </a:lnSpc>
+              <a:spcBef>
+                <a:spcPts val="0"/>
+              </a:spcBef>
+              <a:spcAft>
+                <a:spcPts val="600"/>
+              </a:spcAft>
+            </a:pPr>
+            <a:r>
+              <a:rPr lang="en-US" sz="2400" dirty="0">
+                <a:latin typeface="Times New Roman" panose="02020603050405020304" pitchFamily="18" charset="0"/>
+                <a:cs typeface="Times New Roman" panose="02020603050405020304" pitchFamily="18" charset="0"/>
+              </a:rPr>
+              <a:t>GAN model with the corresponding generator and discriminator needs to be built.</a:t>
+            </a:r>
+          </a:p>
+          <a:p>
+            <a:pPr>
+              <a:lnSpc>
+                <a:spcPct val="150000"/>
+              </a:lnSpc>
+              <a:spcBef>
+                <a:spcPts val="0"/>
+              </a:spcBef>
+              <a:spcAft>
+                <a:spcPts val="600"/>
+              </a:spcAft>
+            </a:pPr>
+            <a:r>
+              <a:rPr lang="en-US" sz="2400" dirty="0">
+                <a:latin typeface="Times New Roman" panose="02020603050405020304" pitchFamily="18" charset="0"/>
+                <a:cs typeface="Times New Roman" panose="02020603050405020304" pitchFamily="18" charset="0"/>
+              </a:rPr>
+              <a:t>Customizing the model to increase accuracy.</a:t>
+            </a:r>
+          </a:p>
+          <a:p>
+            <a:pPr>
+              <a:lnSpc>
+                <a:spcPct val="150000"/>
+              </a:lnSpc>
+              <a:spcBef>
+                <a:spcPts val="0"/>
+              </a:spcBef>
+              <a:spcAft>
+                <a:spcPts val="600"/>
+              </a:spcAft>
+            </a:pPr>
+            <a:r>
+              <a:rPr lang="en-US" sz="2400" dirty="0">
+                <a:latin typeface="Times New Roman" panose="02020603050405020304" pitchFamily="18" charset="0"/>
+                <a:cs typeface="Times New Roman" panose="02020603050405020304" pitchFamily="18" charset="0"/>
+              </a:rPr>
+              <a:t>Building database, creating APIs.</a:t>
+            </a:r>
+          </a:p>
+        </p:txBody>
+      </p:sp>
+      <p:sp>
+        <p:nvSpPr>
+          <p:cNvPr id="4" name="Title 1">
+            <a:extLst>
+              <a:ext uri="{FF2B5EF4-FFF2-40B4-BE49-F238E27FC236}">
+                <a16:creationId xmlns:a16="http://schemas.microsoft.com/office/drawing/2014/main" id="{6D663B74-2C5B-4317-A1E3-CF311E451B78}"/>
+              </a:ext>
+            </a:extLst>
+          </p:cNvPr>
+          <p:cNvSpPr>
+            <a:spLocks noGrp="1"/>
+          </p:cNvSpPr>
+          <p:nvPr>
+            <p:ph type="title"/>
+          </p:nvPr>
+        </p:nvSpPr>
+        <p:spPr>
+          <a:xfrm>
+            <a:off x="643467" y="321734"/>
+            <a:ext cx="10905066" cy="1135737"/>
+          </a:xfrm>
+        </p:spPr>
+        <p:txBody>
+          <a:bodyPr>
+            <a:normAutofit/>
+          </a:bodyPr>
+          <a:lstStyle/>
+          <a:p>
+            <a:r>
+              <a:rPr lang="en-US" sz="3600" b="1">
+                <a:latin typeface="Times New Roman"/>
+                <a:cs typeface="Calibri Light"/>
+              </a:rPr>
+              <a:t>Tasks remaining</a:t>
+            </a:r>
+            <a:endParaRPr lang="en-US" sz="3600" b="1">
+              <a:latin typeface="Times New Roman"/>
+              <a:cs typeface="Times New Roman"/>
+            </a:endParaRPr>
+          </a:p>
+        </p:txBody>
+      </p:sp>
+    </p:spTree>
+    <p:extLst>
+      <p:ext uri="{BB962C8B-B14F-4D97-AF65-F5344CB8AC3E}">
+        <p14:creationId xmlns:p14="http://schemas.microsoft.com/office/powerpoint/2010/main" val="1909848064"/>
+      </p:ext>
+    </p:extLst>
+  </p:cSld>
+  <p:clrMapOvr>
+    <a:masterClrMapping/>
+  </p:clrMapOvr>
+</p:sld>
+</file>
+
+<file path=ppt/slides/slide26.xml><?xml version="1.0" encoding="utf-8"?>
+<p:sld xmlns:a="http://schemas.openxmlformats.org/drawingml/2006/main" xmlns:r="http://schemas.openxmlformats.org/officeDocument/2006/relationships" xmlns:p="http://schemas.openxmlformats.org/presentationml/2006/main">
+  <p:cSld>
+    <p:bg>
+      <p:bgPr>
+        <a:solidFill>
+          <a:schemeClr val="bg1"/>
+        </a:solidFill>
+        <a:effectLst/>
+      </p:bgPr>
+    </p:bg>
+    <p:spTree>
+      <p:nvGrpSpPr>
+        <p:cNvPr id="1" name=""/>
+        <p:cNvGrpSpPr/>
+        <p:nvPr/>
+      </p:nvGrpSpPr>
+      <p:grpSpPr>
+        <a:xfrm>
+          <a:off x="0" y="0"/>
+          <a:ext cx="0" cy="0"/>
+          <a:chOff x="0" y="0"/>
+          <a:chExt cx="0" cy="0"/>
+        </a:xfrm>
+      </p:grpSpPr>
+      <p:sp>
+        <p:nvSpPr>
           <p:cNvPr id="2" name="Title 1">
             <a:extLst>
               <a:ext uri="{FF2B5EF4-FFF2-40B4-BE49-F238E27FC236}">
@@ -6176,7 +6423,7 @@
 </p:sld>
 </file>
 
-<file path=ppt/slides/slide25.xml><?xml version="1.0" encoding="utf-8"?>
+<file path=ppt/slides/slide27.xml><?xml version="1.0" encoding="utf-8"?>
 <p:sld xmlns:a="http://schemas.openxmlformats.org/drawingml/2006/main" xmlns:r="http://schemas.openxmlformats.org/officeDocument/2006/relationships" xmlns:p="http://schemas.openxmlformats.org/presentationml/2006/main">
   <p:cSld>
     <p:bg>

--- a/Image Inpainting/Image inpainting.pptx
+++ b/Image Inpainting/Image inpainting.pptx
@@ -15,23 +15,30 @@
     <p:sldId id="262" r:id="rId9"/>
     <p:sldId id="263" r:id="rId10"/>
     <p:sldId id="264" r:id="rId11"/>
-    <p:sldId id="266" r:id="rId12"/>
-    <p:sldId id="274" r:id="rId13"/>
-    <p:sldId id="275" r:id="rId14"/>
-    <p:sldId id="289" r:id="rId15"/>
-    <p:sldId id="277" r:id="rId16"/>
-    <p:sldId id="285" r:id="rId17"/>
-    <p:sldId id="286" r:id="rId18"/>
-    <p:sldId id="287" r:id="rId19"/>
-    <p:sldId id="292" r:id="rId20"/>
-    <p:sldId id="291" r:id="rId21"/>
-    <p:sldId id="288" r:id="rId22"/>
-    <p:sldId id="290" r:id="rId23"/>
-    <p:sldId id="268" r:id="rId24"/>
-    <p:sldId id="283" r:id="rId25"/>
-    <p:sldId id="282" r:id="rId26"/>
-    <p:sldId id="267" r:id="rId27"/>
-    <p:sldId id="269" r:id="rId28"/>
+    <p:sldId id="294" r:id="rId12"/>
+    <p:sldId id="295" r:id="rId13"/>
+    <p:sldId id="296" r:id="rId14"/>
+    <p:sldId id="297" r:id="rId15"/>
+    <p:sldId id="266" r:id="rId16"/>
+    <p:sldId id="274" r:id="rId17"/>
+    <p:sldId id="275" r:id="rId18"/>
+    <p:sldId id="298" r:id="rId19"/>
+    <p:sldId id="299" r:id="rId20"/>
+    <p:sldId id="277" r:id="rId21"/>
+    <p:sldId id="285" r:id="rId22"/>
+    <p:sldId id="286" r:id="rId23"/>
+    <p:sldId id="300" r:id="rId24"/>
+    <p:sldId id="287" r:id="rId25"/>
+    <p:sldId id="292" r:id="rId26"/>
+    <p:sldId id="291" r:id="rId27"/>
+    <p:sldId id="288" r:id="rId28"/>
+    <p:sldId id="301" r:id="rId29"/>
+    <p:sldId id="290" r:id="rId30"/>
+    <p:sldId id="268" r:id="rId31"/>
+    <p:sldId id="283" r:id="rId32"/>
+    <p:sldId id="282" r:id="rId33"/>
+    <p:sldId id="267" r:id="rId34"/>
+    <p:sldId id="269" r:id="rId35"/>
   </p:sldIdLst>
   <p:sldSz cx="12192000" cy="6858000"/>
   <p:notesSz cx="6858000" cy="9144000"/>
@@ -278,7 +285,7 @@
           <a:p>
             <a:fld id="{C764DE79-268F-4C1A-8933-263129D2AF90}" type="datetimeFigureOut">
               <a:rPr lang="en-US" dirty="0"/>
-              <a:t>8/15/2022</a:t>
+              <a:t>3/10/2023</a:t>
             </a:fld>
             <a:endParaRPr lang="en-US"/>
           </a:p>
@@ -446,7 +453,7 @@
           <a:p>
             <a:fld id="{C764DE79-268F-4C1A-8933-263129D2AF90}" type="datetimeFigureOut">
               <a:rPr lang="en-US" dirty="0"/>
-              <a:t>8/15/2022</a:t>
+              <a:t>3/10/2023</a:t>
             </a:fld>
             <a:endParaRPr lang="en-US"/>
           </a:p>
@@ -624,7 +631,7 @@
           <a:p>
             <a:fld id="{C764DE79-268F-4C1A-8933-263129D2AF90}" type="datetimeFigureOut">
               <a:rPr lang="en-US" dirty="0"/>
-              <a:t>8/15/2022</a:t>
+              <a:t>3/10/2023</a:t>
             </a:fld>
             <a:endParaRPr lang="en-US"/>
           </a:p>
@@ -792,7 +799,7 @@
           <a:p>
             <a:fld id="{C764DE79-268F-4C1A-8933-263129D2AF90}" type="datetimeFigureOut">
               <a:rPr lang="en-US" dirty="0"/>
-              <a:t>8/15/2022</a:t>
+              <a:t>3/10/2023</a:t>
             </a:fld>
             <a:endParaRPr lang="en-US"/>
           </a:p>
@@ -1037,7 +1044,7 @@
           <a:p>
             <a:fld id="{C764DE79-268F-4C1A-8933-263129D2AF90}" type="datetimeFigureOut">
               <a:rPr lang="en-US" dirty="0"/>
-              <a:t>8/15/2022</a:t>
+              <a:t>3/10/2023</a:t>
             </a:fld>
             <a:endParaRPr lang="en-US"/>
           </a:p>
@@ -1266,7 +1273,7 @@
           <a:p>
             <a:fld id="{C764DE79-268F-4C1A-8933-263129D2AF90}" type="datetimeFigureOut">
               <a:rPr lang="en-US" dirty="0"/>
-              <a:t>8/15/2022</a:t>
+              <a:t>3/10/2023</a:t>
             </a:fld>
             <a:endParaRPr lang="en-US"/>
           </a:p>
@@ -1630,7 +1637,7 @@
           <a:p>
             <a:fld id="{C764DE79-268F-4C1A-8933-263129D2AF90}" type="datetimeFigureOut">
               <a:rPr lang="en-US" dirty="0"/>
-              <a:t>8/15/2022</a:t>
+              <a:t>3/10/2023</a:t>
             </a:fld>
             <a:endParaRPr lang="en-US"/>
           </a:p>
@@ -1747,7 +1754,7 @@
           <a:p>
             <a:fld id="{C764DE79-268F-4C1A-8933-263129D2AF90}" type="datetimeFigureOut">
               <a:rPr lang="en-US" dirty="0"/>
-              <a:t>8/15/2022</a:t>
+              <a:t>3/10/2023</a:t>
             </a:fld>
             <a:endParaRPr lang="en-US"/>
           </a:p>
@@ -1842,7 +1849,7 @@
           <a:p>
             <a:fld id="{C764DE79-268F-4C1A-8933-263129D2AF90}" type="datetimeFigureOut">
               <a:rPr lang="en-US" dirty="0"/>
-              <a:t>8/15/2022</a:t>
+              <a:t>3/10/2023</a:t>
             </a:fld>
             <a:endParaRPr lang="en-US"/>
           </a:p>
@@ -2117,7 +2124,7 @@
           <a:p>
             <a:fld id="{C764DE79-268F-4C1A-8933-263129D2AF90}" type="datetimeFigureOut">
               <a:rPr lang="en-US" dirty="0"/>
-              <a:t>8/15/2022</a:t>
+              <a:t>3/10/2023</a:t>
             </a:fld>
             <a:endParaRPr lang="en-US"/>
           </a:p>
@@ -2369,7 +2376,7 @@
           <a:p>
             <a:fld id="{C764DE79-268F-4C1A-8933-263129D2AF90}" type="datetimeFigureOut">
               <a:rPr lang="en-US" dirty="0"/>
-              <a:t>8/15/2022</a:t>
+              <a:t>3/10/2023</a:t>
             </a:fld>
             <a:endParaRPr lang="en-US"/>
           </a:p>
@@ -2580,7 +2587,7 @@
           <a:p>
             <a:fld id="{C764DE79-268F-4C1A-8933-263129D2AF90}" type="datetimeFigureOut">
               <a:rPr lang="en-US" dirty="0"/>
-              <a:t>8/15/2022</a:t>
+              <a:t>3/10/2023</a:t>
             </a:fld>
             <a:endParaRPr lang="en-US"/>
           </a:p>
@@ -3341,7 +3348,7 @@
               <a:buNone/>
             </a:pPr>
             <a:r>
-              <a:rPr lang="en-US" sz="2400" b="1">
+              <a:rPr lang="en-US" sz="2400" b="1" dirty="0">
                 <a:latin typeface="Times New Roman"/>
                 <a:cs typeface="Calibri" panose="020F0502020204030204"/>
               </a:rPr>
@@ -3352,7 +3359,7 @@
             <a:pPr marL="0" indent="0">
               <a:buNone/>
             </a:pPr>
-            <a:endParaRPr lang="en-US" sz="2400" b="1">
+            <a:endParaRPr lang="en-US" sz="2400" b="1" dirty="0">
               <a:latin typeface="Times New Roman"/>
               <a:cs typeface="Calibri" panose="020F0502020204030204"/>
             </a:endParaRPr>
@@ -3361,10 +3368,10 @@
       </p:sp>
       <p:pic>
         <p:nvPicPr>
-          <p:cNvPr id="4" name="Picture 3">
+          <p:cNvPr id="2" name="Picture 1">
             <a:extLst>
               <a:ext uri="{FF2B5EF4-FFF2-40B4-BE49-F238E27FC236}">
-                <a16:creationId xmlns:a16="http://schemas.microsoft.com/office/drawing/2014/main" id="{C910E887-0E64-4A8A-874A-E5F54E975C32}"/>
+                <a16:creationId xmlns:a16="http://schemas.microsoft.com/office/drawing/2014/main" id="{13FA8B14-9380-F2AE-E2DF-AEAE75788643}"/>
               </a:ext>
             </a:extLst>
           </p:cNvPr>
@@ -3373,21 +3380,16 @@
           </p:cNvPicPr>
           <p:nvPr/>
         </p:nvPicPr>
-        <p:blipFill rotWithShape="1">
-          <a:blip r:embed="rId2">
-            <a:extLst>
-              <a:ext uri="{28A0092B-C50C-407E-A947-70E740481C1C}">
-                <a14:useLocalDpi xmlns:a14="http://schemas.microsoft.com/office/drawing/2010/main" val="0"/>
-              </a:ext>
-            </a:extLst>
-          </a:blip>
-          <a:srcRect l="4594" t="13784" r="5699" b="7689"/>
-          <a:stretch/>
+        <p:blipFill>
+          <a:blip r:embed="rId2"/>
+          <a:stretch>
+            <a:fillRect/>
+          </a:stretch>
         </p:blipFill>
         <p:spPr>
           <a:xfrm>
-            <a:off x="1617198" y="1750097"/>
-            <a:ext cx="9235286" cy="4114800"/>
+            <a:off x="932688" y="1844358"/>
+            <a:ext cx="10650682" cy="3943794"/>
           </a:xfrm>
           <a:prstGeom prst="rect">
             <a:avLst/>
@@ -3434,6 +3436,458 @@
       </p:grpSpPr>
       <p:sp>
         <p:nvSpPr>
+          <p:cNvPr id="3" name="Content Placeholder 2">
+            <a:extLst>
+              <a:ext uri="{FF2B5EF4-FFF2-40B4-BE49-F238E27FC236}">
+                <a16:creationId xmlns:a16="http://schemas.microsoft.com/office/drawing/2014/main" id="{F8ABE153-B0FD-8229-ED94-3386D1633874}"/>
+              </a:ext>
+            </a:extLst>
+          </p:cNvPr>
+          <p:cNvSpPr>
+            <a:spLocks noGrp="1"/>
+          </p:cNvSpPr>
+          <p:nvPr>
+            <p:ph idx="1"/>
+          </p:nvPr>
+        </p:nvSpPr>
+        <p:spPr>
+          <a:xfrm>
+            <a:off x="708516" y="993103"/>
+            <a:ext cx="10905066" cy="5416177"/>
+          </a:xfrm>
+        </p:spPr>
+        <p:txBody>
+          <a:bodyPr vert="horz" lIns="91440" tIns="45720" rIns="91440" bIns="45720" rtlCol="0">
+            <a:normAutofit/>
+          </a:bodyPr>
+          <a:lstStyle/>
+          <a:p>
+            <a:pPr marL="0" indent="0">
+              <a:buNone/>
+            </a:pPr>
+            <a:r>
+              <a:rPr lang="en-US" sz="2400" b="1" dirty="0">
+                <a:latin typeface="Times New Roman"/>
+                <a:cs typeface="Calibri" panose="020F0502020204030204"/>
+              </a:rPr>
+              <a:t>Data Flow Diagram Level 1</a:t>
+            </a:r>
+          </a:p>
+          <a:p>
+            <a:pPr marL="0" indent="0">
+              <a:buNone/>
+            </a:pPr>
+            <a:endParaRPr lang="en-US" sz="2400" b="1" dirty="0">
+              <a:latin typeface="Times New Roman"/>
+              <a:cs typeface="Calibri" panose="020F0502020204030204"/>
+            </a:endParaRPr>
+          </a:p>
+        </p:txBody>
+      </p:sp>
+      <p:pic>
+        <p:nvPicPr>
+          <p:cNvPr id="4" name="Picture 3">
+            <a:extLst>
+              <a:ext uri="{FF2B5EF4-FFF2-40B4-BE49-F238E27FC236}">
+                <a16:creationId xmlns:a16="http://schemas.microsoft.com/office/drawing/2014/main" id="{042DD6CB-9BD8-ECDC-74C1-BC08736802B6}"/>
+              </a:ext>
+            </a:extLst>
+          </p:cNvPr>
+          <p:cNvPicPr>
+            <a:picLocks noChangeAspect="1"/>
+          </p:cNvPicPr>
+          <p:nvPr/>
+        </p:nvPicPr>
+        <p:blipFill>
+          <a:blip r:embed="rId2"/>
+          <a:stretch>
+            <a:fillRect/>
+          </a:stretch>
+        </p:blipFill>
+        <p:spPr>
+          <a:xfrm>
+            <a:off x="201168" y="1452973"/>
+            <a:ext cx="11282316" cy="5149069"/>
+          </a:xfrm>
+          <a:prstGeom prst="rect">
+            <a:avLst/>
+          </a:prstGeom>
+        </p:spPr>
+      </p:pic>
+    </p:spTree>
+    <p:extLst>
+      <p:ext uri="{BB962C8B-B14F-4D97-AF65-F5344CB8AC3E}">
+        <p14:creationId xmlns:p14="http://schemas.microsoft.com/office/powerpoint/2010/main" val="3645450367"/>
+      </p:ext>
+    </p:extLst>
+  </p:cSld>
+  <p:clrMapOvr>
+    <a:masterClrMapping/>
+  </p:clrMapOvr>
+</p:sld>
+</file>
+
+<file path=ppt/slides/slide12.xml><?xml version="1.0" encoding="utf-8"?>
+<p:sld xmlns:a="http://schemas.openxmlformats.org/drawingml/2006/main" xmlns:r="http://schemas.openxmlformats.org/officeDocument/2006/relationships" xmlns:p="http://schemas.openxmlformats.org/presentationml/2006/main">
+  <p:cSld>
+    <p:bg>
+      <p:bgPr>
+        <a:solidFill>
+          <a:schemeClr val="bg1"/>
+        </a:solidFill>
+        <a:effectLst/>
+      </p:bgPr>
+    </p:bg>
+    <p:spTree>
+      <p:nvGrpSpPr>
+        <p:cNvPr id="1" name=""/>
+        <p:cNvGrpSpPr/>
+        <p:nvPr/>
+      </p:nvGrpSpPr>
+      <p:grpSpPr>
+        <a:xfrm>
+          <a:off x="0" y="0"/>
+          <a:ext cx="0" cy="0"/>
+          <a:chOff x="0" y="0"/>
+          <a:chExt cx="0" cy="0"/>
+        </a:xfrm>
+      </p:grpSpPr>
+      <p:pic>
+        <p:nvPicPr>
+          <p:cNvPr id="2" name="Picture 1">
+            <a:extLst>
+              <a:ext uri="{FF2B5EF4-FFF2-40B4-BE49-F238E27FC236}">
+                <a16:creationId xmlns:a16="http://schemas.microsoft.com/office/drawing/2014/main" id="{C77AB0E0-8DCC-4ACD-5CEC-ED5412EF936E}"/>
+              </a:ext>
+            </a:extLst>
+          </p:cNvPr>
+          <p:cNvPicPr>
+            <a:picLocks noChangeAspect="1"/>
+          </p:cNvPicPr>
+          <p:nvPr/>
+        </p:nvPicPr>
+        <p:blipFill>
+          <a:blip r:embed="rId2"/>
+          <a:stretch>
+            <a:fillRect/>
+          </a:stretch>
+        </p:blipFill>
+        <p:spPr>
+          <a:xfrm>
+            <a:off x="1740100" y="1179576"/>
+            <a:ext cx="9743384" cy="5276136"/>
+          </a:xfrm>
+          <a:prstGeom prst="rect">
+            <a:avLst/>
+          </a:prstGeom>
+        </p:spPr>
+      </p:pic>
+      <p:sp>
+        <p:nvSpPr>
+          <p:cNvPr id="3" name="Content Placeholder 2">
+            <a:extLst>
+              <a:ext uri="{FF2B5EF4-FFF2-40B4-BE49-F238E27FC236}">
+                <a16:creationId xmlns:a16="http://schemas.microsoft.com/office/drawing/2014/main" id="{F8ABE153-B0FD-8229-ED94-3386D1633874}"/>
+              </a:ext>
+            </a:extLst>
+          </p:cNvPr>
+          <p:cNvSpPr>
+            <a:spLocks noGrp="1"/>
+          </p:cNvSpPr>
+          <p:nvPr>
+            <p:ph idx="1"/>
+          </p:nvPr>
+        </p:nvSpPr>
+        <p:spPr>
+          <a:xfrm>
+            <a:off x="708516" y="993103"/>
+            <a:ext cx="10905066" cy="5416177"/>
+          </a:xfrm>
+        </p:spPr>
+        <p:txBody>
+          <a:bodyPr vert="horz" lIns="91440" tIns="45720" rIns="91440" bIns="45720" rtlCol="0">
+            <a:normAutofit/>
+          </a:bodyPr>
+          <a:lstStyle/>
+          <a:p>
+            <a:pPr marL="0" indent="0">
+              <a:buNone/>
+            </a:pPr>
+            <a:r>
+              <a:rPr lang="en-US" sz="2400" b="1" dirty="0">
+                <a:latin typeface="Times New Roman"/>
+                <a:cs typeface="Calibri" panose="020F0502020204030204"/>
+              </a:rPr>
+              <a:t>ER Diagram</a:t>
+            </a:r>
+          </a:p>
+        </p:txBody>
+      </p:sp>
+    </p:spTree>
+    <p:extLst>
+      <p:ext uri="{BB962C8B-B14F-4D97-AF65-F5344CB8AC3E}">
+        <p14:creationId xmlns:p14="http://schemas.microsoft.com/office/powerpoint/2010/main" val="1253552630"/>
+      </p:ext>
+    </p:extLst>
+  </p:cSld>
+  <p:clrMapOvr>
+    <a:masterClrMapping/>
+  </p:clrMapOvr>
+</p:sld>
+</file>
+
+<file path=ppt/slides/slide13.xml><?xml version="1.0" encoding="utf-8"?>
+<p:sld xmlns:a="http://schemas.openxmlformats.org/drawingml/2006/main" xmlns:r="http://schemas.openxmlformats.org/officeDocument/2006/relationships" xmlns:p="http://schemas.openxmlformats.org/presentationml/2006/main">
+  <p:cSld>
+    <p:bg>
+      <p:bgPr>
+        <a:solidFill>
+          <a:schemeClr val="bg1"/>
+        </a:solidFill>
+        <a:effectLst/>
+      </p:bgPr>
+    </p:bg>
+    <p:spTree>
+      <p:nvGrpSpPr>
+        <p:cNvPr id="1" name=""/>
+        <p:cNvGrpSpPr/>
+        <p:nvPr/>
+      </p:nvGrpSpPr>
+      <p:grpSpPr>
+        <a:xfrm>
+          <a:off x="0" y="0"/>
+          <a:ext cx="0" cy="0"/>
+          <a:chOff x="0" y="0"/>
+          <a:chExt cx="0" cy="0"/>
+        </a:xfrm>
+      </p:grpSpPr>
+      <p:sp>
+        <p:nvSpPr>
+          <p:cNvPr id="3" name="Content Placeholder 2">
+            <a:extLst>
+              <a:ext uri="{FF2B5EF4-FFF2-40B4-BE49-F238E27FC236}">
+                <a16:creationId xmlns:a16="http://schemas.microsoft.com/office/drawing/2014/main" id="{F8ABE153-B0FD-8229-ED94-3386D1633874}"/>
+              </a:ext>
+            </a:extLst>
+          </p:cNvPr>
+          <p:cNvSpPr>
+            <a:spLocks noGrp="1"/>
+          </p:cNvSpPr>
+          <p:nvPr>
+            <p:ph idx="1"/>
+          </p:nvPr>
+        </p:nvSpPr>
+        <p:spPr>
+          <a:xfrm>
+            <a:off x="708516" y="993103"/>
+            <a:ext cx="10905066" cy="5416177"/>
+          </a:xfrm>
+        </p:spPr>
+        <p:txBody>
+          <a:bodyPr vert="horz" lIns="91440" tIns="45720" rIns="91440" bIns="45720" rtlCol="0">
+            <a:normAutofit/>
+          </a:bodyPr>
+          <a:lstStyle/>
+          <a:p>
+            <a:pPr marL="0" indent="0">
+              <a:buNone/>
+            </a:pPr>
+            <a:r>
+              <a:rPr lang="en-US" sz="2400" b="1" dirty="0">
+                <a:latin typeface="Times New Roman"/>
+                <a:cs typeface="Calibri" panose="020F0502020204030204"/>
+              </a:rPr>
+              <a:t>Activity Diagram</a:t>
+            </a:r>
+          </a:p>
+        </p:txBody>
+      </p:sp>
+      <p:pic>
+        <p:nvPicPr>
+          <p:cNvPr id="4" name="Picture 3">
+            <a:extLst>
+              <a:ext uri="{FF2B5EF4-FFF2-40B4-BE49-F238E27FC236}">
+                <a16:creationId xmlns:a16="http://schemas.microsoft.com/office/drawing/2014/main" id="{4477795A-BDB0-4A72-486F-BC1A8AB63B8D}"/>
+              </a:ext>
+            </a:extLst>
+          </p:cNvPr>
+          <p:cNvPicPr>
+            <a:picLocks noChangeAspect="1"/>
+          </p:cNvPicPr>
+          <p:nvPr/>
+        </p:nvPicPr>
+        <p:blipFill>
+          <a:blip r:embed="rId2"/>
+          <a:stretch>
+            <a:fillRect/>
+          </a:stretch>
+        </p:blipFill>
+        <p:spPr>
+          <a:xfrm>
+            <a:off x="3925570" y="374904"/>
+            <a:ext cx="4798060" cy="6300880"/>
+          </a:xfrm>
+          <a:prstGeom prst="rect">
+            <a:avLst/>
+          </a:prstGeom>
+        </p:spPr>
+      </p:pic>
+    </p:spTree>
+    <p:extLst>
+      <p:ext uri="{BB962C8B-B14F-4D97-AF65-F5344CB8AC3E}">
+        <p14:creationId xmlns:p14="http://schemas.microsoft.com/office/powerpoint/2010/main" val="3727547659"/>
+      </p:ext>
+    </p:extLst>
+  </p:cSld>
+  <p:clrMapOvr>
+    <a:masterClrMapping/>
+  </p:clrMapOvr>
+</p:sld>
+</file>
+
+<file path=ppt/slides/slide14.xml><?xml version="1.0" encoding="utf-8"?>
+<p:sld xmlns:a="http://schemas.openxmlformats.org/drawingml/2006/main" xmlns:r="http://schemas.openxmlformats.org/officeDocument/2006/relationships" xmlns:p="http://schemas.openxmlformats.org/presentationml/2006/main">
+  <p:cSld>
+    <p:bg>
+      <p:bgPr>
+        <a:solidFill>
+          <a:schemeClr val="bg1"/>
+        </a:solidFill>
+        <a:effectLst/>
+      </p:bgPr>
+    </p:bg>
+    <p:spTree>
+      <p:nvGrpSpPr>
+        <p:cNvPr id="1" name=""/>
+        <p:cNvGrpSpPr/>
+        <p:nvPr/>
+      </p:nvGrpSpPr>
+      <p:grpSpPr>
+        <a:xfrm>
+          <a:off x="0" y="0"/>
+          <a:ext cx="0" cy="0"/>
+          <a:chOff x="0" y="0"/>
+          <a:chExt cx="0" cy="0"/>
+        </a:xfrm>
+      </p:grpSpPr>
+      <p:sp>
+        <p:nvSpPr>
+          <p:cNvPr id="3" name="Content Placeholder 2">
+            <a:extLst>
+              <a:ext uri="{FF2B5EF4-FFF2-40B4-BE49-F238E27FC236}">
+                <a16:creationId xmlns:a16="http://schemas.microsoft.com/office/drawing/2014/main" id="{F8ABE153-B0FD-8229-ED94-3386D1633874}"/>
+              </a:ext>
+            </a:extLst>
+          </p:cNvPr>
+          <p:cNvSpPr>
+            <a:spLocks noGrp="1"/>
+          </p:cNvSpPr>
+          <p:nvPr>
+            <p:ph idx="1"/>
+          </p:nvPr>
+        </p:nvSpPr>
+        <p:spPr>
+          <a:xfrm>
+            <a:off x="708516" y="993103"/>
+            <a:ext cx="10905066" cy="5416177"/>
+          </a:xfrm>
+        </p:spPr>
+        <p:txBody>
+          <a:bodyPr vert="horz" lIns="91440" tIns="45720" rIns="91440" bIns="45720" rtlCol="0">
+            <a:normAutofit/>
+          </a:bodyPr>
+          <a:lstStyle/>
+          <a:p>
+            <a:pPr marL="0" indent="0">
+              <a:buNone/>
+            </a:pPr>
+            <a:r>
+              <a:rPr lang="en-US" sz="2400" b="1" dirty="0">
+                <a:latin typeface="Times New Roman"/>
+                <a:cs typeface="Calibri" panose="020F0502020204030204"/>
+              </a:rPr>
+              <a:t>Sequence Diagram</a:t>
+            </a:r>
+          </a:p>
+        </p:txBody>
+      </p:sp>
+      <p:pic>
+        <p:nvPicPr>
+          <p:cNvPr id="2" name="Picture 1">
+            <a:extLst>
+              <a:ext uri="{FF2B5EF4-FFF2-40B4-BE49-F238E27FC236}">
+                <a16:creationId xmlns:a16="http://schemas.microsoft.com/office/drawing/2014/main" id="{23EB544A-9350-D0AF-3268-D040CE9ADC09}"/>
+              </a:ext>
+            </a:extLst>
+          </p:cNvPr>
+          <p:cNvPicPr>
+            <a:picLocks noChangeAspect="1"/>
+          </p:cNvPicPr>
+          <p:nvPr/>
+        </p:nvPicPr>
+        <p:blipFill rotWithShape="1">
+          <a:blip r:embed="rId2"/>
+          <a:srcRect l="2437" t="191" r="1940" b="947"/>
+          <a:stretch/>
+        </p:blipFill>
+        <p:spPr bwMode="auto">
+          <a:xfrm>
+            <a:off x="3371913" y="448720"/>
+            <a:ext cx="6814503" cy="6344748"/>
+          </a:xfrm>
+          <a:prstGeom prst="rect">
+            <a:avLst/>
+          </a:prstGeom>
+          <a:ln>
+            <a:noFill/>
+          </a:ln>
+          <a:extLst>
+            <a:ext uri="{53640926-AAD7-44D8-BBD7-CCE9431645EC}">
+              <a14:shadowObscured xmlns:a14="http://schemas.microsoft.com/office/drawing/2010/main"/>
+            </a:ext>
+          </a:extLst>
+        </p:spPr>
+      </p:pic>
+    </p:spTree>
+    <p:extLst>
+      <p:ext uri="{BB962C8B-B14F-4D97-AF65-F5344CB8AC3E}">
+        <p14:creationId xmlns:p14="http://schemas.microsoft.com/office/powerpoint/2010/main" val="2170058568"/>
+      </p:ext>
+    </p:extLst>
+  </p:cSld>
+  <p:clrMapOvr>
+    <a:masterClrMapping/>
+  </p:clrMapOvr>
+</p:sld>
+</file>
+
+<file path=ppt/slides/slide15.xml><?xml version="1.0" encoding="utf-8"?>
+<p:sld xmlns:a="http://schemas.openxmlformats.org/drawingml/2006/main" xmlns:r="http://schemas.openxmlformats.org/officeDocument/2006/relationships" xmlns:p="http://schemas.openxmlformats.org/presentationml/2006/main">
+  <p:cSld>
+    <p:bg>
+      <p:bgPr>
+        <a:solidFill>
+          <a:schemeClr val="bg1"/>
+        </a:solidFill>
+        <a:effectLst/>
+      </p:bgPr>
+    </p:bg>
+    <p:spTree>
+      <p:nvGrpSpPr>
+        <p:cNvPr id="1" name=""/>
+        <p:cNvGrpSpPr/>
+        <p:nvPr/>
+      </p:nvGrpSpPr>
+      <p:grpSpPr>
+        <a:xfrm>
+          <a:off x="0" y="0"/>
+          <a:ext cx="0" cy="0"/>
+          <a:chOff x="0" y="0"/>
+          <a:chExt cx="0" cy="0"/>
+        </a:xfrm>
+      </p:grpSpPr>
+      <p:sp>
+        <p:nvSpPr>
           <p:cNvPr id="2" name="Title 1">
             <a:extLst>
               <a:ext uri="{FF2B5EF4-FFF2-40B4-BE49-F238E27FC236}">
@@ -3543,509 +3997,6 @@
     <p:extLst>
       <p:ext uri="{BB962C8B-B14F-4D97-AF65-F5344CB8AC3E}">
         <p14:creationId xmlns:p14="http://schemas.microsoft.com/office/powerpoint/2010/main" val="229864847"/>
-      </p:ext>
-    </p:extLst>
-  </p:cSld>
-  <p:clrMapOvr>
-    <a:masterClrMapping/>
-  </p:clrMapOvr>
-</p:sld>
-</file>
-
-<file path=ppt/slides/slide12.xml><?xml version="1.0" encoding="utf-8"?>
-<p:sld xmlns:a="http://schemas.openxmlformats.org/drawingml/2006/main" xmlns:r="http://schemas.openxmlformats.org/officeDocument/2006/relationships" xmlns:p="http://schemas.openxmlformats.org/presentationml/2006/main">
-  <p:cSld>
-    <p:spTree>
-      <p:nvGrpSpPr>
-        <p:cNvPr id="1" name=""/>
-        <p:cNvGrpSpPr/>
-        <p:nvPr/>
-      </p:nvGrpSpPr>
-      <p:grpSpPr>
-        <a:xfrm>
-          <a:off x="0" y="0"/>
-          <a:ext cx="0" cy="0"/>
-          <a:chOff x="0" y="0"/>
-          <a:chExt cx="0" cy="0"/>
-        </a:xfrm>
-      </p:grpSpPr>
-      <p:sp>
-        <p:nvSpPr>
-          <p:cNvPr id="2" name="Title 1">
-            <a:extLst>
-              <a:ext uri="{FF2B5EF4-FFF2-40B4-BE49-F238E27FC236}">
-                <a16:creationId xmlns:a16="http://schemas.microsoft.com/office/drawing/2014/main" id="{E716C059-7BB9-4F20-8652-855907127993}"/>
-              </a:ext>
-            </a:extLst>
-          </p:cNvPr>
-          <p:cNvSpPr>
-            <a:spLocks noGrp="1"/>
-          </p:cNvSpPr>
-          <p:nvPr>
-            <p:ph type="title"/>
-          </p:nvPr>
-        </p:nvSpPr>
-        <p:spPr/>
-        <p:txBody>
-          <a:bodyPr>
-            <a:normAutofit/>
-          </a:bodyPr>
-          <a:lstStyle/>
-          <a:p>
-            <a:r>
-              <a:rPr lang="en-US" sz="3200" b="1" dirty="0">
-                <a:latin typeface="Times New Roman" panose="02020603050405020304" pitchFamily="18" charset="0"/>
-                <a:cs typeface="Times New Roman" panose="02020603050405020304" pitchFamily="18" charset="0"/>
-              </a:rPr>
-              <a:t>Image Inpainting</a:t>
-            </a:r>
-          </a:p>
-        </p:txBody>
-      </p:sp>
-      <p:sp>
-        <p:nvSpPr>
-          <p:cNvPr id="3" name="Content Placeholder 2">
-            <a:extLst>
-              <a:ext uri="{FF2B5EF4-FFF2-40B4-BE49-F238E27FC236}">
-                <a16:creationId xmlns:a16="http://schemas.microsoft.com/office/drawing/2014/main" id="{316A7301-A418-4888-B9F1-3EDEE44CC637}"/>
-              </a:ext>
-            </a:extLst>
-          </p:cNvPr>
-          <p:cNvSpPr>
-            <a:spLocks noGrp="1"/>
-          </p:cNvSpPr>
-          <p:nvPr>
-            <p:ph idx="1"/>
-          </p:nvPr>
-        </p:nvSpPr>
-        <p:spPr>
-          <a:xfrm>
-            <a:off x="838200" y="1690688"/>
-            <a:ext cx="10515600" cy="4486275"/>
-          </a:xfrm>
-        </p:spPr>
-        <p:txBody>
-          <a:bodyPr>
-            <a:noAutofit/>
-          </a:bodyPr>
-          <a:lstStyle/>
-          <a:p>
-            <a:pPr marL="342900" indent="-342900" algn="just">
-              <a:lnSpc>
-                <a:spcPct val="150000"/>
-              </a:lnSpc>
-              <a:spcBef>
-                <a:spcPts val="0"/>
-              </a:spcBef>
-            </a:pPr>
-            <a:r>
-              <a:rPr lang="en-US" sz="2400" dirty="0">
-                <a:latin typeface="Times New Roman" panose="02020603050405020304" pitchFamily="18" charset="0"/>
-                <a:cs typeface="Times New Roman" panose="02020603050405020304" pitchFamily="18" charset="0"/>
-              </a:rPr>
-              <a:t>The main objective is to implement the GAN for image inpainting.</a:t>
-            </a:r>
-          </a:p>
-          <a:p>
-            <a:pPr marL="342900" indent="-342900" algn="just">
-              <a:lnSpc>
-                <a:spcPct val="150000"/>
-              </a:lnSpc>
-              <a:spcBef>
-                <a:spcPts val="0"/>
-              </a:spcBef>
-            </a:pPr>
-            <a:r>
-              <a:rPr lang="en-US" sz="2400" dirty="0">
-                <a:latin typeface="Times New Roman" panose="02020603050405020304" pitchFamily="18" charset="0"/>
-                <a:cs typeface="Times New Roman" panose="02020603050405020304" pitchFamily="18" charset="0"/>
-              </a:rPr>
-              <a:t>In GAN, two models are simultaneously trained:</a:t>
-            </a:r>
-            <a:endParaRPr lang="en-US" sz="2000" dirty="0">
-              <a:latin typeface="Times New Roman" panose="02020603050405020304" pitchFamily="18" charset="0"/>
-              <a:cs typeface="Times New Roman" panose="02020603050405020304" pitchFamily="18" charset="0"/>
-            </a:endParaRPr>
-          </a:p>
-          <a:p>
-            <a:pPr marL="800100" lvl="1" indent="-342900" algn="just">
-              <a:lnSpc>
-                <a:spcPct val="150000"/>
-              </a:lnSpc>
-              <a:spcBef>
-                <a:spcPts val="0"/>
-              </a:spcBef>
-            </a:pPr>
-            <a:r>
-              <a:rPr lang="en-US" sz="2000" dirty="0">
-                <a:latin typeface="Times New Roman" panose="02020603050405020304" pitchFamily="18" charset="0"/>
-                <a:cs typeface="Times New Roman" panose="02020603050405020304" pitchFamily="18" charset="0"/>
-              </a:rPr>
-              <a:t>Generator - Captures data distribution and generates images</a:t>
-            </a:r>
-          </a:p>
-          <a:p>
-            <a:pPr marL="800100" lvl="1" indent="-342900" algn="just">
-              <a:lnSpc>
-                <a:spcPct val="150000"/>
-              </a:lnSpc>
-              <a:spcBef>
-                <a:spcPts val="0"/>
-              </a:spcBef>
-            </a:pPr>
-            <a:r>
-              <a:rPr lang="en-US" sz="2000" dirty="0">
-                <a:latin typeface="Times New Roman" panose="02020603050405020304" pitchFamily="18" charset="0"/>
-                <a:cs typeface="Times New Roman" panose="02020603050405020304" pitchFamily="18" charset="0"/>
-              </a:rPr>
-              <a:t>Discriminator – Estimates the probability that a sample came from training data rather than the Generator.</a:t>
-            </a:r>
-          </a:p>
-          <a:p>
-            <a:pPr marL="342900" indent="-342900" algn="just">
-              <a:lnSpc>
-                <a:spcPct val="150000"/>
-              </a:lnSpc>
-              <a:spcBef>
-                <a:spcPts val="0"/>
-              </a:spcBef>
-            </a:pPr>
-            <a:r>
-              <a:rPr lang="en-US" sz="2400" dirty="0">
-                <a:latin typeface="Times New Roman" panose="02020603050405020304" pitchFamily="18" charset="0"/>
-                <a:cs typeface="Times New Roman" panose="02020603050405020304" pitchFamily="18" charset="0"/>
-              </a:rPr>
-              <a:t>Corresponds to a minimax two player game</a:t>
-            </a:r>
-          </a:p>
-          <a:p>
-            <a:pPr marL="342900" indent="-342900" algn="just">
-              <a:lnSpc>
-                <a:spcPct val="150000"/>
-              </a:lnSpc>
-              <a:spcBef>
-                <a:spcPts val="0"/>
-              </a:spcBef>
-            </a:pPr>
-            <a:endParaRPr lang="en-US" sz="2400" dirty="0">
-              <a:latin typeface="Times New Roman" panose="02020603050405020304" pitchFamily="18" charset="0"/>
-              <a:cs typeface="Times New Roman" panose="02020603050405020304" pitchFamily="18" charset="0"/>
-            </a:endParaRPr>
-          </a:p>
-        </p:txBody>
-      </p:sp>
-    </p:spTree>
-    <p:extLst>
-      <p:ext uri="{BB962C8B-B14F-4D97-AF65-F5344CB8AC3E}">
-        <p14:creationId xmlns:p14="http://schemas.microsoft.com/office/powerpoint/2010/main" val="1420314107"/>
-      </p:ext>
-    </p:extLst>
-  </p:cSld>
-  <p:clrMapOvr>
-    <a:masterClrMapping/>
-  </p:clrMapOvr>
-</p:sld>
-</file>
-
-<file path=ppt/slides/slide13.xml><?xml version="1.0" encoding="utf-8"?>
-<p:sld xmlns:a="http://schemas.openxmlformats.org/drawingml/2006/main" xmlns:r="http://schemas.openxmlformats.org/officeDocument/2006/relationships" xmlns:p="http://schemas.openxmlformats.org/presentationml/2006/main">
-  <p:cSld>
-    <p:spTree>
-      <p:nvGrpSpPr>
-        <p:cNvPr id="1" name=""/>
-        <p:cNvGrpSpPr/>
-        <p:nvPr/>
-      </p:nvGrpSpPr>
-      <p:grpSpPr>
-        <a:xfrm>
-          <a:off x="0" y="0"/>
-          <a:ext cx="0" cy="0"/>
-          <a:chOff x="0" y="0"/>
-          <a:chExt cx="0" cy="0"/>
-        </a:xfrm>
-      </p:grpSpPr>
-      <p:pic>
-        <p:nvPicPr>
-          <p:cNvPr id="5" name="Content Placeholder 4">
-            <a:extLst>
-              <a:ext uri="{FF2B5EF4-FFF2-40B4-BE49-F238E27FC236}">
-                <a16:creationId xmlns:a16="http://schemas.microsoft.com/office/drawing/2014/main" id="{36E69002-3571-489E-B58B-BB1454B22AAA}"/>
-              </a:ext>
-            </a:extLst>
-          </p:cNvPr>
-          <p:cNvPicPr>
-            <a:picLocks noGrp="1" noChangeAspect="1"/>
-          </p:cNvPicPr>
-          <p:nvPr>
-            <p:ph idx="1"/>
-          </p:nvPr>
-        </p:nvPicPr>
-        <p:blipFill>
-          <a:blip r:embed="rId2">
-            <a:extLst>
-              <a:ext uri="{28A0092B-C50C-407E-A947-70E740481C1C}">
-                <a14:useLocalDpi xmlns:a14="http://schemas.microsoft.com/office/drawing/2010/main" val="0"/>
-              </a:ext>
-            </a:extLst>
-          </a:blip>
-          <a:stretch>
-            <a:fillRect/>
-          </a:stretch>
-        </p:blipFill>
-        <p:spPr>
-          <a:xfrm>
-            <a:off x="252413" y="635793"/>
-            <a:ext cx="11687174" cy="5586413"/>
-          </a:xfrm>
-        </p:spPr>
-      </p:pic>
-    </p:spTree>
-    <p:extLst>
-      <p:ext uri="{BB962C8B-B14F-4D97-AF65-F5344CB8AC3E}">
-        <p14:creationId xmlns:p14="http://schemas.microsoft.com/office/powerpoint/2010/main" val="2297917981"/>
-      </p:ext>
-    </p:extLst>
-  </p:cSld>
-  <p:clrMapOvr>
-    <a:masterClrMapping/>
-  </p:clrMapOvr>
-</p:sld>
-</file>
-
-<file path=ppt/slides/slide14.xml><?xml version="1.0" encoding="utf-8"?>
-<p:sld xmlns:a="http://schemas.openxmlformats.org/drawingml/2006/main" xmlns:r="http://schemas.openxmlformats.org/officeDocument/2006/relationships" xmlns:p="http://schemas.openxmlformats.org/presentationml/2006/main">
-  <p:cSld>
-    <p:spTree>
-      <p:nvGrpSpPr>
-        <p:cNvPr id="1" name=""/>
-        <p:cNvGrpSpPr/>
-        <p:nvPr/>
-      </p:nvGrpSpPr>
-      <p:grpSpPr>
-        <a:xfrm>
-          <a:off x="0" y="0"/>
-          <a:ext cx="0" cy="0"/>
-          <a:chOff x="0" y="0"/>
-          <a:chExt cx="0" cy="0"/>
-        </a:xfrm>
-      </p:grpSpPr>
-      <p:pic>
-        <p:nvPicPr>
-          <p:cNvPr id="4" name="Content Placeholder 4">
-            <a:extLst>
-              <a:ext uri="{FF2B5EF4-FFF2-40B4-BE49-F238E27FC236}">
-                <a16:creationId xmlns:a16="http://schemas.microsoft.com/office/drawing/2014/main" id="{C2CC5BF2-1636-8C65-9130-285E0FFC4E9D}"/>
-              </a:ext>
-            </a:extLst>
-          </p:cNvPr>
-          <p:cNvPicPr>
-            <a:picLocks noGrp="1" noChangeAspect="1"/>
-          </p:cNvPicPr>
-          <p:nvPr>
-            <p:ph idx="1"/>
-          </p:nvPr>
-        </p:nvPicPr>
-        <p:blipFill>
-          <a:blip r:embed="rId2">
-            <a:extLst>
-              <a:ext uri="{28A0092B-C50C-407E-A947-70E740481C1C}">
-                <a14:useLocalDpi xmlns:a14="http://schemas.microsoft.com/office/drawing/2010/main" val="0"/>
-              </a:ext>
-            </a:extLst>
-          </a:blip>
-          <a:stretch>
-            <a:fillRect/>
-          </a:stretch>
-        </p:blipFill>
-        <p:spPr>
-          <a:xfrm>
-            <a:off x="1540781" y="764263"/>
-            <a:ext cx="9110437" cy="6093737"/>
-          </a:xfrm>
-        </p:spPr>
-      </p:pic>
-      <p:sp>
-        <p:nvSpPr>
-          <p:cNvPr id="3" name="Title 1">
-            <a:extLst>
-              <a:ext uri="{FF2B5EF4-FFF2-40B4-BE49-F238E27FC236}">
-                <a16:creationId xmlns:a16="http://schemas.microsoft.com/office/drawing/2014/main" id="{56EC6074-9D7A-40C2-A450-949D4199594C}"/>
-              </a:ext>
-            </a:extLst>
-          </p:cNvPr>
-          <p:cNvSpPr>
-            <a:spLocks noGrp="1"/>
-          </p:cNvSpPr>
-          <p:nvPr>
-            <p:ph type="title"/>
-          </p:nvPr>
-        </p:nvSpPr>
-        <p:spPr>
-          <a:xfrm>
-            <a:off x="401472" y="228647"/>
-            <a:ext cx="10515600" cy="713048"/>
-          </a:xfrm>
-        </p:spPr>
-        <p:txBody>
-          <a:bodyPr>
-            <a:normAutofit/>
-          </a:bodyPr>
-          <a:lstStyle/>
-          <a:p>
-            <a:r>
-              <a:rPr lang="en-US" sz="3200" b="1" dirty="0">
-                <a:latin typeface="Times New Roman" panose="02020603050405020304" pitchFamily="18" charset="0"/>
-                <a:cs typeface="Times New Roman" panose="02020603050405020304" pitchFamily="18" charset="0"/>
-              </a:rPr>
-              <a:t>Generator</a:t>
-            </a:r>
-          </a:p>
-        </p:txBody>
-      </p:sp>
-    </p:spTree>
-    <p:extLst>
-      <p:ext uri="{BB962C8B-B14F-4D97-AF65-F5344CB8AC3E}">
-        <p14:creationId xmlns:p14="http://schemas.microsoft.com/office/powerpoint/2010/main" val="1768389058"/>
-      </p:ext>
-    </p:extLst>
-  </p:cSld>
-  <p:clrMapOvr>
-    <a:masterClrMapping/>
-  </p:clrMapOvr>
-</p:sld>
-</file>
-
-<file path=ppt/slides/slide15.xml><?xml version="1.0" encoding="utf-8"?>
-<p:sld xmlns:a="http://schemas.openxmlformats.org/drawingml/2006/main" xmlns:r="http://schemas.openxmlformats.org/officeDocument/2006/relationships" xmlns:p="http://schemas.openxmlformats.org/presentationml/2006/main">
-  <p:cSld>
-    <p:spTree>
-      <p:nvGrpSpPr>
-        <p:cNvPr id="1" name=""/>
-        <p:cNvGrpSpPr/>
-        <p:nvPr/>
-      </p:nvGrpSpPr>
-      <p:grpSpPr>
-        <a:xfrm>
-          <a:off x="0" y="0"/>
-          <a:ext cx="0" cy="0"/>
-          <a:chOff x="0" y="0"/>
-          <a:chExt cx="0" cy="0"/>
-        </a:xfrm>
-      </p:grpSpPr>
-      <p:sp>
-        <p:nvSpPr>
-          <p:cNvPr id="3" name="Content Placeholder 2">
-            <a:extLst>
-              <a:ext uri="{FF2B5EF4-FFF2-40B4-BE49-F238E27FC236}">
-                <a16:creationId xmlns:a16="http://schemas.microsoft.com/office/drawing/2014/main" id="{443F62A7-E79F-4F79-B300-8D118D0A6D87}"/>
-              </a:ext>
-            </a:extLst>
-          </p:cNvPr>
-          <p:cNvSpPr>
-            <a:spLocks noGrp="1"/>
-          </p:cNvSpPr>
-          <p:nvPr>
-            <p:ph idx="1"/>
-          </p:nvPr>
-        </p:nvSpPr>
-        <p:spPr>
-          <a:xfrm>
-            <a:off x="838200" y="592428"/>
-            <a:ext cx="10515600" cy="5571656"/>
-          </a:xfrm>
-        </p:spPr>
-        <p:txBody>
-          <a:bodyPr>
-            <a:normAutofit/>
-          </a:bodyPr>
-          <a:lstStyle/>
-          <a:p>
-            <a:pPr algn="just">
-              <a:lnSpc>
-                <a:spcPct val="150000"/>
-              </a:lnSpc>
-            </a:pPr>
-            <a:r>
-              <a:rPr lang="en-US" sz="2400" dirty="0">
-                <a:latin typeface="Times New Roman" panose="02020603050405020304" pitchFamily="18" charset="0"/>
-                <a:cs typeface="Times New Roman" panose="02020603050405020304" pitchFamily="18" charset="0"/>
-              </a:rPr>
-              <a:t>The network architecture of the generator is based on U-Net, which is certain kind of architecture that achieves image segmentation.</a:t>
-            </a:r>
-          </a:p>
-          <a:p>
-            <a:pPr algn="just">
-              <a:lnSpc>
-                <a:spcPct val="150000"/>
-              </a:lnSpc>
-            </a:pPr>
-            <a:r>
-              <a:rPr lang="en-US" sz="2400" dirty="0">
-                <a:latin typeface="Times New Roman" panose="02020603050405020304" pitchFamily="18" charset="0"/>
-                <a:cs typeface="Times New Roman" panose="02020603050405020304" pitchFamily="18" charset="0"/>
-              </a:rPr>
-              <a:t>The generator consists of the convolutional layers in encoder-decoder fashion, that generates the recovered images from cropped images.</a:t>
-            </a:r>
-          </a:p>
-          <a:p>
-            <a:pPr algn="just">
-              <a:lnSpc>
-                <a:spcPct val="150000"/>
-              </a:lnSpc>
-            </a:pPr>
-            <a:r>
-              <a:rPr lang="en-US" sz="2400" dirty="0">
-                <a:latin typeface="Times New Roman" panose="02020603050405020304" pitchFamily="18" charset="0"/>
-                <a:cs typeface="Times New Roman" panose="02020603050405020304" pitchFamily="18" charset="0"/>
-              </a:rPr>
-              <a:t>The left side of the network is Contracting path or Encoder.</a:t>
-            </a:r>
-          </a:p>
-          <a:p>
-            <a:pPr algn="just">
-              <a:lnSpc>
-                <a:spcPct val="150000"/>
-              </a:lnSpc>
-            </a:pPr>
-            <a:r>
-              <a:rPr lang="en-US" sz="2400" dirty="0">
-                <a:latin typeface="Times New Roman" panose="02020603050405020304" pitchFamily="18" charset="0"/>
-                <a:cs typeface="Times New Roman" panose="02020603050405020304" pitchFamily="18" charset="0"/>
-              </a:rPr>
-              <a:t>The right side of the network is Expansive path or Decoder.</a:t>
-            </a:r>
-          </a:p>
-          <a:p>
-            <a:pPr algn="just">
-              <a:lnSpc>
-                <a:spcPct val="150000"/>
-              </a:lnSpc>
-            </a:pPr>
-            <a:r>
-              <a:rPr lang="en-US" sz="2400" dirty="0">
-                <a:latin typeface="Times New Roman" panose="02020603050405020304" pitchFamily="18" charset="0"/>
-                <a:cs typeface="Times New Roman" panose="02020603050405020304" pitchFamily="18" charset="0"/>
-              </a:rPr>
-              <a:t>The generated image of the generator is then injected into the discriminator, that determines whether the image is real or fake.</a:t>
-            </a:r>
-          </a:p>
-          <a:p>
-            <a:pPr algn="just">
-              <a:lnSpc>
-                <a:spcPct val="150000"/>
-              </a:lnSpc>
-            </a:pPr>
-            <a:endParaRPr lang="en-US" sz="2400" dirty="0">
-              <a:latin typeface="Times New Roman" panose="02020603050405020304" pitchFamily="18" charset="0"/>
-              <a:cs typeface="Times New Roman" panose="02020603050405020304" pitchFamily="18" charset="0"/>
-            </a:endParaRPr>
-          </a:p>
-        </p:txBody>
-      </p:sp>
-    </p:spTree>
-    <p:extLst>
-      <p:ext uri="{BB962C8B-B14F-4D97-AF65-F5344CB8AC3E}">
-        <p14:creationId xmlns:p14="http://schemas.microsoft.com/office/powerpoint/2010/main" val="29284733"/>
       </p:ext>
     </p:extLst>
   </p:cSld>
@@ -4074,10 +4025,43 @@
       </p:grpSpPr>
       <p:sp>
         <p:nvSpPr>
+          <p:cNvPr id="2" name="Title 1">
+            <a:extLst>
+              <a:ext uri="{FF2B5EF4-FFF2-40B4-BE49-F238E27FC236}">
+                <a16:creationId xmlns:a16="http://schemas.microsoft.com/office/drawing/2014/main" id="{E716C059-7BB9-4F20-8652-855907127993}"/>
+              </a:ext>
+            </a:extLst>
+          </p:cNvPr>
+          <p:cNvSpPr>
+            <a:spLocks noGrp="1"/>
+          </p:cNvSpPr>
+          <p:nvPr>
+            <p:ph type="title"/>
+          </p:nvPr>
+        </p:nvSpPr>
+        <p:spPr/>
+        <p:txBody>
+          <a:bodyPr>
+            <a:normAutofit/>
+          </a:bodyPr>
+          <a:lstStyle/>
+          <a:p>
+            <a:r>
+              <a:rPr lang="en-US" sz="3200" b="1" dirty="0">
+                <a:latin typeface="Times New Roman" panose="02020603050405020304" pitchFamily="18" charset="0"/>
+                <a:cs typeface="Times New Roman" panose="02020603050405020304" pitchFamily="18" charset="0"/>
+              </a:rPr>
+              <a:t>Conditional GAN</a:t>
+            </a:r>
+          </a:p>
+        </p:txBody>
+      </p:sp>
+      <p:sp>
+        <p:nvSpPr>
           <p:cNvPr id="3" name="Content Placeholder 2">
             <a:extLst>
               <a:ext uri="{FF2B5EF4-FFF2-40B4-BE49-F238E27FC236}">
-                <a16:creationId xmlns:a16="http://schemas.microsoft.com/office/drawing/2014/main" id="{EEEFADF3-ECFB-43FC-84CE-4A3BD3C4FF1C}"/>
+                <a16:creationId xmlns:a16="http://schemas.microsoft.com/office/drawing/2014/main" id="{316A7301-A418-4888-B9F1-3EDEE44CC637}"/>
               </a:ext>
             </a:extLst>
           </p:cNvPr>
@@ -4090,129 +4074,124 @@
         </p:nvSpPr>
         <p:spPr>
           <a:xfrm>
-            <a:off x="838200" y="764275"/>
-            <a:ext cx="10515600" cy="5595582"/>
+            <a:off x="838200" y="1690688"/>
+            <a:ext cx="10515600" cy="4486275"/>
           </a:xfrm>
         </p:spPr>
         <p:txBody>
           <a:bodyPr>
-            <a:normAutofit/>
+            <a:noAutofit/>
           </a:bodyPr>
           <a:lstStyle/>
           <a:p>
-            <a:pPr>
+            <a:pPr marL="342900" indent="-342900" algn="just">
               <a:lnSpc>
                 <a:spcPct val="150000"/>
               </a:lnSpc>
               <a:spcBef>
                 <a:spcPts val="0"/>
               </a:spcBef>
-              <a:spcAft>
-                <a:spcPts val="600"/>
-              </a:spcAft>
             </a:pPr>
             <a:r>
               <a:rPr lang="en-US" sz="2400" dirty="0">
                 <a:latin typeface="Times New Roman" panose="02020603050405020304" pitchFamily="18" charset="0"/>
                 <a:cs typeface="Times New Roman" panose="02020603050405020304" pitchFamily="18" charset="0"/>
               </a:rPr>
-              <a:t>Each block in the encoder is: </a:t>
-            </a:r>
-            <a:br>
-              <a:rPr lang="en-US" sz="2400" dirty="0">
-                <a:latin typeface="Times New Roman" panose="02020603050405020304" pitchFamily="18" charset="0"/>
-                <a:cs typeface="Times New Roman" panose="02020603050405020304" pitchFamily="18" charset="0"/>
-              </a:rPr>
-            </a:br>
-            <a:r>
-              <a:rPr lang="en-US" sz="2400" dirty="0">
-                <a:latin typeface="Times New Roman" panose="02020603050405020304" pitchFamily="18" charset="0"/>
-                <a:cs typeface="Times New Roman" panose="02020603050405020304" pitchFamily="18" charset="0"/>
-              </a:rPr>
-              <a:t>Convolution -&gt; Batch normalization -&gt; Leaky </a:t>
-            </a:r>
-            <a:r>
-              <a:rPr lang="en-US" sz="2400" dirty="0" err="1">
-                <a:latin typeface="Times New Roman" panose="02020603050405020304" pitchFamily="18" charset="0"/>
-                <a:cs typeface="Times New Roman" panose="02020603050405020304" pitchFamily="18" charset="0"/>
-              </a:rPr>
-              <a:t>ReLU</a:t>
-            </a:r>
-            <a:endParaRPr lang="en-US" sz="2400" dirty="0">
-              <a:latin typeface="Times New Roman" panose="02020603050405020304" pitchFamily="18" charset="0"/>
-              <a:cs typeface="Times New Roman" panose="02020603050405020304" pitchFamily="18" charset="0"/>
-            </a:endParaRPr>
-          </a:p>
-          <a:p>
-            <a:pPr>
+              <a:t>The main objective is to implement the Conditional GAN for image inpainting.</a:t>
+            </a:r>
+          </a:p>
+          <a:p>
+            <a:pPr marL="342900" indent="-342900" algn="just">
               <a:lnSpc>
                 <a:spcPct val="150000"/>
               </a:lnSpc>
               <a:spcBef>
                 <a:spcPts val="0"/>
               </a:spcBef>
-              <a:spcAft>
-                <a:spcPts val="600"/>
-              </a:spcAft>
             </a:pPr>
             <a:r>
               <a:rPr lang="en-US" sz="2400" dirty="0">
                 <a:latin typeface="Times New Roman" panose="02020603050405020304" pitchFamily="18" charset="0"/>
                 <a:cs typeface="Times New Roman" panose="02020603050405020304" pitchFamily="18" charset="0"/>
               </a:rPr>
-              <a:t>Each block in the decoder is: </a:t>
-            </a:r>
-            <a:br>
-              <a:rPr lang="en-US" sz="2400" dirty="0">
-                <a:latin typeface="Times New Roman" panose="02020603050405020304" pitchFamily="18" charset="0"/>
-                <a:cs typeface="Times New Roman" panose="02020603050405020304" pitchFamily="18" charset="0"/>
-              </a:rPr>
-            </a:br>
-            <a:r>
-              <a:rPr lang="en-US" sz="2400" dirty="0">
-                <a:latin typeface="Times New Roman" panose="02020603050405020304" pitchFamily="18" charset="0"/>
-                <a:cs typeface="Times New Roman" panose="02020603050405020304" pitchFamily="18" charset="0"/>
-              </a:rPr>
-              <a:t>Transposed convolution -&gt; Batch normalization -&gt; Dropout (applied to the first 3 blocks) -&gt; </a:t>
-            </a:r>
-            <a:r>
-              <a:rPr lang="en-US" sz="2400" dirty="0" err="1">
-                <a:latin typeface="Times New Roman" panose="02020603050405020304" pitchFamily="18" charset="0"/>
-                <a:cs typeface="Times New Roman" panose="02020603050405020304" pitchFamily="18" charset="0"/>
-              </a:rPr>
-              <a:t>ReLU</a:t>
-            </a:r>
-            <a:endParaRPr lang="en-US" sz="2400" dirty="0">
+              <a:t>In GAN, two models are trained simultaneously:</a:t>
+            </a:r>
+            <a:endParaRPr lang="en-US" sz="2000" dirty="0">
               <a:latin typeface="Times New Roman" panose="02020603050405020304" pitchFamily="18" charset="0"/>
               <a:cs typeface="Times New Roman" panose="02020603050405020304" pitchFamily="18" charset="0"/>
             </a:endParaRPr>
           </a:p>
           <a:p>
-            <a:pPr>
+            <a:pPr marL="800100" lvl="1" indent="-342900" algn="just">
               <a:lnSpc>
                 <a:spcPct val="150000"/>
               </a:lnSpc>
               <a:spcBef>
                 <a:spcPts val="0"/>
               </a:spcBef>
-              <a:spcAft>
-                <a:spcPts val="600"/>
-              </a:spcAft>
+            </a:pPr>
+            <a:r>
+              <a:rPr lang="en-US" sz="2000" dirty="0">
+                <a:latin typeface="Times New Roman" panose="02020603050405020304" pitchFamily="18" charset="0"/>
+                <a:cs typeface="Times New Roman" panose="02020603050405020304" pitchFamily="18" charset="0"/>
+              </a:rPr>
+              <a:t>Generator - Captures data distribution and generates images</a:t>
+            </a:r>
+          </a:p>
+          <a:p>
+            <a:pPr marL="800100" lvl="1" indent="-342900" algn="just">
+              <a:lnSpc>
+                <a:spcPct val="150000"/>
+              </a:lnSpc>
+              <a:spcBef>
+                <a:spcPts val="0"/>
+              </a:spcBef>
+            </a:pPr>
+            <a:r>
+              <a:rPr lang="en-US" sz="2000" dirty="0">
+                <a:latin typeface="Times New Roman" panose="02020603050405020304" pitchFamily="18" charset="0"/>
+                <a:cs typeface="Times New Roman" panose="02020603050405020304" pitchFamily="18" charset="0"/>
+              </a:rPr>
+              <a:t>Discriminator – Estimates the probability that a sample came from training data rather than the Generator.</a:t>
+            </a:r>
+          </a:p>
+          <a:p>
+            <a:pPr marL="342900" indent="-342900" algn="just">
+              <a:lnSpc>
+                <a:spcPct val="150000"/>
+              </a:lnSpc>
+              <a:spcBef>
+                <a:spcPts val="0"/>
+              </a:spcBef>
             </a:pPr>
             <a:r>
               <a:rPr lang="en-US" sz="2400" dirty="0">
                 <a:latin typeface="Times New Roman" panose="02020603050405020304" pitchFamily="18" charset="0"/>
                 <a:cs typeface="Times New Roman" panose="02020603050405020304" pitchFamily="18" charset="0"/>
               </a:rPr>
-              <a:t>Skip connections between the encoder and decoder.</a:t>
-            </a:r>
+              <a:t>Both generator and discriminator are conditioned on the same auxiliary information, such as class labels or input data.</a:t>
+            </a:r>
+          </a:p>
+          <a:p>
+            <a:pPr marL="342900" indent="-342900" algn="just">
+              <a:lnSpc>
+                <a:spcPct val="150000"/>
+              </a:lnSpc>
+              <a:spcBef>
+                <a:spcPts val="0"/>
+              </a:spcBef>
+            </a:pPr>
+            <a:endParaRPr lang="en-US" sz="2400" dirty="0">
+              <a:latin typeface="Times New Roman" panose="02020603050405020304" pitchFamily="18" charset="0"/>
+              <a:cs typeface="Times New Roman" panose="02020603050405020304" pitchFamily="18" charset="0"/>
+            </a:endParaRPr>
           </a:p>
         </p:txBody>
       </p:sp>
     </p:spTree>
     <p:extLst>
       <p:ext uri="{BB962C8B-B14F-4D97-AF65-F5344CB8AC3E}">
-        <p14:creationId xmlns:p14="http://schemas.microsoft.com/office/powerpoint/2010/main" val="2461038803"/>
+        <p14:creationId xmlns:p14="http://schemas.microsoft.com/office/powerpoint/2010/main" val="1420314107"/>
       </p:ext>
     </p:extLst>
   </p:cSld>
@@ -4239,107 +4218,53 @@
           <a:chExt cx="0" cy="0"/>
         </a:xfrm>
       </p:grpSpPr>
-      <p:sp>
-        <p:nvSpPr>
-          <p:cNvPr id="2" name="Title 1">
+      <p:pic>
+        <p:nvPicPr>
+          <p:cNvPr id="4" name="Content Placeholder 3" descr="a) Standard GAN and (b) conditional GAN architectures. | Download  Scientific Diagram">
             <a:extLst>
               <a:ext uri="{FF2B5EF4-FFF2-40B4-BE49-F238E27FC236}">
-                <a16:creationId xmlns:a16="http://schemas.microsoft.com/office/drawing/2014/main" id="{9A8CCFDB-7509-4941-AACC-07D681031F5F}"/>
+                <a16:creationId xmlns:a16="http://schemas.microsoft.com/office/drawing/2014/main" id="{7E3591FF-092B-BB5F-FA74-F0F8F18697DB}"/>
               </a:ext>
             </a:extLst>
           </p:cNvPr>
-          <p:cNvSpPr>
-            <a:spLocks noGrp="1"/>
-          </p:cNvSpPr>
-          <p:nvPr>
-            <p:ph type="title"/>
-          </p:nvPr>
-        </p:nvSpPr>
-        <p:spPr/>
-        <p:txBody>
-          <a:bodyPr>
-            <a:normAutofit/>
-          </a:bodyPr>
-          <a:lstStyle/>
-          <a:p>
-            <a:r>
-              <a:rPr lang="en-US" sz="3200" b="1" dirty="0">
-                <a:latin typeface="Times New Roman" panose="02020603050405020304" pitchFamily="18" charset="0"/>
-                <a:cs typeface="Times New Roman" panose="02020603050405020304" pitchFamily="18" charset="0"/>
-              </a:rPr>
-              <a:t>Generator loss</a:t>
-            </a:r>
-          </a:p>
-        </p:txBody>
-      </p:sp>
-      <p:sp>
-        <p:nvSpPr>
-          <p:cNvPr id="3" name="Content Placeholder 2">
+          <p:cNvPicPr>
+            <a:picLocks noGrp="1" noChangeAspect="1"/>
+          </p:cNvPicPr>
+          <p:nvPr>
+            <p:ph idx="1"/>
+          </p:nvPr>
+        </p:nvPicPr>
+        <p:blipFill>
+          <a:blip r:embed="rId2">
             <a:extLst>
-              <a:ext uri="{FF2B5EF4-FFF2-40B4-BE49-F238E27FC236}">
-                <a16:creationId xmlns:a16="http://schemas.microsoft.com/office/drawing/2014/main" id="{CAF07A12-0308-485B-B1E3-78719439618F}"/>
+              <a:ext uri="{28A0092B-C50C-407E-A947-70E740481C1C}">
+                <a14:useLocalDpi xmlns:a14="http://schemas.microsoft.com/office/drawing/2010/main" val="0"/>
               </a:ext>
             </a:extLst>
-          </p:cNvPr>
-          <p:cNvSpPr>
-            <a:spLocks noGrp="1"/>
-          </p:cNvSpPr>
-          <p:nvPr>
-            <p:ph idx="1"/>
-          </p:nvPr>
-        </p:nvSpPr>
-        <p:spPr/>
-        <p:txBody>
-          <a:bodyPr>
-            <a:normAutofit/>
-          </a:bodyPr>
-          <a:lstStyle/>
-          <a:p>
-            <a:pPr>
-              <a:lnSpc>
-                <a:spcPct val="150000"/>
-              </a:lnSpc>
-              <a:spcBef>
-                <a:spcPts val="0"/>
-              </a:spcBef>
-              <a:spcAft>
-                <a:spcPts val="600"/>
-              </a:spcAft>
-            </a:pPr>
-            <a:r>
-              <a:rPr lang="en-US" sz="2400" dirty="0">
-                <a:latin typeface="Times New Roman" panose="02020603050405020304" pitchFamily="18" charset="0"/>
-                <a:cs typeface="Times New Roman" panose="02020603050405020304" pitchFamily="18" charset="0"/>
-              </a:rPr>
-              <a:t>The generator loss is a sigmoid cross-entropy loss of the generated images and an array of ones.</a:t>
-            </a:r>
-          </a:p>
-          <a:p>
-            <a:pPr>
-              <a:lnSpc>
-                <a:spcPct val="150000"/>
-              </a:lnSpc>
-              <a:spcBef>
-                <a:spcPts val="0"/>
-              </a:spcBef>
-              <a:spcAft>
-                <a:spcPts val="600"/>
-              </a:spcAft>
-            </a:pPr>
-            <a:r>
-              <a:rPr lang="en-US" sz="2400" dirty="0">
-                <a:latin typeface="Times New Roman" panose="02020603050405020304" pitchFamily="18" charset="0"/>
-                <a:cs typeface="Times New Roman" panose="02020603050405020304" pitchFamily="18" charset="0"/>
-              </a:rPr>
-              <a:t>Also includes L1 loss, which is MAE (mean absolute error) between the generated image and the target image.</a:t>
-            </a:r>
-          </a:p>
-        </p:txBody>
-      </p:sp>
+          </a:blip>
+          <a:srcRect/>
+          <a:stretch>
+            <a:fillRect/>
+          </a:stretch>
+        </p:blipFill>
+        <p:spPr bwMode="auto">
+          <a:xfrm>
+            <a:off x="357619" y="785940"/>
+            <a:ext cx="11476761" cy="5066220"/>
+          </a:xfrm>
+          <a:prstGeom prst="rect">
+            <a:avLst/>
+          </a:prstGeom>
+          <a:noFill/>
+          <a:ln>
+            <a:noFill/>
+          </a:ln>
+        </p:spPr>
+      </p:pic>
     </p:spTree>
     <p:extLst>
       <p:ext uri="{BB962C8B-B14F-4D97-AF65-F5344CB8AC3E}">
-        <p14:creationId xmlns:p14="http://schemas.microsoft.com/office/powerpoint/2010/main" val="1731598065"/>
+        <p14:creationId xmlns:p14="http://schemas.microsoft.com/office/powerpoint/2010/main" val="2297917981"/>
       </p:ext>
     </p:extLst>
   </p:cSld>
@@ -4371,7 +4296,7 @@
           <p:cNvPr id="2" name="Title 1">
             <a:extLst>
               <a:ext uri="{FF2B5EF4-FFF2-40B4-BE49-F238E27FC236}">
-                <a16:creationId xmlns:a16="http://schemas.microsoft.com/office/drawing/2014/main" id="{E1FEE3B2-5914-492C-B1E5-6E5D6536A5A0}"/>
+                <a16:creationId xmlns:a16="http://schemas.microsoft.com/office/drawing/2014/main" id="{B2139A55-064C-C47E-0E40-E911C44E4B4D}"/>
               </a:ext>
             </a:extLst>
           </p:cNvPr>
@@ -4382,12 +4307,7 @@
             <p:ph type="title"/>
           </p:nvPr>
         </p:nvSpPr>
-        <p:spPr>
-          <a:xfrm>
-            <a:off x="838200" y="269590"/>
-            <a:ext cx="10515600" cy="1040594"/>
-          </a:xfrm>
-        </p:spPr>
+        <p:spPr/>
         <p:txBody>
           <a:bodyPr>
             <a:normAutofit/>
@@ -4399,50 +4319,66 @@
                 <a:latin typeface="Times New Roman" panose="02020603050405020304" pitchFamily="18" charset="0"/>
                 <a:cs typeface="Times New Roman" panose="02020603050405020304" pitchFamily="18" charset="0"/>
               </a:rPr>
-              <a:t>Discriminator</a:t>
-            </a:r>
-          </a:p>
-        </p:txBody>
-      </p:sp>
-      <p:pic>
-        <p:nvPicPr>
-          <p:cNvPr id="7" name="Content Placeholder 6">
+              <a:t>Pix2Pix model</a:t>
+            </a:r>
+          </a:p>
+        </p:txBody>
+      </p:sp>
+      <p:sp>
+        <p:nvSpPr>
+          <p:cNvPr id="3" name="Content Placeholder 2">
             <a:extLst>
               <a:ext uri="{FF2B5EF4-FFF2-40B4-BE49-F238E27FC236}">
-                <a16:creationId xmlns:a16="http://schemas.microsoft.com/office/drawing/2014/main" id="{B71900C6-5A1A-4761-98C1-2621A81B6868}"/>
+                <a16:creationId xmlns:a16="http://schemas.microsoft.com/office/drawing/2014/main" id="{A931EA0C-F7E0-9290-A4FC-9323530EFAAD}"/>
               </a:ext>
             </a:extLst>
           </p:cNvPr>
-          <p:cNvPicPr>
-            <a:picLocks noGrp="1" noChangeAspect="1"/>
-          </p:cNvPicPr>
+          <p:cNvSpPr>
+            <a:spLocks noGrp="1"/>
+          </p:cNvSpPr>
           <p:nvPr>
             <p:ph idx="1"/>
           </p:nvPr>
-        </p:nvPicPr>
-        <p:blipFill>
-          <a:blip r:embed="rId2">
-            <a:extLst>
-              <a:ext uri="{28A0092B-C50C-407E-A947-70E740481C1C}">
-                <a14:useLocalDpi xmlns:a14="http://schemas.microsoft.com/office/drawing/2010/main" val="0"/>
-              </a:ext>
-            </a:extLst>
-          </a:blip>
-          <a:stretch>
-            <a:fillRect/>
-          </a:stretch>
-        </p:blipFill>
-        <p:spPr>
-          <a:xfrm>
-            <a:off x="2956671" y="1306057"/>
-            <a:ext cx="6278657" cy="5282353"/>
-          </a:xfrm>
-        </p:spPr>
-      </p:pic>
+        </p:nvSpPr>
+        <p:spPr/>
+        <p:txBody>
+          <a:bodyPr>
+            <a:normAutofit/>
+          </a:bodyPr>
+          <a:lstStyle/>
+          <a:p>
+            <a:r>
+              <a:rPr lang="en-US" sz="2400" dirty="0">
+                <a:latin typeface="Times New Roman" panose="02020603050405020304" pitchFamily="18" charset="0"/>
+                <a:cs typeface="Times New Roman" panose="02020603050405020304" pitchFamily="18" charset="0"/>
+              </a:rPr>
+              <a:t>a type of conditional GAN, where the generation of the output image is conditional on a source image</a:t>
+            </a:r>
+          </a:p>
+          <a:p>
+            <a:r>
+              <a:rPr lang="en-US" sz="2400" dirty="0">
+                <a:latin typeface="Times New Roman" panose="02020603050405020304" pitchFamily="18" charset="0"/>
+                <a:cs typeface="Times New Roman" panose="02020603050405020304" pitchFamily="18" charset="0"/>
+              </a:rPr>
+              <a:t>Generator is trained via adversarial loss, which encourages to generate plausible images</a:t>
+            </a:r>
+          </a:p>
+          <a:p>
+            <a:r>
+              <a:rPr lang="en-US" sz="2400" dirty="0">
+                <a:latin typeface="Times New Roman" panose="02020603050405020304" pitchFamily="18" charset="0"/>
+                <a:cs typeface="Times New Roman" panose="02020603050405020304" pitchFamily="18" charset="0"/>
+              </a:rPr>
+              <a:t>Discriminator must determine whether the target image is plausible transformation of the source image</a:t>
+            </a:r>
+          </a:p>
+        </p:txBody>
+      </p:sp>
     </p:spTree>
     <p:extLst>
       <p:ext uri="{BB962C8B-B14F-4D97-AF65-F5344CB8AC3E}">
-        <p14:creationId xmlns:p14="http://schemas.microsoft.com/office/powerpoint/2010/main" val="824164043"/>
+        <p14:creationId xmlns:p14="http://schemas.microsoft.com/office/powerpoint/2010/main" val="836257182"/>
       </p:ext>
     </p:extLst>
   </p:cSld>
@@ -4469,98 +4405,71 @@
           <a:chExt cx="0" cy="0"/>
         </a:xfrm>
       </p:grpSpPr>
-      <p:sp>
-        <p:nvSpPr>
-          <p:cNvPr id="4" name="Content Placeholder 2">
+      <p:pic>
+        <p:nvPicPr>
+          <p:cNvPr id="4" name="Content Placeholder 4">
             <a:extLst>
               <a:ext uri="{FF2B5EF4-FFF2-40B4-BE49-F238E27FC236}">
-                <a16:creationId xmlns:a16="http://schemas.microsoft.com/office/drawing/2014/main" id="{29A38DF6-A777-4AD2-9546-33D723548AA5}"/>
+                <a16:creationId xmlns:a16="http://schemas.microsoft.com/office/drawing/2014/main" id="{E6413300-68C1-63A0-A7D8-4879067609E3}"/>
               </a:ext>
             </a:extLst>
           </p:cNvPr>
-          <p:cNvSpPr>
-            <a:spLocks noGrp="1"/>
-          </p:cNvSpPr>
-          <p:nvPr>
-            <p:ph idx="1"/>
-          </p:nvPr>
-        </p:nvSpPr>
+          <p:cNvPicPr>
+            <a:picLocks noChangeAspect="1"/>
+          </p:cNvPicPr>
+          <p:nvPr/>
+        </p:nvPicPr>
+        <p:blipFill>
+          <a:blip r:embed="rId2">
+            <a:extLst>
+              <a:ext uri="{28A0092B-C50C-407E-A947-70E740481C1C}">
+                <a14:useLocalDpi xmlns:a14="http://schemas.microsoft.com/office/drawing/2010/main" val="0"/>
+              </a:ext>
+            </a:extLst>
+          </a:blip>
+          <a:stretch>
+            <a:fillRect/>
+          </a:stretch>
+        </p:blipFill>
         <p:spPr>
           <a:xfrm>
-            <a:off x="838200" y="709684"/>
-            <a:ext cx="10515600" cy="5467279"/>
+            <a:off x="2107709" y="681037"/>
+            <a:ext cx="9110437" cy="6093737"/>
           </a:xfrm>
+          <a:prstGeom prst="rect">
+            <a:avLst/>
+          </a:prstGeom>
         </p:spPr>
+      </p:pic>
+      <p:sp>
+        <p:nvSpPr>
+          <p:cNvPr id="2" name="Title 1">
+            <a:extLst>
+              <a:ext uri="{FF2B5EF4-FFF2-40B4-BE49-F238E27FC236}">
+                <a16:creationId xmlns:a16="http://schemas.microsoft.com/office/drawing/2014/main" id="{B2139A55-064C-C47E-0E40-E911C44E4B4D}"/>
+              </a:ext>
+            </a:extLst>
+          </p:cNvPr>
+          <p:cNvSpPr>
+            <a:spLocks noGrp="1"/>
+          </p:cNvSpPr>
+          <p:nvPr>
+            <p:ph type="title"/>
+          </p:nvPr>
+        </p:nvSpPr>
+        <p:spPr/>
         <p:txBody>
           <a:bodyPr>
             <a:normAutofit/>
           </a:bodyPr>
           <a:lstStyle/>
           <a:p>
-            <a:pPr>
-              <a:lnSpc>
-                <a:spcPct val="160000"/>
-              </a:lnSpc>
-              <a:spcBef>
-                <a:spcPts val="0"/>
-              </a:spcBef>
-              <a:spcAft>
-                <a:spcPts val="600"/>
-              </a:spcAft>
-            </a:pPr>
-            <a:r>
-              <a:rPr lang="en-US" sz="2400" dirty="0" err="1">
-                <a:latin typeface="Times New Roman" panose="02020603050405020304" pitchFamily="18" charset="0"/>
-                <a:cs typeface="Times New Roman" panose="02020603050405020304" pitchFamily="18" charset="0"/>
-              </a:rPr>
-              <a:t>PatchGAN</a:t>
-            </a:r>
-            <a:r>
-              <a:rPr lang="en-US" sz="2400" dirty="0">
-                <a:latin typeface="Times New Roman" panose="02020603050405020304" pitchFamily="18" charset="0"/>
-                <a:cs typeface="Times New Roman" panose="02020603050405020304" pitchFamily="18" charset="0"/>
-              </a:rPr>
-              <a:t> classifier—it tries to classify if each image patch is real or not real.</a:t>
-            </a:r>
-          </a:p>
-          <a:p>
-            <a:pPr>
-              <a:lnSpc>
-                <a:spcPct val="160000"/>
-              </a:lnSpc>
-              <a:spcBef>
-                <a:spcPts val="0"/>
-              </a:spcBef>
-              <a:spcAft>
-                <a:spcPts val="600"/>
-              </a:spcAft>
-            </a:pPr>
-            <a:r>
-              <a:rPr lang="en-US" sz="2400" dirty="0">
-                <a:latin typeface="Times New Roman" panose="02020603050405020304" pitchFamily="18" charset="0"/>
-                <a:cs typeface="Times New Roman" panose="02020603050405020304" pitchFamily="18" charset="0"/>
-              </a:rPr>
-              <a:t>Run this discriminator convolutionally across the image, averaging all responses to provide the ultimate output of D.</a:t>
-            </a:r>
-          </a:p>
-          <a:p>
-            <a:pPr>
-              <a:lnSpc>
-                <a:spcPct val="160000"/>
-              </a:lnSpc>
-              <a:spcBef>
-                <a:spcPts val="0"/>
-              </a:spcBef>
-              <a:spcAft>
-                <a:spcPts val="600"/>
-              </a:spcAft>
-            </a:pPr>
-            <a:r>
-              <a:rPr lang="en-US" sz="2400" dirty="0">
-                <a:latin typeface="Times New Roman" panose="02020603050405020304" pitchFamily="18" charset="0"/>
-                <a:cs typeface="Times New Roman" panose="02020603050405020304" pitchFamily="18" charset="0"/>
-              </a:rPr>
-              <a:t>Each value of the output matrix represents the probability of whether the corresponding image patch is real or artiﬁcially generated.</a:t>
+            <a:r>
+              <a:rPr lang="en-US" sz="3200" b="1" dirty="0">
+                <a:latin typeface="Times New Roman" panose="02020603050405020304" pitchFamily="18" charset="0"/>
+                <a:cs typeface="Times New Roman" panose="02020603050405020304" pitchFamily="18" charset="0"/>
+              </a:rPr>
+              <a:t>Generator</a:t>
             </a:r>
           </a:p>
         </p:txBody>
@@ -4568,7 +4477,7 @@
     </p:spTree>
     <p:extLst>
       <p:ext uri="{BB962C8B-B14F-4D97-AF65-F5344CB8AC3E}">
-        <p14:creationId xmlns:p14="http://schemas.microsoft.com/office/powerpoint/2010/main" val="4114951135"/>
+        <p14:creationId xmlns:p14="http://schemas.microsoft.com/office/powerpoint/2010/main" val="4293012974"/>
       </p:ext>
     </p:extLst>
   </p:cSld>
@@ -4765,7 +4674,7 @@
           <p:cNvPr id="3" name="Content Placeholder 2">
             <a:extLst>
               <a:ext uri="{FF2B5EF4-FFF2-40B4-BE49-F238E27FC236}">
-                <a16:creationId xmlns:a16="http://schemas.microsoft.com/office/drawing/2014/main" id="{1BF83E02-5371-4FF3-A5DD-443F76747FC7}"/>
+                <a16:creationId xmlns:a16="http://schemas.microsoft.com/office/drawing/2014/main" id="{443F62A7-E79F-4F79-B300-8D118D0A6D87}"/>
               </a:ext>
             </a:extLst>
           </p:cNvPr>
@@ -4778,194 +4687,102 @@
         </p:nvSpPr>
         <p:spPr>
           <a:xfrm>
-            <a:off x="838200" y="655093"/>
-            <a:ext cx="10515600" cy="5431808"/>
+            <a:off x="838200" y="592428"/>
+            <a:ext cx="10515600" cy="5571656"/>
           </a:xfrm>
         </p:spPr>
         <p:txBody>
           <a:bodyPr>
-            <a:noAutofit/>
+            <a:normAutofit/>
           </a:bodyPr>
           <a:lstStyle/>
           <a:p>
-            <a:pPr>
+            <a:pPr algn="just">
               <a:lnSpc>
                 <a:spcPct val="150000"/>
               </a:lnSpc>
-              <a:spcBef>
-                <a:spcPts val="0"/>
-              </a:spcBef>
-              <a:spcAft>
-                <a:spcPts val="600"/>
-              </a:spcAft>
             </a:pPr>
             <a:r>
               <a:rPr lang="en-US" sz="2400" dirty="0">
                 <a:latin typeface="Times New Roman" panose="02020603050405020304" pitchFamily="18" charset="0"/>
                 <a:cs typeface="Times New Roman" panose="02020603050405020304" pitchFamily="18" charset="0"/>
               </a:rPr>
-              <a:t>The discriminator receives 2 inputs:</a:t>
-            </a:r>
-          </a:p>
-          <a:p>
-            <a:pPr lvl="1">
+              <a:t>The network architecture of the generator is based on U-Net.</a:t>
+            </a:r>
+          </a:p>
+          <a:p>
+            <a:pPr algn="just">
               <a:lnSpc>
                 <a:spcPct val="150000"/>
               </a:lnSpc>
-              <a:spcBef>
-                <a:spcPts val="0"/>
-              </a:spcBef>
-              <a:spcAft>
-                <a:spcPts val="600"/>
-              </a:spcAft>
-              <a:buFont typeface="Wingdings" panose="05000000000000000000" pitchFamily="2" charset="2"/>
-              <a:buChar char="ü"/>
-            </a:pPr>
-            <a:r>
-              <a:rPr lang="en-US" sz="2000" dirty="0">
-                <a:latin typeface="Times New Roman" panose="02020603050405020304" pitchFamily="18" charset="0"/>
-                <a:cs typeface="Times New Roman" panose="02020603050405020304" pitchFamily="18" charset="0"/>
-              </a:rPr>
-              <a:t>The input image and the target image, which it should classify as real.</a:t>
-            </a:r>
-          </a:p>
-          <a:p>
-            <a:pPr lvl="1">
+            </a:pPr>
+            <a:r>
+              <a:rPr lang="en-US" sz="2400" dirty="0">
+                <a:latin typeface="Times New Roman" panose="02020603050405020304" pitchFamily="18" charset="0"/>
+                <a:cs typeface="Times New Roman" panose="02020603050405020304" pitchFamily="18" charset="0"/>
+              </a:rPr>
+              <a:t>consists of the convolutional layers in encoder-decoder fashion, that generates the recovered images from cropped images.</a:t>
+            </a:r>
+          </a:p>
+          <a:p>
+            <a:pPr algn="just">
               <a:lnSpc>
                 <a:spcPct val="150000"/>
               </a:lnSpc>
-              <a:spcBef>
-                <a:spcPts val="0"/>
-              </a:spcBef>
-              <a:spcAft>
-                <a:spcPts val="600"/>
-              </a:spcAft>
-              <a:buFont typeface="Wingdings" panose="05000000000000000000" pitchFamily="2" charset="2"/>
-              <a:buChar char="ü"/>
-            </a:pPr>
-            <a:r>
-              <a:rPr lang="en-US" sz="2000" dirty="0">
-                <a:latin typeface="Times New Roman" panose="02020603050405020304" pitchFamily="18" charset="0"/>
-                <a:cs typeface="Times New Roman" panose="02020603050405020304" pitchFamily="18" charset="0"/>
-              </a:rPr>
-              <a:t>The input image and the generated image (the output of the generator), which it should classify as fake.</a:t>
-            </a:r>
-          </a:p>
-          <a:p>
-            <a:pPr>
+            </a:pPr>
+            <a:r>
+              <a:rPr lang="en-US" sz="2400" dirty="0">
+                <a:latin typeface="Times New Roman" panose="02020603050405020304" pitchFamily="18" charset="0"/>
+                <a:cs typeface="Times New Roman" panose="02020603050405020304" pitchFamily="18" charset="0"/>
+              </a:rPr>
+              <a:t>The left side of the network is Contracting path or Encoder.</a:t>
+            </a:r>
+          </a:p>
+          <a:p>
+            <a:pPr algn="just">
               <a:lnSpc>
                 <a:spcPct val="150000"/>
               </a:lnSpc>
-              <a:spcBef>
-                <a:spcPts val="0"/>
-              </a:spcBef>
-              <a:spcAft>
-                <a:spcPts val="600"/>
-              </a:spcAft>
             </a:pPr>
             <a:r>
               <a:rPr lang="en-US" sz="2400" dirty="0">
                 <a:latin typeface="Times New Roman" panose="02020603050405020304" pitchFamily="18" charset="0"/>
                 <a:cs typeface="Times New Roman" panose="02020603050405020304" pitchFamily="18" charset="0"/>
               </a:rPr>
-              <a:t>Each block in the discriminator is: </a:t>
-            </a:r>
-            <a:br>
-              <a:rPr lang="en-US" sz="2400" dirty="0">
-                <a:latin typeface="Times New Roman" panose="02020603050405020304" pitchFamily="18" charset="0"/>
-                <a:cs typeface="Times New Roman" panose="02020603050405020304" pitchFamily="18" charset="0"/>
-              </a:rPr>
-            </a:br>
-            <a:r>
-              <a:rPr lang="en-US" sz="2400" dirty="0">
-                <a:latin typeface="Times New Roman" panose="02020603050405020304" pitchFamily="18" charset="0"/>
-                <a:cs typeface="Times New Roman" panose="02020603050405020304" pitchFamily="18" charset="0"/>
-              </a:rPr>
-              <a:t>Convolution -&gt; Batch normalization -&gt; Leaky </a:t>
-            </a:r>
-            <a:r>
-              <a:rPr lang="en-US" sz="2400" dirty="0" err="1">
-                <a:latin typeface="Times New Roman" panose="02020603050405020304" pitchFamily="18" charset="0"/>
-                <a:cs typeface="Times New Roman" panose="02020603050405020304" pitchFamily="18" charset="0"/>
-              </a:rPr>
-              <a:t>ReLU</a:t>
-            </a:r>
-            <a:r>
-              <a:rPr lang="en-US" sz="2400" dirty="0">
-                <a:latin typeface="Times New Roman" panose="02020603050405020304" pitchFamily="18" charset="0"/>
-                <a:cs typeface="Times New Roman" panose="02020603050405020304" pitchFamily="18" charset="0"/>
-              </a:rPr>
-              <a:t>.</a:t>
-            </a:r>
-          </a:p>
-          <a:p>
-            <a:pPr>
+              <a:t>The right side of the network is Expansive path or Decoder.</a:t>
+            </a:r>
+          </a:p>
+          <a:p>
+            <a:pPr algn="just">
               <a:lnSpc>
                 <a:spcPct val="150000"/>
               </a:lnSpc>
-              <a:spcBef>
-                <a:spcPts val="0"/>
-              </a:spcBef>
-              <a:spcAft>
-                <a:spcPts val="600"/>
-              </a:spcAft>
             </a:pPr>
             <a:r>
               <a:rPr lang="en-US" sz="2400" dirty="0">
                 <a:latin typeface="Times New Roman" panose="02020603050405020304" pitchFamily="18" charset="0"/>
                 <a:cs typeface="Times New Roman" panose="02020603050405020304" pitchFamily="18" charset="0"/>
               </a:rPr>
-              <a:t>The shape of the output after the last layer is (</a:t>
-            </a:r>
-            <a:r>
-              <a:rPr lang="en-US" sz="2400" dirty="0" err="1">
-                <a:latin typeface="Times New Roman" panose="02020603050405020304" pitchFamily="18" charset="0"/>
-                <a:cs typeface="Times New Roman" panose="02020603050405020304" pitchFamily="18" charset="0"/>
-              </a:rPr>
-              <a:t>batch_size</a:t>
-            </a:r>
-            <a:r>
-              <a:rPr lang="en-US" sz="2400" dirty="0">
-                <a:latin typeface="Times New Roman" panose="02020603050405020304" pitchFamily="18" charset="0"/>
-                <a:cs typeface="Times New Roman" panose="02020603050405020304" pitchFamily="18" charset="0"/>
-              </a:rPr>
-              <a:t>, 30, 30, 1).</a:t>
-            </a:r>
-          </a:p>
-          <a:p>
-            <a:pPr>
+              <a:t>The generated image of the generator is then injected into the discriminator, that determines whether the image is real or fake.</a:t>
+            </a:r>
+          </a:p>
+          <a:p>
+            <a:pPr algn="just">
               <a:lnSpc>
                 <a:spcPct val="150000"/>
               </a:lnSpc>
-              <a:spcBef>
-                <a:spcPts val="0"/>
-              </a:spcBef>
-              <a:spcAft>
-                <a:spcPts val="600"/>
-              </a:spcAft>
-            </a:pPr>
-            <a:r>
-              <a:rPr lang="en-US" sz="2400" dirty="0">
-                <a:latin typeface="Times New Roman" panose="02020603050405020304" pitchFamily="18" charset="0"/>
-                <a:cs typeface="Times New Roman" panose="02020603050405020304" pitchFamily="18" charset="0"/>
-              </a:rPr>
-              <a:t>Each 30 x 30 image patch of the output classifies a 70 x 70 portion of the input image.</a:t>
-            </a:r>
-          </a:p>
-          <a:p>
-            <a:pPr>
-              <a:lnSpc>
-                <a:spcPct val="150000"/>
-              </a:lnSpc>
-            </a:pPr>
-            <a:endParaRPr lang="en-US" sz="2400" dirty="0"/>
+            </a:pPr>
+            <a:endParaRPr lang="en-US" sz="2400" dirty="0">
+              <a:latin typeface="Times New Roman" panose="02020603050405020304" pitchFamily="18" charset="0"/>
+              <a:cs typeface="Times New Roman" panose="02020603050405020304" pitchFamily="18" charset="0"/>
+            </a:endParaRPr>
           </a:p>
         </p:txBody>
       </p:sp>
     </p:spTree>
     <p:extLst>
       <p:ext uri="{BB962C8B-B14F-4D97-AF65-F5344CB8AC3E}">
-        <p14:creationId xmlns:p14="http://schemas.microsoft.com/office/powerpoint/2010/main" val="708905645"/>
+        <p14:creationId xmlns:p14="http://schemas.microsoft.com/office/powerpoint/2010/main" val="29284733"/>
       </p:ext>
     </p:extLst>
   </p:cSld>
@@ -4994,10 +4811,10 @@
       </p:grpSpPr>
       <p:sp>
         <p:nvSpPr>
-          <p:cNvPr id="2" name="Title 1">
+          <p:cNvPr id="3" name="Content Placeholder 2">
             <a:extLst>
               <a:ext uri="{FF2B5EF4-FFF2-40B4-BE49-F238E27FC236}">
-                <a16:creationId xmlns:a16="http://schemas.microsoft.com/office/drawing/2014/main" id="{F111F097-F07F-4A2E-A320-0D923BFFFCF7}"/>
+                <a16:creationId xmlns:a16="http://schemas.microsoft.com/office/drawing/2014/main" id="{EEEFADF3-ECFB-43FC-84CE-4A3BD3C4FF1C}"/>
               </a:ext>
             </a:extLst>
           </p:cNvPr>
@@ -5005,43 +4822,15 @@
             <a:spLocks noGrp="1"/>
           </p:cNvSpPr>
           <p:nvPr>
-            <p:ph type="title"/>
-          </p:nvPr>
-        </p:nvSpPr>
-        <p:spPr/>
-        <p:txBody>
-          <a:bodyPr>
-            <a:normAutofit/>
-          </a:bodyPr>
-          <a:lstStyle/>
-          <a:p>
-            <a:r>
-              <a:rPr lang="en-US" sz="3200" b="1" dirty="0">
-                <a:latin typeface="Times New Roman" panose="02020603050405020304" pitchFamily="18" charset="0"/>
-                <a:cs typeface="Times New Roman" panose="02020603050405020304" pitchFamily="18" charset="0"/>
-              </a:rPr>
-              <a:t>Discriminator loss</a:t>
-            </a:r>
-          </a:p>
-        </p:txBody>
-      </p:sp>
-      <p:sp>
-        <p:nvSpPr>
-          <p:cNvPr id="3" name="Content Placeholder 2">
-            <a:extLst>
-              <a:ext uri="{FF2B5EF4-FFF2-40B4-BE49-F238E27FC236}">
-                <a16:creationId xmlns:a16="http://schemas.microsoft.com/office/drawing/2014/main" id="{BEB9D495-9143-4608-8D5C-2D5169C03773}"/>
-              </a:ext>
-            </a:extLst>
-          </p:cNvPr>
-          <p:cNvSpPr>
-            <a:spLocks noGrp="1"/>
-          </p:cNvSpPr>
-          <p:nvPr>
             <p:ph idx="1"/>
           </p:nvPr>
         </p:nvSpPr>
-        <p:spPr/>
+        <p:spPr>
+          <a:xfrm>
+            <a:off x="838200" y="764275"/>
+            <a:ext cx="10515600" cy="5595582"/>
+          </a:xfrm>
+        </p:spPr>
         <p:txBody>
           <a:bodyPr>
             <a:normAutofit/>
@@ -5064,8 +4853,32 @@
                 <a:latin typeface="Times New Roman" panose="02020603050405020304" pitchFamily="18" charset="0"/>
                 <a:cs typeface="Times New Roman" panose="02020603050405020304" pitchFamily="18" charset="0"/>
               </a:rPr>
-              <a:t>The discriminator loss function takes 2 inputs: real images and generated images.</a:t>
-            </a:r>
+              <a:t>Each block in the encoder is: </a:t>
+            </a:r>
+            <a:br>
+              <a:rPr lang="en-US" sz="2400" dirty="0">
+                <a:latin typeface="Times New Roman" panose="02020603050405020304" pitchFamily="18" charset="0"/>
+                <a:cs typeface="Times New Roman" panose="02020603050405020304" pitchFamily="18" charset="0"/>
+              </a:rPr>
+            </a:br>
+            <a:r>
+              <a:rPr lang="en-US" sz="2400" dirty="0">
+                <a:latin typeface="Times New Roman" panose="02020603050405020304" pitchFamily="18" charset="0"/>
+                <a:cs typeface="Times New Roman" panose="02020603050405020304" pitchFamily="18" charset="0"/>
+              </a:rPr>
+              <a:t>2-D Convolution for down sampling -&gt; Batch normalization -&gt; Leaky </a:t>
+            </a:r>
+            <a:r>
+              <a:rPr lang="en-US" sz="2400" dirty="0" err="1">
+                <a:latin typeface="Times New Roman" panose="02020603050405020304" pitchFamily="18" charset="0"/>
+                <a:cs typeface="Times New Roman" panose="02020603050405020304" pitchFamily="18" charset="0"/>
+              </a:rPr>
+              <a:t>ReLU</a:t>
+            </a:r>
+            <a:endParaRPr lang="en-US" sz="2400" dirty="0">
+              <a:latin typeface="Times New Roman" panose="02020603050405020304" pitchFamily="18" charset="0"/>
+              <a:cs typeface="Times New Roman" panose="02020603050405020304" pitchFamily="18" charset="0"/>
+            </a:endParaRPr>
           </a:p>
           <a:p>
             <a:pPr>
@@ -5084,8 +4897,32 @@
                 <a:latin typeface="Times New Roman" panose="02020603050405020304" pitchFamily="18" charset="0"/>
                 <a:cs typeface="Times New Roman" panose="02020603050405020304" pitchFamily="18" charset="0"/>
               </a:rPr>
-              <a:t>Real loss is a sigmoid cross-entropy loss of the real images and an array of ones.</a:t>
-            </a:r>
+              <a:t>Each block in the decoder is: </a:t>
+            </a:r>
+            <a:br>
+              <a:rPr lang="en-US" sz="2400" dirty="0">
+                <a:latin typeface="Times New Roman" panose="02020603050405020304" pitchFamily="18" charset="0"/>
+                <a:cs typeface="Times New Roman" panose="02020603050405020304" pitchFamily="18" charset="0"/>
+              </a:rPr>
+            </a:br>
+            <a:r>
+              <a:rPr lang="en-US" sz="2400" dirty="0">
+                <a:latin typeface="Times New Roman" panose="02020603050405020304" pitchFamily="18" charset="0"/>
+                <a:cs typeface="Times New Roman" panose="02020603050405020304" pitchFamily="18" charset="0"/>
+              </a:rPr>
+              <a:t>Transpose 2-D Convolution for up sampling -&gt; Batch normalization -&gt; Dropouts -&gt; </a:t>
+            </a:r>
+            <a:r>
+              <a:rPr lang="en-US" sz="2400" dirty="0" err="1">
+                <a:latin typeface="Times New Roman" panose="02020603050405020304" pitchFamily="18" charset="0"/>
+                <a:cs typeface="Times New Roman" panose="02020603050405020304" pitchFamily="18" charset="0"/>
+              </a:rPr>
+              <a:t>ReLU</a:t>
+            </a:r>
+            <a:endParaRPr lang="en-US" sz="2400" dirty="0">
+              <a:latin typeface="Times New Roman" panose="02020603050405020304" pitchFamily="18" charset="0"/>
+              <a:cs typeface="Times New Roman" panose="02020603050405020304" pitchFamily="18" charset="0"/>
+            </a:endParaRPr>
           </a:p>
           <a:p>
             <a:pPr>
@@ -5104,19 +4941,22 @@
                 <a:latin typeface="Times New Roman" panose="02020603050405020304" pitchFamily="18" charset="0"/>
                 <a:cs typeface="Times New Roman" panose="02020603050405020304" pitchFamily="18" charset="0"/>
               </a:rPr>
-              <a:t>Generated loss is a sigmoid cross-entropy loss of the generated images and an array </a:t>
-            </a:r>
-            <a:r>
-              <a:rPr lang="en-US" sz="2400">
-                <a:latin typeface="Times New Roman" panose="02020603050405020304" pitchFamily="18" charset="0"/>
-                <a:cs typeface="Times New Roman" panose="02020603050405020304" pitchFamily="18" charset="0"/>
-              </a:rPr>
-              <a:t>of zeros.</a:t>
-            </a:r>
-            <a:endParaRPr lang="en-US" sz="2400" dirty="0">
-              <a:latin typeface="Times New Roman" panose="02020603050405020304" pitchFamily="18" charset="0"/>
-              <a:cs typeface="Times New Roman" panose="02020603050405020304" pitchFamily="18" charset="0"/>
-            </a:endParaRPr>
+              <a:t>Skip connections between the encoder and decoder, which will help to </a:t>
+            </a:r>
+            <a:r>
+              <a:rPr lang="en-US" sz="2400" dirty="0" err="1">
+                <a:latin typeface="Times New Roman" panose="02020603050405020304" pitchFamily="18" charset="0"/>
+                <a:cs typeface="Times New Roman" panose="02020603050405020304" pitchFamily="18" charset="0"/>
+              </a:rPr>
+              <a:t>upsample</a:t>
+            </a:r>
+            <a:r>
+              <a:rPr lang="en-US" sz="2400" dirty="0">
+                <a:latin typeface="Times New Roman" panose="02020603050405020304" pitchFamily="18" charset="0"/>
+                <a:cs typeface="Times New Roman" panose="02020603050405020304" pitchFamily="18" charset="0"/>
+              </a:rPr>
+              <a:t> the image back to the original resolution</a:t>
+            </a:r>
           </a:p>
           <a:p>
             <a:pPr>
@@ -5135,9 +4975,96 @@
                 <a:latin typeface="Times New Roman" panose="02020603050405020304" pitchFamily="18" charset="0"/>
                 <a:cs typeface="Times New Roman" panose="02020603050405020304" pitchFamily="18" charset="0"/>
               </a:rPr>
-              <a:t>Total loss is the sum of real loss and generated loss.</a:t>
-            </a:r>
-          </a:p>
+              <a:t>With skip connections, it’s possible that the output of the network to be a function of both input image and some fine-grained deep features.</a:t>
+            </a:r>
+          </a:p>
+        </p:txBody>
+      </p:sp>
+    </p:spTree>
+    <p:extLst>
+      <p:ext uri="{BB962C8B-B14F-4D97-AF65-F5344CB8AC3E}">
+        <p14:creationId xmlns:p14="http://schemas.microsoft.com/office/powerpoint/2010/main" val="2461038803"/>
+      </p:ext>
+    </p:extLst>
+  </p:cSld>
+  <p:clrMapOvr>
+    <a:masterClrMapping/>
+  </p:clrMapOvr>
+</p:sld>
+</file>
+
+<file path=ppt/slides/slide22.xml><?xml version="1.0" encoding="utf-8"?>
+<p:sld xmlns:a="http://schemas.openxmlformats.org/drawingml/2006/main" xmlns:r="http://schemas.openxmlformats.org/officeDocument/2006/relationships" xmlns:p="http://schemas.openxmlformats.org/presentationml/2006/main">
+  <p:cSld>
+    <p:spTree>
+      <p:nvGrpSpPr>
+        <p:cNvPr id="1" name=""/>
+        <p:cNvGrpSpPr/>
+        <p:nvPr/>
+      </p:nvGrpSpPr>
+      <p:grpSpPr>
+        <a:xfrm>
+          <a:off x="0" y="0"/>
+          <a:ext cx="0" cy="0"/>
+          <a:chOff x="0" y="0"/>
+          <a:chExt cx="0" cy="0"/>
+        </a:xfrm>
+      </p:grpSpPr>
+      <p:sp>
+        <p:nvSpPr>
+          <p:cNvPr id="2" name="Title 1">
+            <a:extLst>
+              <a:ext uri="{FF2B5EF4-FFF2-40B4-BE49-F238E27FC236}">
+                <a16:creationId xmlns:a16="http://schemas.microsoft.com/office/drawing/2014/main" id="{9A8CCFDB-7509-4941-AACC-07D681031F5F}"/>
+              </a:ext>
+            </a:extLst>
+          </p:cNvPr>
+          <p:cNvSpPr>
+            <a:spLocks noGrp="1"/>
+          </p:cNvSpPr>
+          <p:nvPr>
+            <p:ph type="title"/>
+          </p:nvPr>
+        </p:nvSpPr>
+        <p:spPr/>
+        <p:txBody>
+          <a:bodyPr>
+            <a:normAutofit/>
+          </a:bodyPr>
+          <a:lstStyle/>
+          <a:p>
+            <a:r>
+              <a:rPr lang="en-US" sz="3200" b="1" dirty="0">
+                <a:latin typeface="Times New Roman" panose="02020603050405020304" pitchFamily="18" charset="0"/>
+                <a:cs typeface="Times New Roman" panose="02020603050405020304" pitchFamily="18" charset="0"/>
+              </a:rPr>
+              <a:t>Generator loss</a:t>
+            </a:r>
+          </a:p>
+        </p:txBody>
+      </p:sp>
+      <p:sp>
+        <p:nvSpPr>
+          <p:cNvPr id="3" name="Content Placeholder 2">
+            <a:extLst>
+              <a:ext uri="{FF2B5EF4-FFF2-40B4-BE49-F238E27FC236}">
+                <a16:creationId xmlns:a16="http://schemas.microsoft.com/office/drawing/2014/main" id="{CAF07A12-0308-485B-B1E3-78719439618F}"/>
+              </a:ext>
+            </a:extLst>
+          </p:cNvPr>
+          <p:cNvSpPr>
+            <a:spLocks noGrp="1"/>
+          </p:cNvSpPr>
+          <p:nvPr>
+            <p:ph idx="1"/>
+          </p:nvPr>
+        </p:nvSpPr>
+        <p:spPr/>
+        <p:txBody>
+          <a:bodyPr>
+            <a:normAutofit/>
+          </a:bodyPr>
+          <a:lstStyle/>
           <a:p>
             <a:pPr>
               <a:lnSpc>
@@ -5150,10 +5077,1040 @@
                 <a:spcPts val="600"/>
               </a:spcAft>
             </a:pPr>
+            <a:r>
+              <a:rPr lang="en-US" sz="2400" dirty="0">
+                <a:latin typeface="Times New Roman" panose="02020603050405020304" pitchFamily="18" charset="0"/>
+                <a:cs typeface="Times New Roman" panose="02020603050405020304" pitchFamily="18" charset="0"/>
+              </a:rPr>
+              <a:t>The generator loss is a sigmoid cross-entropy loss of the generated images and an array of ones.</a:t>
+            </a:r>
+          </a:p>
+          <a:p>
+            <a:pPr>
+              <a:lnSpc>
+                <a:spcPct val="150000"/>
+              </a:lnSpc>
+              <a:spcBef>
+                <a:spcPts val="0"/>
+              </a:spcBef>
+              <a:spcAft>
+                <a:spcPts val="600"/>
+              </a:spcAft>
+            </a:pPr>
+            <a:r>
+              <a:rPr lang="en-US" sz="2400" dirty="0">
+                <a:latin typeface="Times New Roman" panose="02020603050405020304" pitchFamily="18" charset="0"/>
+                <a:cs typeface="Times New Roman" panose="02020603050405020304" pitchFamily="18" charset="0"/>
+              </a:rPr>
+              <a:t>Also includes L1 loss, which is MAE (mean absolute error) between the generated image and the target image.</a:t>
+            </a:r>
+          </a:p>
+        </p:txBody>
+      </p:sp>
+    </p:spTree>
+    <p:extLst>
+      <p:ext uri="{BB962C8B-B14F-4D97-AF65-F5344CB8AC3E}">
+        <p14:creationId xmlns:p14="http://schemas.microsoft.com/office/powerpoint/2010/main" val="1731598065"/>
+      </p:ext>
+    </p:extLst>
+  </p:cSld>
+  <p:clrMapOvr>
+    <a:masterClrMapping/>
+  </p:clrMapOvr>
+</p:sld>
+</file>
+
+<file path=ppt/slides/slide23.xml><?xml version="1.0" encoding="utf-8"?>
+<p:sld xmlns:a="http://schemas.openxmlformats.org/drawingml/2006/main" xmlns:r="http://schemas.openxmlformats.org/officeDocument/2006/relationships" xmlns:p="http://schemas.openxmlformats.org/presentationml/2006/main">
+  <p:cSld>
+    <p:spTree>
+      <p:nvGrpSpPr>
+        <p:cNvPr id="1" name=""/>
+        <p:cNvGrpSpPr/>
+        <p:nvPr/>
+      </p:nvGrpSpPr>
+      <p:grpSpPr>
+        <a:xfrm>
+          <a:off x="0" y="0"/>
+          <a:ext cx="0" cy="0"/>
+          <a:chOff x="0" y="0"/>
+          <a:chExt cx="0" cy="0"/>
+        </a:xfrm>
+      </p:grpSpPr>
+      <p:pic>
+        <p:nvPicPr>
+          <p:cNvPr id="4" name="Content Placeholder 3">
+            <a:extLst>
+              <a:ext uri="{FF2B5EF4-FFF2-40B4-BE49-F238E27FC236}">
+                <a16:creationId xmlns:a16="http://schemas.microsoft.com/office/drawing/2014/main" id="{C9DBD788-5BF3-2080-A53D-30852DA5D9CC}"/>
+              </a:ext>
+            </a:extLst>
+          </p:cNvPr>
+          <p:cNvPicPr>
+            <a:picLocks noGrp="1" noChangeAspect="1"/>
+          </p:cNvPicPr>
+          <p:nvPr>
+            <p:ph idx="1"/>
+          </p:nvPr>
+        </p:nvPicPr>
+        <p:blipFill rotWithShape="1">
+          <a:blip r:embed="rId2">
+            <a:extLst>
+              <a:ext uri="{28A0092B-C50C-407E-A947-70E740481C1C}">
+                <a14:useLocalDpi xmlns:a14="http://schemas.microsoft.com/office/drawing/2010/main" val="0"/>
+              </a:ext>
+            </a:extLst>
+          </a:blip>
+          <a:srcRect l="2014" t="1790" r="8270"/>
+          <a:stretch/>
+        </p:blipFill>
+        <p:spPr bwMode="auto">
+          <a:xfrm>
+            <a:off x="685800" y="640525"/>
+            <a:ext cx="5410200" cy="4525835"/>
+          </a:xfrm>
+          <a:prstGeom prst="rect">
+            <a:avLst/>
+          </a:prstGeom>
+          <a:noFill/>
+          <a:ln>
+            <a:noFill/>
+          </a:ln>
+          <a:extLst>
+            <a:ext uri="{53640926-AAD7-44D8-BBD7-CCE9431645EC}">
+              <a14:shadowObscured xmlns:a14="http://schemas.microsoft.com/office/drawing/2010/main"/>
+            </a:ext>
+          </a:extLst>
+        </p:spPr>
+      </p:pic>
+      <p:sp>
+        <p:nvSpPr>
+          <p:cNvPr id="5" name="TextBox 4">
+            <a:extLst>
+              <a:ext uri="{FF2B5EF4-FFF2-40B4-BE49-F238E27FC236}">
+                <a16:creationId xmlns:a16="http://schemas.microsoft.com/office/drawing/2014/main" id="{A2F6AE8C-C587-2442-E5B1-04A23B7AC82B}"/>
+              </a:ext>
+            </a:extLst>
+          </p:cNvPr>
+          <p:cNvSpPr txBox="1"/>
+          <p:nvPr/>
+        </p:nvSpPr>
+        <p:spPr>
+          <a:xfrm>
+            <a:off x="685800" y="5848143"/>
+            <a:ext cx="5971032" cy="369332"/>
+          </a:xfrm>
+          <a:prstGeom prst="rect">
+            <a:avLst/>
+          </a:prstGeom>
+          <a:noFill/>
+        </p:spPr>
+        <p:txBody>
+          <a:bodyPr wrap="square" rtlCol="0">
+            <a:spAutoFit/>
+          </a:bodyPr>
+          <a:lstStyle/>
+          <a:p>
+            <a:pPr algn="ctr"/>
+            <a:r>
+              <a:rPr lang="en-US" dirty="0">
+                <a:latin typeface="Times New Roman" panose="02020603050405020304" pitchFamily="18" charset="0"/>
+                <a:cs typeface="Times New Roman" panose="02020603050405020304" pitchFamily="18" charset="0"/>
+              </a:rPr>
+              <a:t>Fig: Generator Loss for first 5K images</a:t>
+            </a:r>
+          </a:p>
+        </p:txBody>
+      </p:sp>
+      <p:pic>
+        <p:nvPicPr>
+          <p:cNvPr id="6" name="Picture 5">
+            <a:extLst>
+              <a:ext uri="{FF2B5EF4-FFF2-40B4-BE49-F238E27FC236}">
+                <a16:creationId xmlns:a16="http://schemas.microsoft.com/office/drawing/2014/main" id="{EC8CB010-3AA4-6231-BFD3-7E40C35B480C}"/>
+              </a:ext>
+            </a:extLst>
+          </p:cNvPr>
+          <p:cNvPicPr>
+            <a:picLocks noChangeAspect="1"/>
+          </p:cNvPicPr>
+          <p:nvPr/>
+        </p:nvPicPr>
+        <p:blipFill rotWithShape="1">
+          <a:blip r:embed="rId3">
+            <a:extLst>
+              <a:ext uri="{28A0092B-C50C-407E-A947-70E740481C1C}">
+                <a14:useLocalDpi xmlns:a14="http://schemas.microsoft.com/office/drawing/2010/main" val="0"/>
+              </a:ext>
+            </a:extLst>
+          </a:blip>
+          <a:srcRect t="2357" r="5299"/>
+          <a:stretch/>
+        </p:blipFill>
+        <p:spPr bwMode="auto">
+          <a:xfrm>
+            <a:off x="6187418" y="640525"/>
+            <a:ext cx="5758459" cy="4525835"/>
+          </a:xfrm>
+          <a:prstGeom prst="rect">
+            <a:avLst/>
+          </a:prstGeom>
+          <a:noFill/>
+          <a:ln>
+            <a:noFill/>
+          </a:ln>
+          <a:extLst>
+            <a:ext uri="{53640926-AAD7-44D8-BBD7-CCE9431645EC}">
+              <a14:shadowObscured xmlns:a14="http://schemas.microsoft.com/office/drawing/2010/main"/>
+            </a:ext>
+          </a:extLst>
+        </p:spPr>
+      </p:pic>
+      <p:sp>
+        <p:nvSpPr>
+          <p:cNvPr id="7" name="TextBox 6">
+            <a:extLst>
+              <a:ext uri="{FF2B5EF4-FFF2-40B4-BE49-F238E27FC236}">
+                <a16:creationId xmlns:a16="http://schemas.microsoft.com/office/drawing/2014/main" id="{213C26FD-4308-346B-1721-C17985904C91}"/>
+              </a:ext>
+            </a:extLst>
+          </p:cNvPr>
+          <p:cNvSpPr txBox="1"/>
+          <p:nvPr/>
+        </p:nvSpPr>
+        <p:spPr>
+          <a:xfrm>
+            <a:off x="6081131" y="5848143"/>
+            <a:ext cx="5971032" cy="369332"/>
+          </a:xfrm>
+          <a:prstGeom prst="rect">
+            <a:avLst/>
+          </a:prstGeom>
+          <a:noFill/>
+        </p:spPr>
+        <p:txBody>
+          <a:bodyPr wrap="square" rtlCol="0">
+            <a:spAutoFit/>
+          </a:bodyPr>
+          <a:lstStyle/>
+          <a:p>
+            <a:pPr algn="ctr"/>
+            <a:r>
+              <a:rPr lang="en-US" dirty="0">
+                <a:latin typeface="Times New Roman" panose="02020603050405020304" pitchFamily="18" charset="0"/>
+                <a:cs typeface="Times New Roman" panose="02020603050405020304" pitchFamily="18" charset="0"/>
+              </a:rPr>
+              <a:t>Fig: Generator Loss for second 5K images</a:t>
+            </a:r>
+          </a:p>
+        </p:txBody>
+      </p:sp>
+    </p:spTree>
+    <p:extLst>
+      <p:ext uri="{BB962C8B-B14F-4D97-AF65-F5344CB8AC3E}">
+        <p14:creationId xmlns:p14="http://schemas.microsoft.com/office/powerpoint/2010/main" val="436441683"/>
+      </p:ext>
+    </p:extLst>
+  </p:cSld>
+  <p:clrMapOvr>
+    <a:masterClrMapping/>
+  </p:clrMapOvr>
+</p:sld>
+</file>
+
+<file path=ppt/slides/slide24.xml><?xml version="1.0" encoding="utf-8"?>
+<p:sld xmlns:a="http://schemas.openxmlformats.org/drawingml/2006/main" xmlns:r="http://schemas.openxmlformats.org/officeDocument/2006/relationships" xmlns:p="http://schemas.openxmlformats.org/presentationml/2006/main">
+  <p:cSld>
+    <p:spTree>
+      <p:nvGrpSpPr>
+        <p:cNvPr id="1" name=""/>
+        <p:cNvGrpSpPr/>
+        <p:nvPr/>
+      </p:nvGrpSpPr>
+      <p:grpSpPr>
+        <a:xfrm>
+          <a:off x="0" y="0"/>
+          <a:ext cx="0" cy="0"/>
+          <a:chOff x="0" y="0"/>
+          <a:chExt cx="0" cy="0"/>
+        </a:xfrm>
+      </p:grpSpPr>
+      <p:sp>
+        <p:nvSpPr>
+          <p:cNvPr id="2" name="Title 1">
+            <a:extLst>
+              <a:ext uri="{FF2B5EF4-FFF2-40B4-BE49-F238E27FC236}">
+                <a16:creationId xmlns:a16="http://schemas.microsoft.com/office/drawing/2014/main" id="{E1FEE3B2-5914-492C-B1E5-6E5D6536A5A0}"/>
+              </a:ext>
+            </a:extLst>
+          </p:cNvPr>
+          <p:cNvSpPr>
+            <a:spLocks noGrp="1"/>
+          </p:cNvSpPr>
+          <p:nvPr>
+            <p:ph type="title"/>
+          </p:nvPr>
+        </p:nvSpPr>
+        <p:spPr>
+          <a:xfrm>
+            <a:off x="838200" y="269590"/>
+            <a:ext cx="10515600" cy="1040594"/>
+          </a:xfrm>
+        </p:spPr>
+        <p:txBody>
+          <a:bodyPr>
+            <a:normAutofit/>
+          </a:bodyPr>
+          <a:lstStyle/>
+          <a:p>
+            <a:r>
+              <a:rPr lang="en-US" sz="3200" b="1" dirty="0">
+                <a:latin typeface="Times New Roman" panose="02020603050405020304" pitchFamily="18" charset="0"/>
+                <a:cs typeface="Times New Roman" panose="02020603050405020304" pitchFamily="18" charset="0"/>
+              </a:rPr>
+              <a:t>Discriminator</a:t>
+            </a:r>
+          </a:p>
+        </p:txBody>
+      </p:sp>
+      <p:pic>
+        <p:nvPicPr>
+          <p:cNvPr id="7" name="Content Placeholder 6">
+            <a:extLst>
+              <a:ext uri="{FF2B5EF4-FFF2-40B4-BE49-F238E27FC236}">
+                <a16:creationId xmlns:a16="http://schemas.microsoft.com/office/drawing/2014/main" id="{B71900C6-5A1A-4761-98C1-2621A81B6868}"/>
+              </a:ext>
+            </a:extLst>
+          </p:cNvPr>
+          <p:cNvPicPr>
+            <a:picLocks noGrp="1" noChangeAspect="1"/>
+          </p:cNvPicPr>
+          <p:nvPr>
+            <p:ph idx="1"/>
+          </p:nvPr>
+        </p:nvPicPr>
+        <p:blipFill>
+          <a:blip r:embed="rId2">
+            <a:extLst>
+              <a:ext uri="{28A0092B-C50C-407E-A947-70E740481C1C}">
+                <a14:useLocalDpi xmlns:a14="http://schemas.microsoft.com/office/drawing/2010/main" val="0"/>
+              </a:ext>
+            </a:extLst>
+          </a:blip>
+          <a:stretch>
+            <a:fillRect/>
+          </a:stretch>
+        </p:blipFill>
+        <p:spPr>
+          <a:xfrm>
+            <a:off x="2956671" y="1306057"/>
+            <a:ext cx="6278657" cy="5282353"/>
+          </a:xfrm>
+        </p:spPr>
+      </p:pic>
+    </p:spTree>
+    <p:extLst>
+      <p:ext uri="{BB962C8B-B14F-4D97-AF65-F5344CB8AC3E}">
+        <p14:creationId xmlns:p14="http://schemas.microsoft.com/office/powerpoint/2010/main" val="824164043"/>
+      </p:ext>
+    </p:extLst>
+  </p:cSld>
+  <p:clrMapOvr>
+    <a:masterClrMapping/>
+  </p:clrMapOvr>
+</p:sld>
+</file>
+
+<file path=ppt/slides/slide25.xml><?xml version="1.0" encoding="utf-8"?>
+<p:sld xmlns:a="http://schemas.openxmlformats.org/drawingml/2006/main" xmlns:r="http://schemas.openxmlformats.org/officeDocument/2006/relationships" xmlns:p="http://schemas.openxmlformats.org/presentationml/2006/main">
+  <p:cSld>
+    <p:spTree>
+      <p:nvGrpSpPr>
+        <p:cNvPr id="1" name=""/>
+        <p:cNvGrpSpPr/>
+        <p:nvPr/>
+      </p:nvGrpSpPr>
+      <p:grpSpPr>
+        <a:xfrm>
+          <a:off x="0" y="0"/>
+          <a:ext cx="0" cy="0"/>
+          <a:chOff x="0" y="0"/>
+          <a:chExt cx="0" cy="0"/>
+        </a:xfrm>
+      </p:grpSpPr>
+      <p:sp>
+        <p:nvSpPr>
+          <p:cNvPr id="4" name="Content Placeholder 2">
+            <a:extLst>
+              <a:ext uri="{FF2B5EF4-FFF2-40B4-BE49-F238E27FC236}">
+                <a16:creationId xmlns:a16="http://schemas.microsoft.com/office/drawing/2014/main" id="{29A38DF6-A777-4AD2-9546-33D723548AA5}"/>
+              </a:ext>
+            </a:extLst>
+          </p:cNvPr>
+          <p:cNvSpPr>
+            <a:spLocks noGrp="1"/>
+          </p:cNvSpPr>
+          <p:nvPr>
+            <p:ph idx="1"/>
+          </p:nvPr>
+        </p:nvSpPr>
+        <p:spPr>
+          <a:xfrm>
+            <a:off x="838200" y="709684"/>
+            <a:ext cx="10515600" cy="5467279"/>
+          </a:xfrm>
+        </p:spPr>
+        <p:txBody>
+          <a:bodyPr>
+            <a:normAutofit/>
+          </a:bodyPr>
+          <a:lstStyle/>
+          <a:p>
+            <a:pPr>
+              <a:lnSpc>
+                <a:spcPct val="160000"/>
+              </a:lnSpc>
+              <a:spcBef>
+                <a:spcPts val="0"/>
+              </a:spcBef>
+              <a:spcAft>
+                <a:spcPts val="600"/>
+              </a:spcAft>
+            </a:pPr>
+            <a:r>
+              <a:rPr lang="en-US" sz="2400" dirty="0">
+                <a:latin typeface="Times New Roman" panose="02020603050405020304" pitchFamily="18" charset="0"/>
+                <a:cs typeface="Times New Roman" panose="02020603050405020304" pitchFamily="18" charset="0"/>
+              </a:rPr>
+              <a:t>The Pix2Pix model uses discriminator called </a:t>
+            </a:r>
+            <a:r>
+              <a:rPr lang="en-US" sz="2400" dirty="0" err="1">
+                <a:latin typeface="Times New Roman" panose="02020603050405020304" pitchFamily="18" charset="0"/>
+                <a:cs typeface="Times New Roman" panose="02020603050405020304" pitchFamily="18" charset="0"/>
+              </a:rPr>
+              <a:t>PatchGAN</a:t>
+            </a:r>
+            <a:r>
+              <a:rPr lang="en-US" sz="2400" dirty="0">
+                <a:latin typeface="Times New Roman" panose="02020603050405020304" pitchFamily="18" charset="0"/>
+                <a:cs typeface="Times New Roman" panose="02020603050405020304" pitchFamily="18" charset="0"/>
+              </a:rPr>
+              <a:t>, which segments the image into matrix of patches of size 70*70</a:t>
+            </a:r>
+          </a:p>
+          <a:p>
+            <a:pPr>
+              <a:lnSpc>
+                <a:spcPct val="160000"/>
+              </a:lnSpc>
+              <a:spcBef>
+                <a:spcPts val="0"/>
+              </a:spcBef>
+              <a:spcAft>
+                <a:spcPts val="600"/>
+              </a:spcAft>
+            </a:pPr>
+            <a:r>
+              <a:rPr lang="en-US" sz="2400" dirty="0" err="1">
+                <a:latin typeface="Times New Roman" panose="02020603050405020304" pitchFamily="18" charset="0"/>
+                <a:cs typeface="Times New Roman" panose="02020603050405020304" pitchFamily="18" charset="0"/>
+              </a:rPr>
+              <a:t>PatchGAN</a:t>
+            </a:r>
+            <a:r>
+              <a:rPr lang="en-US" sz="2400" dirty="0">
+                <a:latin typeface="Times New Roman" panose="02020603050405020304" pitchFamily="18" charset="0"/>
+                <a:cs typeface="Times New Roman" panose="02020603050405020304" pitchFamily="18" charset="0"/>
+              </a:rPr>
+              <a:t> classifier—it tries to classify if each image patch is real.</a:t>
+            </a:r>
+          </a:p>
+          <a:p>
+            <a:pPr>
+              <a:lnSpc>
+                <a:spcPct val="160000"/>
+              </a:lnSpc>
+              <a:spcBef>
+                <a:spcPts val="0"/>
+              </a:spcBef>
+              <a:spcAft>
+                <a:spcPts val="600"/>
+              </a:spcAft>
+            </a:pPr>
+            <a:r>
+              <a:rPr lang="en-US" sz="2400" dirty="0">
+                <a:latin typeface="Times New Roman" panose="02020603050405020304" pitchFamily="18" charset="0"/>
+                <a:cs typeface="Times New Roman" panose="02020603050405020304" pitchFamily="18" charset="0"/>
+              </a:rPr>
+              <a:t>Run this discriminator convolutionally across the image, averaging all responses to provide the ultimate output.</a:t>
+            </a:r>
+          </a:p>
+          <a:p>
+            <a:pPr>
+              <a:lnSpc>
+                <a:spcPct val="160000"/>
+              </a:lnSpc>
+              <a:spcBef>
+                <a:spcPts val="0"/>
+              </a:spcBef>
+              <a:spcAft>
+                <a:spcPts val="600"/>
+              </a:spcAft>
+            </a:pPr>
+            <a:r>
+              <a:rPr lang="en-US" sz="2400" dirty="0">
+                <a:latin typeface="Times New Roman" panose="02020603050405020304" pitchFamily="18" charset="0"/>
+                <a:cs typeface="Times New Roman" panose="02020603050405020304" pitchFamily="18" charset="0"/>
+              </a:rPr>
+              <a:t>Each value of the output matrix represents the probability of whether the corresponding image patch is real or artiﬁcially generated.</a:t>
+            </a:r>
+          </a:p>
+        </p:txBody>
+      </p:sp>
+    </p:spTree>
+    <p:extLst>
+      <p:ext uri="{BB962C8B-B14F-4D97-AF65-F5344CB8AC3E}">
+        <p14:creationId xmlns:p14="http://schemas.microsoft.com/office/powerpoint/2010/main" val="4114951135"/>
+      </p:ext>
+    </p:extLst>
+  </p:cSld>
+  <p:clrMapOvr>
+    <a:masterClrMapping/>
+  </p:clrMapOvr>
+</p:sld>
+</file>
+
+<file path=ppt/slides/slide26.xml><?xml version="1.0" encoding="utf-8"?>
+<p:sld xmlns:a="http://schemas.openxmlformats.org/drawingml/2006/main" xmlns:r="http://schemas.openxmlformats.org/officeDocument/2006/relationships" xmlns:p="http://schemas.openxmlformats.org/presentationml/2006/main">
+  <p:cSld>
+    <p:spTree>
+      <p:nvGrpSpPr>
+        <p:cNvPr id="1" name=""/>
+        <p:cNvGrpSpPr/>
+        <p:nvPr/>
+      </p:nvGrpSpPr>
+      <p:grpSpPr>
+        <a:xfrm>
+          <a:off x="0" y="0"/>
+          <a:ext cx="0" cy="0"/>
+          <a:chOff x="0" y="0"/>
+          <a:chExt cx="0" cy="0"/>
+        </a:xfrm>
+      </p:grpSpPr>
+      <p:sp>
+        <p:nvSpPr>
+          <p:cNvPr id="3" name="Content Placeholder 2">
+            <a:extLst>
+              <a:ext uri="{FF2B5EF4-FFF2-40B4-BE49-F238E27FC236}">
+                <a16:creationId xmlns:a16="http://schemas.microsoft.com/office/drawing/2014/main" id="{1BF83E02-5371-4FF3-A5DD-443F76747FC7}"/>
+              </a:ext>
+            </a:extLst>
+          </p:cNvPr>
+          <p:cNvSpPr>
+            <a:spLocks noGrp="1"/>
+          </p:cNvSpPr>
+          <p:nvPr>
+            <p:ph idx="1"/>
+          </p:nvPr>
+        </p:nvSpPr>
+        <p:spPr>
+          <a:xfrm>
+            <a:off x="838200" y="655093"/>
+            <a:ext cx="10515600" cy="5431808"/>
+          </a:xfrm>
+        </p:spPr>
+        <p:txBody>
+          <a:bodyPr>
+            <a:noAutofit/>
+          </a:bodyPr>
+          <a:lstStyle/>
+          <a:p>
+            <a:pPr>
+              <a:lnSpc>
+                <a:spcPct val="150000"/>
+              </a:lnSpc>
+              <a:spcBef>
+                <a:spcPts val="0"/>
+              </a:spcBef>
+              <a:spcAft>
+                <a:spcPts val="600"/>
+              </a:spcAft>
+            </a:pPr>
+            <a:r>
+              <a:rPr lang="en-US" sz="2400" dirty="0">
+                <a:latin typeface="Times New Roman" panose="02020603050405020304" pitchFamily="18" charset="0"/>
+                <a:cs typeface="Times New Roman" panose="02020603050405020304" pitchFamily="18" charset="0"/>
+              </a:rPr>
+              <a:t>The discriminator receives 2 inputs:</a:t>
+            </a:r>
+          </a:p>
+          <a:p>
+            <a:pPr lvl="1">
+              <a:lnSpc>
+                <a:spcPct val="150000"/>
+              </a:lnSpc>
+              <a:spcBef>
+                <a:spcPts val="0"/>
+              </a:spcBef>
+              <a:spcAft>
+                <a:spcPts val="600"/>
+              </a:spcAft>
+              <a:buFont typeface="Wingdings" panose="05000000000000000000" pitchFamily="2" charset="2"/>
+              <a:buChar char="ü"/>
+            </a:pPr>
+            <a:r>
+              <a:rPr lang="en-US" sz="2000" dirty="0">
+                <a:latin typeface="Times New Roman" panose="02020603050405020304" pitchFamily="18" charset="0"/>
+                <a:cs typeface="Times New Roman" panose="02020603050405020304" pitchFamily="18" charset="0"/>
+              </a:rPr>
+              <a:t>The input image and the target image, which it should classify as real.</a:t>
+            </a:r>
+          </a:p>
+          <a:p>
+            <a:pPr lvl="1">
+              <a:lnSpc>
+                <a:spcPct val="150000"/>
+              </a:lnSpc>
+              <a:spcBef>
+                <a:spcPts val="0"/>
+              </a:spcBef>
+              <a:spcAft>
+                <a:spcPts val="600"/>
+              </a:spcAft>
+              <a:buFont typeface="Wingdings" panose="05000000000000000000" pitchFamily="2" charset="2"/>
+              <a:buChar char="ü"/>
+            </a:pPr>
+            <a:r>
+              <a:rPr lang="en-US" sz="2000" dirty="0">
+                <a:latin typeface="Times New Roman" panose="02020603050405020304" pitchFamily="18" charset="0"/>
+                <a:cs typeface="Times New Roman" panose="02020603050405020304" pitchFamily="18" charset="0"/>
+              </a:rPr>
+              <a:t>The input image and the generated image (the output of the generator), which it should classify as fake.</a:t>
+            </a:r>
+          </a:p>
+          <a:p>
+            <a:pPr>
+              <a:lnSpc>
+                <a:spcPct val="150000"/>
+              </a:lnSpc>
+              <a:spcBef>
+                <a:spcPts val="0"/>
+              </a:spcBef>
+              <a:spcAft>
+                <a:spcPts val="600"/>
+              </a:spcAft>
+            </a:pPr>
+            <a:r>
+              <a:rPr lang="en-US" sz="2400" dirty="0">
+                <a:latin typeface="Times New Roman" panose="02020603050405020304" pitchFamily="18" charset="0"/>
+                <a:cs typeface="Times New Roman" panose="02020603050405020304" pitchFamily="18" charset="0"/>
+              </a:rPr>
+              <a:t>Each block in the discriminator is: </a:t>
+            </a:r>
+            <a:br>
+              <a:rPr lang="en-US" sz="2400" dirty="0">
+                <a:latin typeface="Times New Roman" panose="02020603050405020304" pitchFamily="18" charset="0"/>
+                <a:cs typeface="Times New Roman" panose="02020603050405020304" pitchFamily="18" charset="0"/>
+              </a:rPr>
+            </a:br>
+            <a:r>
+              <a:rPr lang="en-US" sz="2400" dirty="0">
+                <a:latin typeface="Times New Roman" panose="02020603050405020304" pitchFamily="18" charset="0"/>
+                <a:cs typeface="Times New Roman" panose="02020603050405020304" pitchFamily="18" charset="0"/>
+              </a:rPr>
+              <a:t>Convolution -&gt; Batch normalization -&gt; Leaky </a:t>
+            </a:r>
+            <a:r>
+              <a:rPr lang="en-US" sz="2400" dirty="0" err="1">
+                <a:latin typeface="Times New Roman" panose="02020603050405020304" pitchFamily="18" charset="0"/>
+                <a:cs typeface="Times New Roman" panose="02020603050405020304" pitchFamily="18" charset="0"/>
+              </a:rPr>
+              <a:t>ReLU</a:t>
+            </a:r>
+            <a:r>
+              <a:rPr lang="en-US" sz="2400" dirty="0">
+                <a:latin typeface="Times New Roman" panose="02020603050405020304" pitchFamily="18" charset="0"/>
+                <a:cs typeface="Times New Roman" panose="02020603050405020304" pitchFamily="18" charset="0"/>
+              </a:rPr>
+              <a:t>.</a:t>
+            </a:r>
+          </a:p>
+          <a:p>
+            <a:pPr>
+              <a:lnSpc>
+                <a:spcPct val="150000"/>
+              </a:lnSpc>
+              <a:spcBef>
+                <a:spcPts val="0"/>
+              </a:spcBef>
+              <a:spcAft>
+                <a:spcPts val="600"/>
+              </a:spcAft>
+            </a:pPr>
+            <a:r>
+              <a:rPr lang="en-US" sz="2400" dirty="0">
+                <a:latin typeface="Times New Roman" panose="02020603050405020304" pitchFamily="18" charset="0"/>
+                <a:cs typeface="Times New Roman" panose="02020603050405020304" pitchFamily="18" charset="0"/>
+              </a:rPr>
+              <a:t>The shape of the output after the last layer is (</a:t>
+            </a:r>
+            <a:r>
+              <a:rPr lang="en-US" sz="2400" dirty="0" err="1">
+                <a:latin typeface="Times New Roman" panose="02020603050405020304" pitchFamily="18" charset="0"/>
+                <a:cs typeface="Times New Roman" panose="02020603050405020304" pitchFamily="18" charset="0"/>
+              </a:rPr>
+              <a:t>batch_size</a:t>
+            </a:r>
+            <a:r>
+              <a:rPr lang="en-US" sz="2400" dirty="0">
+                <a:latin typeface="Times New Roman" panose="02020603050405020304" pitchFamily="18" charset="0"/>
+                <a:cs typeface="Times New Roman" panose="02020603050405020304" pitchFamily="18" charset="0"/>
+              </a:rPr>
+              <a:t>, 30, 30, 1).</a:t>
+            </a:r>
+          </a:p>
+          <a:p>
+            <a:pPr>
+              <a:lnSpc>
+                <a:spcPct val="150000"/>
+              </a:lnSpc>
+              <a:spcBef>
+                <a:spcPts val="0"/>
+              </a:spcBef>
+              <a:spcAft>
+                <a:spcPts val="600"/>
+              </a:spcAft>
+            </a:pPr>
+            <a:r>
+              <a:rPr lang="en-US" sz="2400" dirty="0">
+                <a:latin typeface="Times New Roman" panose="02020603050405020304" pitchFamily="18" charset="0"/>
+                <a:cs typeface="Times New Roman" panose="02020603050405020304" pitchFamily="18" charset="0"/>
+              </a:rPr>
+              <a:t>Each 30 x 30 image patch of the output classifies a 70 x 70 portion of the input image.</a:t>
+            </a:r>
+          </a:p>
+          <a:p>
+            <a:pPr>
+              <a:lnSpc>
+                <a:spcPct val="150000"/>
+              </a:lnSpc>
+            </a:pPr>
+            <a:endParaRPr lang="en-US" sz="2400" dirty="0"/>
+          </a:p>
+        </p:txBody>
+      </p:sp>
+    </p:spTree>
+    <p:extLst>
+      <p:ext uri="{BB962C8B-B14F-4D97-AF65-F5344CB8AC3E}">
+        <p14:creationId xmlns:p14="http://schemas.microsoft.com/office/powerpoint/2010/main" val="708905645"/>
+      </p:ext>
+    </p:extLst>
+  </p:cSld>
+  <p:clrMapOvr>
+    <a:masterClrMapping/>
+  </p:clrMapOvr>
+</p:sld>
+</file>
+
+<file path=ppt/slides/slide27.xml><?xml version="1.0" encoding="utf-8"?>
+<p:sld xmlns:a="http://schemas.openxmlformats.org/drawingml/2006/main" xmlns:r="http://schemas.openxmlformats.org/officeDocument/2006/relationships" xmlns:p="http://schemas.openxmlformats.org/presentationml/2006/main">
+  <p:cSld>
+    <p:spTree>
+      <p:nvGrpSpPr>
+        <p:cNvPr id="1" name=""/>
+        <p:cNvGrpSpPr/>
+        <p:nvPr/>
+      </p:nvGrpSpPr>
+      <p:grpSpPr>
+        <a:xfrm>
+          <a:off x="0" y="0"/>
+          <a:ext cx="0" cy="0"/>
+          <a:chOff x="0" y="0"/>
+          <a:chExt cx="0" cy="0"/>
+        </a:xfrm>
+      </p:grpSpPr>
+      <p:sp>
+        <p:nvSpPr>
+          <p:cNvPr id="2" name="Title 1">
+            <a:extLst>
+              <a:ext uri="{FF2B5EF4-FFF2-40B4-BE49-F238E27FC236}">
+                <a16:creationId xmlns:a16="http://schemas.microsoft.com/office/drawing/2014/main" id="{F111F097-F07F-4A2E-A320-0D923BFFFCF7}"/>
+              </a:ext>
+            </a:extLst>
+          </p:cNvPr>
+          <p:cNvSpPr>
+            <a:spLocks noGrp="1"/>
+          </p:cNvSpPr>
+          <p:nvPr>
+            <p:ph type="title"/>
+          </p:nvPr>
+        </p:nvSpPr>
+        <p:spPr>
+          <a:xfrm>
+            <a:off x="838200" y="182881"/>
+            <a:ext cx="10515600" cy="1116203"/>
+          </a:xfrm>
+        </p:spPr>
+        <p:txBody>
+          <a:bodyPr>
+            <a:normAutofit/>
+          </a:bodyPr>
+          <a:lstStyle/>
+          <a:p>
+            <a:r>
+              <a:rPr lang="en-US" sz="3200" b="1" dirty="0">
+                <a:latin typeface="Times New Roman" panose="02020603050405020304" pitchFamily="18" charset="0"/>
+                <a:cs typeface="Times New Roman" panose="02020603050405020304" pitchFamily="18" charset="0"/>
+              </a:rPr>
+              <a:t>Discriminator loss</a:t>
+            </a:r>
+          </a:p>
+        </p:txBody>
+      </p:sp>
+      <p:sp>
+        <p:nvSpPr>
+          <p:cNvPr id="3" name="Content Placeholder 2">
+            <a:extLst>
+              <a:ext uri="{FF2B5EF4-FFF2-40B4-BE49-F238E27FC236}">
+                <a16:creationId xmlns:a16="http://schemas.microsoft.com/office/drawing/2014/main" id="{BEB9D495-9143-4608-8D5C-2D5169C03773}"/>
+              </a:ext>
+            </a:extLst>
+          </p:cNvPr>
+          <p:cNvSpPr>
+            <a:spLocks noGrp="1"/>
+          </p:cNvSpPr>
+          <p:nvPr>
+            <p:ph idx="1"/>
+          </p:nvPr>
+        </p:nvSpPr>
+        <p:spPr>
+          <a:xfrm>
+            <a:off x="838200" y="989599"/>
+            <a:ext cx="10515600" cy="5043107"/>
+          </a:xfrm>
+        </p:spPr>
+        <p:txBody>
+          <a:bodyPr>
+            <a:normAutofit/>
+          </a:bodyPr>
+          <a:lstStyle/>
+          <a:p>
+            <a:pPr>
+              <a:lnSpc>
+                <a:spcPct val="150000"/>
+              </a:lnSpc>
+              <a:spcBef>
+                <a:spcPts val="0"/>
+              </a:spcBef>
+              <a:spcAft>
+                <a:spcPts val="600"/>
+              </a:spcAft>
+            </a:pPr>
+            <a:r>
+              <a:rPr lang="en-US" sz="2400" dirty="0">
+                <a:latin typeface="Times New Roman" panose="02020603050405020304" pitchFamily="18" charset="0"/>
+                <a:cs typeface="Times New Roman" panose="02020603050405020304" pitchFamily="18" charset="0"/>
+              </a:rPr>
+              <a:t>The loss is a binary cross-entropy loss of the images and an array of ones.</a:t>
+            </a:r>
+          </a:p>
+          <a:p>
+            <a:pPr>
+              <a:lnSpc>
+                <a:spcPct val="150000"/>
+              </a:lnSpc>
+              <a:spcBef>
+                <a:spcPts val="0"/>
+              </a:spcBef>
+              <a:spcAft>
+                <a:spcPts val="600"/>
+              </a:spcAft>
+            </a:pPr>
             <a:endParaRPr lang="en-US" sz="2400" dirty="0">
               <a:latin typeface="Times New Roman" panose="02020603050405020304" pitchFamily="18" charset="0"/>
               <a:cs typeface="Times New Roman" panose="02020603050405020304" pitchFamily="18" charset="0"/>
             </a:endParaRPr>
+          </a:p>
+          <a:p>
+            <a:pPr>
+              <a:lnSpc>
+                <a:spcPct val="150000"/>
+              </a:lnSpc>
+              <a:spcBef>
+                <a:spcPts val="0"/>
+              </a:spcBef>
+              <a:spcAft>
+                <a:spcPts val="600"/>
+              </a:spcAft>
+            </a:pPr>
+            <a:endParaRPr lang="en-US" sz="2400" dirty="0">
+              <a:latin typeface="Times New Roman" panose="02020603050405020304" pitchFamily="18" charset="0"/>
+              <a:cs typeface="Times New Roman" panose="02020603050405020304" pitchFamily="18" charset="0"/>
+            </a:endParaRPr>
+          </a:p>
+        </p:txBody>
+      </p:sp>
+      <p:pic>
+        <p:nvPicPr>
+          <p:cNvPr id="4" name="Picture 3">
+            <a:extLst>
+              <a:ext uri="{FF2B5EF4-FFF2-40B4-BE49-F238E27FC236}">
+                <a16:creationId xmlns:a16="http://schemas.microsoft.com/office/drawing/2014/main" id="{9203D78C-F63D-5175-E839-752DBD975726}"/>
+              </a:ext>
+            </a:extLst>
+          </p:cNvPr>
+          <p:cNvPicPr>
+            <a:picLocks noChangeAspect="1"/>
+          </p:cNvPicPr>
+          <p:nvPr/>
+        </p:nvPicPr>
+        <p:blipFill rotWithShape="1">
+          <a:blip r:embed="rId2">
+            <a:extLst>
+              <a:ext uri="{28A0092B-C50C-407E-A947-70E740481C1C}">
+                <a14:useLocalDpi xmlns:a14="http://schemas.microsoft.com/office/drawing/2010/main" val="0"/>
+              </a:ext>
+            </a:extLst>
+          </a:blip>
+          <a:srcRect r="7319"/>
+          <a:stretch/>
+        </p:blipFill>
+        <p:spPr bwMode="auto">
+          <a:xfrm>
+            <a:off x="123273" y="1845246"/>
+            <a:ext cx="6114332" cy="4331717"/>
+          </a:xfrm>
+          <a:prstGeom prst="rect">
+            <a:avLst/>
+          </a:prstGeom>
+          <a:noFill/>
+          <a:ln>
+            <a:noFill/>
+          </a:ln>
+          <a:extLst>
+            <a:ext uri="{53640926-AAD7-44D8-BBD7-CCE9431645EC}">
+              <a14:shadowObscured xmlns:a14="http://schemas.microsoft.com/office/drawing/2010/main"/>
+            </a:ext>
+          </a:extLst>
+        </p:spPr>
+      </p:pic>
+      <p:pic>
+        <p:nvPicPr>
+          <p:cNvPr id="5" name="Picture 4">
+            <a:extLst>
+              <a:ext uri="{FF2B5EF4-FFF2-40B4-BE49-F238E27FC236}">
+                <a16:creationId xmlns:a16="http://schemas.microsoft.com/office/drawing/2014/main" id="{7835AD4C-E560-7107-4108-32F1E5A7F34D}"/>
+              </a:ext>
+            </a:extLst>
+          </p:cNvPr>
+          <p:cNvPicPr>
+            <a:picLocks noChangeAspect="1"/>
+          </p:cNvPicPr>
+          <p:nvPr/>
+        </p:nvPicPr>
+        <p:blipFill>
+          <a:blip r:embed="rId3">
+            <a:extLst>
+              <a:ext uri="{28A0092B-C50C-407E-A947-70E740481C1C}">
+                <a14:useLocalDpi xmlns:a14="http://schemas.microsoft.com/office/drawing/2010/main" val="0"/>
+              </a:ext>
+            </a:extLst>
+          </a:blip>
+          <a:srcRect/>
+          <a:stretch>
+            <a:fillRect/>
+          </a:stretch>
+        </p:blipFill>
+        <p:spPr bwMode="auto">
+          <a:xfrm>
+            <a:off x="6237605" y="1845246"/>
+            <a:ext cx="5954395" cy="4465955"/>
+          </a:xfrm>
+          <a:prstGeom prst="rect">
+            <a:avLst/>
+          </a:prstGeom>
+          <a:noFill/>
+          <a:ln>
+            <a:noFill/>
+          </a:ln>
+        </p:spPr>
+      </p:pic>
+      <p:sp>
+        <p:nvSpPr>
+          <p:cNvPr id="6" name="TextBox 5">
+            <a:extLst>
+              <a:ext uri="{FF2B5EF4-FFF2-40B4-BE49-F238E27FC236}">
+                <a16:creationId xmlns:a16="http://schemas.microsoft.com/office/drawing/2014/main" id="{99CCDFE5-154A-39EC-F8C6-17873B4A62FD}"/>
+              </a:ext>
+            </a:extLst>
+          </p:cNvPr>
+          <p:cNvSpPr txBox="1"/>
+          <p:nvPr/>
+        </p:nvSpPr>
+        <p:spPr>
+          <a:xfrm>
+            <a:off x="552387" y="6305787"/>
+            <a:ext cx="5971032" cy="369332"/>
+          </a:xfrm>
+          <a:prstGeom prst="rect">
+            <a:avLst/>
+          </a:prstGeom>
+          <a:noFill/>
+        </p:spPr>
+        <p:txBody>
+          <a:bodyPr wrap="square" rtlCol="0">
+            <a:spAutoFit/>
+          </a:bodyPr>
+          <a:lstStyle/>
+          <a:p>
+            <a:pPr algn="ctr"/>
+            <a:r>
+              <a:rPr lang="en-US" dirty="0">
+                <a:latin typeface="Times New Roman" panose="02020603050405020304" pitchFamily="18" charset="0"/>
+                <a:cs typeface="Times New Roman" panose="02020603050405020304" pitchFamily="18" charset="0"/>
+              </a:rPr>
+              <a:t>Fig: Discriminator Loss for first 5K images</a:t>
+            </a:r>
+          </a:p>
+        </p:txBody>
+      </p:sp>
+      <p:sp>
+        <p:nvSpPr>
+          <p:cNvPr id="7" name="TextBox 6">
+            <a:extLst>
+              <a:ext uri="{FF2B5EF4-FFF2-40B4-BE49-F238E27FC236}">
+                <a16:creationId xmlns:a16="http://schemas.microsoft.com/office/drawing/2014/main" id="{FA0006E3-8DEC-8DC4-89DE-8DB528DB92C0}"/>
+              </a:ext>
+            </a:extLst>
+          </p:cNvPr>
+          <p:cNvSpPr txBox="1"/>
+          <p:nvPr/>
+        </p:nvSpPr>
+        <p:spPr>
+          <a:xfrm>
+            <a:off x="6096000" y="6305787"/>
+            <a:ext cx="5971032" cy="369332"/>
+          </a:xfrm>
+          <a:prstGeom prst="rect">
+            <a:avLst/>
+          </a:prstGeom>
+          <a:noFill/>
+        </p:spPr>
+        <p:txBody>
+          <a:bodyPr wrap="square" rtlCol="0">
+            <a:spAutoFit/>
+          </a:bodyPr>
+          <a:lstStyle/>
+          <a:p>
+            <a:pPr algn="ctr"/>
+            <a:r>
+              <a:rPr lang="en-US" dirty="0">
+                <a:latin typeface="Times New Roman" panose="02020603050405020304" pitchFamily="18" charset="0"/>
+                <a:cs typeface="Times New Roman" panose="02020603050405020304" pitchFamily="18" charset="0"/>
+              </a:rPr>
+              <a:t>Fig: Discriminator Loss for second 5K images</a:t>
+            </a:r>
           </a:p>
         </p:txBody>
       </p:sp>
@@ -5170,7 +6127,197 @@
 </p:sld>
 </file>
 
-<file path=ppt/slides/slide22.xml><?xml version="1.0" encoding="utf-8"?>
+<file path=ppt/slides/slide28.xml><?xml version="1.0" encoding="utf-8"?>
+<p:sld xmlns:a="http://schemas.openxmlformats.org/drawingml/2006/main" xmlns:r="http://schemas.openxmlformats.org/officeDocument/2006/relationships" xmlns:p="http://schemas.openxmlformats.org/presentationml/2006/main">
+  <p:cSld>
+    <p:spTree>
+      <p:nvGrpSpPr>
+        <p:cNvPr id="1" name=""/>
+        <p:cNvGrpSpPr/>
+        <p:nvPr/>
+      </p:nvGrpSpPr>
+      <p:grpSpPr>
+        <a:xfrm>
+          <a:off x="0" y="0"/>
+          <a:ext cx="0" cy="0"/>
+          <a:chOff x="0" y="0"/>
+          <a:chExt cx="0" cy="0"/>
+        </a:xfrm>
+      </p:grpSpPr>
+      <p:sp>
+        <p:nvSpPr>
+          <p:cNvPr id="5" name="TextBox 4">
+            <a:extLst>
+              <a:ext uri="{FF2B5EF4-FFF2-40B4-BE49-F238E27FC236}">
+                <a16:creationId xmlns:a16="http://schemas.microsoft.com/office/drawing/2014/main" id="{A2F6AE8C-C587-2442-E5B1-04A23B7AC82B}"/>
+              </a:ext>
+            </a:extLst>
+          </p:cNvPr>
+          <p:cNvSpPr txBox="1"/>
+          <p:nvPr/>
+        </p:nvSpPr>
+        <p:spPr>
+          <a:xfrm>
+            <a:off x="438912" y="5848143"/>
+            <a:ext cx="5971032" cy="369332"/>
+          </a:xfrm>
+          <a:prstGeom prst="rect">
+            <a:avLst/>
+          </a:prstGeom>
+          <a:noFill/>
+        </p:spPr>
+        <p:txBody>
+          <a:bodyPr wrap="square" rtlCol="0">
+            <a:spAutoFit/>
+          </a:bodyPr>
+          <a:lstStyle/>
+          <a:p>
+            <a:pPr algn="ctr"/>
+            <a:r>
+              <a:rPr lang="en-US" dirty="0">
+                <a:latin typeface="Times New Roman" panose="02020603050405020304" pitchFamily="18" charset="0"/>
+                <a:cs typeface="Times New Roman" panose="02020603050405020304" pitchFamily="18" charset="0"/>
+              </a:rPr>
+              <a:t>Fig: Discriminator Accuracy for first 5K images</a:t>
+            </a:r>
+          </a:p>
+        </p:txBody>
+      </p:sp>
+      <p:sp>
+        <p:nvSpPr>
+          <p:cNvPr id="7" name="TextBox 6">
+            <a:extLst>
+              <a:ext uri="{FF2B5EF4-FFF2-40B4-BE49-F238E27FC236}">
+                <a16:creationId xmlns:a16="http://schemas.microsoft.com/office/drawing/2014/main" id="{213C26FD-4308-346B-1721-C17985904C91}"/>
+              </a:ext>
+            </a:extLst>
+          </p:cNvPr>
+          <p:cNvSpPr txBox="1"/>
+          <p:nvPr/>
+        </p:nvSpPr>
+        <p:spPr>
+          <a:xfrm>
+            <a:off x="6139252" y="5848143"/>
+            <a:ext cx="5971032" cy="369332"/>
+          </a:xfrm>
+          <a:prstGeom prst="rect">
+            <a:avLst/>
+          </a:prstGeom>
+          <a:noFill/>
+        </p:spPr>
+        <p:txBody>
+          <a:bodyPr wrap="square" rtlCol="0">
+            <a:spAutoFit/>
+          </a:bodyPr>
+          <a:lstStyle/>
+          <a:p>
+            <a:pPr algn="ctr"/>
+            <a:r>
+              <a:rPr lang="en-US" dirty="0">
+                <a:latin typeface="Times New Roman" panose="02020603050405020304" pitchFamily="18" charset="0"/>
+                <a:cs typeface="Times New Roman" panose="02020603050405020304" pitchFamily="18" charset="0"/>
+              </a:rPr>
+              <a:t>Fig: Discriminator Accuracy for second 5K images</a:t>
+            </a:r>
+          </a:p>
+        </p:txBody>
+      </p:sp>
+      <p:pic>
+        <p:nvPicPr>
+          <p:cNvPr id="8" name="Picture 7">
+            <a:extLst>
+              <a:ext uri="{FF2B5EF4-FFF2-40B4-BE49-F238E27FC236}">
+                <a16:creationId xmlns:a16="http://schemas.microsoft.com/office/drawing/2014/main" id="{CF8DC81B-8F30-5C45-0AF1-4577A9A8EE3D}"/>
+              </a:ext>
+            </a:extLst>
+          </p:cNvPr>
+          <p:cNvPicPr>
+            <a:picLocks noChangeAspect="1"/>
+          </p:cNvPicPr>
+          <p:nvPr/>
+        </p:nvPicPr>
+        <p:blipFill>
+          <a:blip r:embed="rId2">
+            <a:extLst>
+              <a:ext uri="{28A0092B-C50C-407E-A947-70E740481C1C}">
+                <a14:useLocalDpi xmlns:a14="http://schemas.microsoft.com/office/drawing/2010/main" val="0"/>
+              </a:ext>
+            </a:extLst>
+          </a:blip>
+          <a:srcRect/>
+          <a:stretch>
+            <a:fillRect/>
+          </a:stretch>
+        </p:blipFill>
+        <p:spPr bwMode="auto">
+          <a:xfrm>
+            <a:off x="342794" y="789823"/>
+            <a:ext cx="5854578" cy="4390933"/>
+          </a:xfrm>
+          <a:prstGeom prst="rect">
+            <a:avLst/>
+          </a:prstGeom>
+          <a:noFill/>
+          <a:ln>
+            <a:noFill/>
+          </a:ln>
+        </p:spPr>
+      </p:pic>
+      <p:pic>
+        <p:nvPicPr>
+          <p:cNvPr id="9" name="Picture 8">
+            <a:extLst>
+              <a:ext uri="{FF2B5EF4-FFF2-40B4-BE49-F238E27FC236}">
+                <a16:creationId xmlns:a16="http://schemas.microsoft.com/office/drawing/2014/main" id="{C234ED93-BB44-23C1-8278-7025E58EC716}"/>
+              </a:ext>
+            </a:extLst>
+          </p:cNvPr>
+          <p:cNvPicPr>
+            <a:picLocks noChangeAspect="1"/>
+          </p:cNvPicPr>
+          <p:nvPr/>
+        </p:nvPicPr>
+        <p:blipFill>
+          <a:blip r:embed="rId2">
+            <a:extLst>
+              <a:ext uri="{28A0092B-C50C-407E-A947-70E740481C1C}">
+                <a14:useLocalDpi xmlns:a14="http://schemas.microsoft.com/office/drawing/2010/main" val="0"/>
+              </a:ext>
+            </a:extLst>
+          </a:blip>
+          <a:srcRect/>
+          <a:stretch>
+            <a:fillRect/>
+          </a:stretch>
+        </p:blipFill>
+        <p:spPr bwMode="auto">
+          <a:xfrm>
+            <a:off x="6197372" y="789823"/>
+            <a:ext cx="5854792" cy="4390933"/>
+          </a:xfrm>
+          <a:prstGeom prst="rect">
+            <a:avLst/>
+          </a:prstGeom>
+          <a:noFill/>
+          <a:ln>
+            <a:noFill/>
+          </a:ln>
+        </p:spPr>
+      </p:pic>
+    </p:spTree>
+    <p:extLst>
+      <p:ext uri="{BB962C8B-B14F-4D97-AF65-F5344CB8AC3E}">
+        <p14:creationId xmlns:p14="http://schemas.microsoft.com/office/powerpoint/2010/main" val="1300920463"/>
+      </p:ext>
+    </p:extLst>
+  </p:cSld>
+  <p:clrMapOvr>
+    <a:masterClrMapping/>
+  </p:clrMapOvr>
+</p:sld>
+</file>
+
+<file path=ppt/slides/slide29.xml><?xml version="1.0" encoding="utf-8"?>
 <p:sld xmlns:a="http://schemas.openxmlformats.org/drawingml/2006/main" xmlns:r="http://schemas.openxmlformats.org/officeDocument/2006/relationships" xmlns:p="http://schemas.openxmlformats.org/presentationml/2006/main">
   <p:cSld>
     <p:spTree>
@@ -5518,993 +6665,6 @@
 </p:sld>
 </file>
 
-<file path=ppt/slides/slide23.xml><?xml version="1.0" encoding="utf-8"?>
-<p:sld xmlns:a="http://schemas.openxmlformats.org/drawingml/2006/main" xmlns:r="http://schemas.openxmlformats.org/officeDocument/2006/relationships" xmlns:p="http://schemas.openxmlformats.org/presentationml/2006/main">
-  <p:cSld>
-    <p:bg>
-      <p:bgPr>
-        <a:solidFill>
-          <a:schemeClr val="bg1"/>
-        </a:solidFill>
-        <a:effectLst/>
-      </p:bgPr>
-    </p:bg>
-    <p:spTree>
-      <p:nvGrpSpPr>
-        <p:cNvPr id="1" name=""/>
-        <p:cNvGrpSpPr/>
-        <p:nvPr/>
-      </p:nvGrpSpPr>
-      <p:grpSpPr>
-        <a:xfrm>
-          <a:off x="0" y="0"/>
-          <a:ext cx="0" cy="0"/>
-          <a:chOff x="0" y="0"/>
-          <a:chExt cx="0" cy="0"/>
-        </a:xfrm>
-      </p:grpSpPr>
-      <p:sp>
-        <p:nvSpPr>
-          <p:cNvPr id="3" name="Content Placeholder 2">
-            <a:extLst>
-              <a:ext uri="{FF2B5EF4-FFF2-40B4-BE49-F238E27FC236}">
-                <a16:creationId xmlns:a16="http://schemas.microsoft.com/office/drawing/2014/main" id="{A71E7746-F2D2-121B-BAF0-A7DD5CA3AC66}"/>
-              </a:ext>
-            </a:extLst>
-          </p:cNvPr>
-          <p:cNvSpPr>
-            <a:spLocks noGrp="1"/>
-          </p:cNvSpPr>
-          <p:nvPr>
-            <p:ph idx="1"/>
-          </p:nvPr>
-        </p:nvSpPr>
-        <p:spPr>
-          <a:xfrm>
-            <a:off x="643467" y="713127"/>
-            <a:ext cx="10905066" cy="5463836"/>
-          </a:xfrm>
-        </p:spPr>
-        <p:txBody>
-          <a:bodyPr>
-            <a:normAutofit/>
-          </a:bodyPr>
-          <a:lstStyle/>
-          <a:p>
-            <a:pPr marL="0" indent="0">
-              <a:lnSpc>
-                <a:spcPct val="160000"/>
-              </a:lnSpc>
-              <a:spcBef>
-                <a:spcPts val="0"/>
-              </a:spcBef>
-              <a:spcAft>
-                <a:spcPts val="600"/>
-              </a:spcAft>
-              <a:buNone/>
-            </a:pPr>
-            <a:r>
-              <a:rPr lang="en-US" b="1">
-                <a:latin typeface="Times New Roman" panose="02020603050405020304" pitchFamily="18" charset="0"/>
-                <a:cs typeface="Times New Roman" panose="02020603050405020304" pitchFamily="18" charset="0"/>
-              </a:rPr>
-              <a:t>Frontend development:</a:t>
-            </a:r>
-            <a:endParaRPr lang="en-US" b="1">
-              <a:latin typeface="Times New Roman"/>
-              <a:cs typeface="Times New Roman"/>
-            </a:endParaRPr>
-          </a:p>
-          <a:p>
-            <a:pPr>
-              <a:lnSpc>
-                <a:spcPct val="160000"/>
-              </a:lnSpc>
-              <a:spcBef>
-                <a:spcPts val="0"/>
-              </a:spcBef>
-              <a:spcAft>
-                <a:spcPts val="600"/>
-              </a:spcAft>
-            </a:pPr>
-            <a:r>
-              <a:rPr lang="en-US" sz="2400">
-                <a:latin typeface="Times New Roman" panose="02020603050405020304" pitchFamily="18" charset="0"/>
-                <a:cs typeface="Times New Roman" panose="02020603050405020304" pitchFamily="18" charset="0"/>
-              </a:rPr>
-              <a:t>JavaScript – React</a:t>
-            </a:r>
-          </a:p>
-          <a:p>
-            <a:pPr>
-              <a:lnSpc>
-                <a:spcPct val="160000"/>
-              </a:lnSpc>
-              <a:spcBef>
-                <a:spcPts val="0"/>
-              </a:spcBef>
-              <a:spcAft>
-                <a:spcPts val="600"/>
-              </a:spcAft>
-            </a:pPr>
-            <a:r>
-              <a:rPr lang="en-US" sz="2400">
-                <a:latin typeface="Times New Roman"/>
-                <a:cs typeface="Times New Roman"/>
-              </a:rPr>
-              <a:t>CSS</a:t>
-            </a:r>
-          </a:p>
-          <a:p>
-            <a:pPr marL="0" indent="0">
-              <a:lnSpc>
-                <a:spcPct val="160000"/>
-              </a:lnSpc>
-              <a:spcBef>
-                <a:spcPts val="0"/>
-              </a:spcBef>
-              <a:spcAft>
-                <a:spcPts val="600"/>
-              </a:spcAft>
-              <a:buNone/>
-            </a:pPr>
-            <a:endParaRPr lang="en-US" sz="2000" b="1">
-              <a:latin typeface="Times New Roman"/>
-              <a:ea typeface="+mn-lt"/>
-              <a:cs typeface="Times New Roman"/>
-            </a:endParaRPr>
-          </a:p>
-          <a:p>
-            <a:pPr marL="0" indent="0">
-              <a:lnSpc>
-                <a:spcPct val="160000"/>
-              </a:lnSpc>
-              <a:spcBef>
-                <a:spcPts val="0"/>
-              </a:spcBef>
-              <a:spcAft>
-                <a:spcPts val="600"/>
-              </a:spcAft>
-              <a:buNone/>
-            </a:pPr>
-            <a:r>
-              <a:rPr lang="en-US" b="1">
-                <a:latin typeface="Times New Roman"/>
-                <a:cs typeface="Times New Roman"/>
-              </a:rPr>
-              <a:t>Backend development:</a:t>
-            </a:r>
-          </a:p>
-          <a:p>
-            <a:pPr>
-              <a:lnSpc>
-                <a:spcPct val="150000"/>
-              </a:lnSpc>
-              <a:spcBef>
-                <a:spcPts val="0"/>
-              </a:spcBef>
-              <a:spcAft>
-                <a:spcPts val="600"/>
-              </a:spcAft>
-            </a:pPr>
-            <a:r>
-              <a:rPr lang="en-US" sz="2400">
-                <a:latin typeface="Times New Roman"/>
-                <a:cs typeface="Times New Roman"/>
-              </a:rPr>
-              <a:t>Node JS</a:t>
-            </a:r>
-            <a:endParaRPr lang="en-US" sz="2400">
-              <a:latin typeface="Times New Roman"/>
-              <a:ea typeface="+mn-lt"/>
-              <a:cs typeface="+mn-lt"/>
-            </a:endParaRPr>
-          </a:p>
-          <a:p>
-            <a:pPr>
-              <a:lnSpc>
-                <a:spcPct val="150000"/>
-              </a:lnSpc>
-              <a:spcBef>
-                <a:spcPts val="0"/>
-              </a:spcBef>
-              <a:spcAft>
-                <a:spcPts val="600"/>
-              </a:spcAft>
-            </a:pPr>
-            <a:r>
-              <a:rPr lang="en-US" sz="2400">
-                <a:latin typeface="Times New Roman"/>
-                <a:ea typeface="+mn-lt"/>
-                <a:cs typeface="+mn-lt"/>
-              </a:rPr>
-              <a:t>Python</a:t>
-            </a:r>
-            <a:endParaRPr lang="en-US" sz="2400">
-              <a:latin typeface="Times New Roman"/>
-              <a:cs typeface="Times New Roman"/>
-            </a:endParaRPr>
-          </a:p>
-          <a:p>
-            <a:endParaRPr lang="en-US" sz="2000"/>
-          </a:p>
-        </p:txBody>
-      </p:sp>
-    </p:spTree>
-    <p:extLst>
-      <p:ext uri="{BB962C8B-B14F-4D97-AF65-F5344CB8AC3E}">
-        <p14:creationId xmlns:p14="http://schemas.microsoft.com/office/powerpoint/2010/main" val="30016698"/>
-      </p:ext>
-    </p:extLst>
-  </p:cSld>
-  <p:clrMapOvr>
-    <a:masterClrMapping/>
-  </p:clrMapOvr>
-</p:sld>
-</file>
-
-<file path=ppt/slides/slide24.xml><?xml version="1.0" encoding="utf-8"?>
-<p:sld xmlns:a="http://schemas.openxmlformats.org/drawingml/2006/main" xmlns:r="http://schemas.openxmlformats.org/officeDocument/2006/relationships" xmlns:p="http://schemas.openxmlformats.org/presentationml/2006/main">
-  <p:cSld>
-    <p:spTree>
-      <p:nvGrpSpPr>
-        <p:cNvPr id="1" name=""/>
-        <p:cNvGrpSpPr/>
-        <p:nvPr/>
-      </p:nvGrpSpPr>
-      <p:grpSpPr>
-        <a:xfrm>
-          <a:off x="0" y="0"/>
-          <a:ext cx="0" cy="0"/>
-          <a:chOff x="0" y="0"/>
-          <a:chExt cx="0" cy="0"/>
-        </a:xfrm>
-      </p:grpSpPr>
-      <p:sp>
-        <p:nvSpPr>
-          <p:cNvPr id="3" name="Content Placeholder 2">
-            <a:extLst>
-              <a:ext uri="{FF2B5EF4-FFF2-40B4-BE49-F238E27FC236}">
-                <a16:creationId xmlns:a16="http://schemas.microsoft.com/office/drawing/2014/main" id="{ACDC6698-1295-4E10-B360-F7316E067EEB}"/>
-              </a:ext>
-            </a:extLst>
-          </p:cNvPr>
-          <p:cNvSpPr>
-            <a:spLocks noGrp="1"/>
-          </p:cNvSpPr>
-          <p:nvPr>
-            <p:ph idx="1"/>
-          </p:nvPr>
-        </p:nvSpPr>
-        <p:spPr>
-          <a:xfrm>
-            <a:off x="643467" y="1825625"/>
-            <a:ext cx="10710333" cy="4351338"/>
-          </a:xfrm>
-        </p:spPr>
-        <p:txBody>
-          <a:bodyPr>
-            <a:normAutofit/>
-          </a:bodyPr>
-          <a:lstStyle/>
-          <a:p>
-            <a:pPr algn="just">
-              <a:lnSpc>
-                <a:spcPct val="150000"/>
-              </a:lnSpc>
-              <a:spcBef>
-                <a:spcPts val="0"/>
-              </a:spcBef>
-              <a:spcAft>
-                <a:spcPts val="600"/>
-              </a:spcAft>
-            </a:pPr>
-            <a:r>
-              <a:rPr lang="en-US" sz="2400" dirty="0">
-                <a:latin typeface="Times New Roman" panose="02020603050405020304" pitchFamily="18" charset="0"/>
-                <a:cs typeface="Times New Roman" panose="02020603050405020304" pitchFamily="18" charset="0"/>
-              </a:rPr>
-              <a:t>A homepage showcasing the basic functionality of our application has been created.</a:t>
-            </a:r>
-          </a:p>
-          <a:p>
-            <a:pPr algn="just">
-              <a:lnSpc>
-                <a:spcPct val="150000"/>
-              </a:lnSpc>
-              <a:spcBef>
-                <a:spcPts val="0"/>
-              </a:spcBef>
-              <a:spcAft>
-                <a:spcPts val="600"/>
-              </a:spcAft>
-            </a:pPr>
-            <a:r>
-              <a:rPr lang="en-US" sz="2400" dirty="0">
-                <a:latin typeface="Times New Roman" panose="02020603050405020304" pitchFamily="18" charset="0"/>
-                <a:cs typeface="Times New Roman" panose="02020603050405020304" pitchFamily="18" charset="0"/>
-              </a:rPr>
-              <a:t>Reviewed some research papers on GAN models used for image inpainting.</a:t>
-            </a:r>
-          </a:p>
-          <a:p>
-            <a:pPr algn="just">
-              <a:lnSpc>
-                <a:spcPct val="150000"/>
-              </a:lnSpc>
-              <a:spcBef>
-                <a:spcPts val="0"/>
-              </a:spcBef>
-              <a:spcAft>
-                <a:spcPts val="600"/>
-              </a:spcAft>
-            </a:pPr>
-            <a:r>
-              <a:rPr lang="en-US" sz="2400" dirty="0">
-                <a:latin typeface="Times New Roman" panose="02020603050405020304" pitchFamily="18" charset="0"/>
-                <a:cs typeface="Times New Roman" panose="02020603050405020304" pitchFamily="18" charset="0"/>
-              </a:rPr>
-              <a:t>Obtained “places” dataset and prepared the data in a suitable form to train the model.</a:t>
-            </a:r>
-          </a:p>
-        </p:txBody>
-      </p:sp>
-      <p:sp>
-        <p:nvSpPr>
-          <p:cNvPr id="4" name="Title 1">
-            <a:extLst>
-              <a:ext uri="{FF2B5EF4-FFF2-40B4-BE49-F238E27FC236}">
-                <a16:creationId xmlns:a16="http://schemas.microsoft.com/office/drawing/2014/main" id="{FB160293-04D9-4C61-BCBD-06757DEC5B20}"/>
-              </a:ext>
-            </a:extLst>
-          </p:cNvPr>
-          <p:cNvSpPr>
-            <a:spLocks noGrp="1"/>
-          </p:cNvSpPr>
-          <p:nvPr>
-            <p:ph type="title"/>
-          </p:nvPr>
-        </p:nvSpPr>
-        <p:spPr>
-          <a:xfrm>
-            <a:off x="643467" y="321734"/>
-            <a:ext cx="10905066" cy="1135737"/>
-          </a:xfrm>
-        </p:spPr>
-        <p:txBody>
-          <a:bodyPr>
-            <a:normAutofit/>
-          </a:bodyPr>
-          <a:lstStyle/>
-          <a:p>
-            <a:r>
-              <a:rPr lang="en-US" sz="3600" b="1">
-                <a:latin typeface="Times New Roman"/>
-                <a:cs typeface="Calibri Light"/>
-              </a:rPr>
-              <a:t>Tasks completed</a:t>
-            </a:r>
-            <a:endParaRPr lang="en-US" sz="3600" b="1">
-              <a:latin typeface="Times New Roman"/>
-              <a:cs typeface="Times New Roman"/>
-            </a:endParaRPr>
-          </a:p>
-        </p:txBody>
-      </p:sp>
-    </p:spTree>
-    <p:extLst>
-      <p:ext uri="{BB962C8B-B14F-4D97-AF65-F5344CB8AC3E}">
-        <p14:creationId xmlns:p14="http://schemas.microsoft.com/office/powerpoint/2010/main" val="2735958904"/>
-      </p:ext>
-    </p:extLst>
-  </p:cSld>
-  <p:clrMapOvr>
-    <a:masterClrMapping/>
-  </p:clrMapOvr>
-</p:sld>
-</file>
-
-<file path=ppt/slides/slide25.xml><?xml version="1.0" encoding="utf-8"?>
-<p:sld xmlns:a="http://schemas.openxmlformats.org/drawingml/2006/main" xmlns:r="http://schemas.openxmlformats.org/officeDocument/2006/relationships" xmlns:p="http://schemas.openxmlformats.org/presentationml/2006/main">
-  <p:cSld>
-    <p:spTree>
-      <p:nvGrpSpPr>
-        <p:cNvPr id="1" name=""/>
-        <p:cNvGrpSpPr/>
-        <p:nvPr/>
-      </p:nvGrpSpPr>
-      <p:grpSpPr>
-        <a:xfrm>
-          <a:off x="0" y="0"/>
-          <a:ext cx="0" cy="0"/>
-          <a:chOff x="0" y="0"/>
-          <a:chExt cx="0" cy="0"/>
-        </a:xfrm>
-      </p:grpSpPr>
-      <p:sp>
-        <p:nvSpPr>
-          <p:cNvPr id="3" name="Content Placeholder 2">
-            <a:extLst>
-              <a:ext uri="{FF2B5EF4-FFF2-40B4-BE49-F238E27FC236}">
-                <a16:creationId xmlns:a16="http://schemas.microsoft.com/office/drawing/2014/main" id="{DBB8CAF1-A279-4F01-82DD-3DDE1B4FD958}"/>
-              </a:ext>
-            </a:extLst>
-          </p:cNvPr>
-          <p:cNvSpPr>
-            <a:spLocks noGrp="1"/>
-          </p:cNvSpPr>
-          <p:nvPr>
-            <p:ph idx="1"/>
-          </p:nvPr>
-        </p:nvSpPr>
-        <p:spPr>
-          <a:xfrm>
-            <a:off x="643467" y="1825625"/>
-            <a:ext cx="10710333" cy="4351338"/>
-          </a:xfrm>
-        </p:spPr>
-        <p:txBody>
-          <a:bodyPr>
-            <a:normAutofit/>
-          </a:bodyPr>
-          <a:lstStyle/>
-          <a:p>
-            <a:pPr>
-              <a:lnSpc>
-                <a:spcPct val="150000"/>
-              </a:lnSpc>
-              <a:spcBef>
-                <a:spcPts val="0"/>
-              </a:spcBef>
-              <a:spcAft>
-                <a:spcPts val="600"/>
-              </a:spcAft>
-            </a:pPr>
-            <a:r>
-              <a:rPr lang="en-US" sz="2400" dirty="0">
-                <a:latin typeface="Times New Roman" panose="02020603050405020304" pitchFamily="18" charset="0"/>
-                <a:cs typeface="Times New Roman" panose="02020603050405020304" pitchFamily="18" charset="0"/>
-              </a:rPr>
-              <a:t>Dynamic properties of the web application need to be added.</a:t>
-            </a:r>
-          </a:p>
-          <a:p>
-            <a:pPr>
-              <a:lnSpc>
-                <a:spcPct val="150000"/>
-              </a:lnSpc>
-              <a:spcBef>
-                <a:spcPts val="0"/>
-              </a:spcBef>
-              <a:spcAft>
-                <a:spcPts val="600"/>
-              </a:spcAft>
-            </a:pPr>
-            <a:r>
-              <a:rPr lang="en-US" sz="2400" dirty="0">
-                <a:latin typeface="Times New Roman" panose="02020603050405020304" pitchFamily="18" charset="0"/>
-                <a:cs typeface="Times New Roman" panose="02020603050405020304" pitchFamily="18" charset="0"/>
-              </a:rPr>
-              <a:t>GAN model with the corresponding generator and discriminator needs to be built.</a:t>
-            </a:r>
-          </a:p>
-          <a:p>
-            <a:pPr>
-              <a:lnSpc>
-                <a:spcPct val="150000"/>
-              </a:lnSpc>
-              <a:spcBef>
-                <a:spcPts val="0"/>
-              </a:spcBef>
-              <a:spcAft>
-                <a:spcPts val="600"/>
-              </a:spcAft>
-            </a:pPr>
-            <a:r>
-              <a:rPr lang="en-US" sz="2400" dirty="0">
-                <a:latin typeface="Times New Roman" panose="02020603050405020304" pitchFamily="18" charset="0"/>
-                <a:cs typeface="Times New Roman" panose="02020603050405020304" pitchFamily="18" charset="0"/>
-              </a:rPr>
-              <a:t>Customizing the model to increase accuracy.</a:t>
-            </a:r>
-          </a:p>
-          <a:p>
-            <a:pPr>
-              <a:lnSpc>
-                <a:spcPct val="150000"/>
-              </a:lnSpc>
-              <a:spcBef>
-                <a:spcPts val="0"/>
-              </a:spcBef>
-              <a:spcAft>
-                <a:spcPts val="600"/>
-              </a:spcAft>
-            </a:pPr>
-            <a:r>
-              <a:rPr lang="en-US" sz="2400" dirty="0">
-                <a:latin typeface="Times New Roman" panose="02020603050405020304" pitchFamily="18" charset="0"/>
-                <a:cs typeface="Times New Roman" panose="02020603050405020304" pitchFamily="18" charset="0"/>
-              </a:rPr>
-              <a:t>Building database, creating APIs.</a:t>
-            </a:r>
-          </a:p>
-        </p:txBody>
-      </p:sp>
-      <p:sp>
-        <p:nvSpPr>
-          <p:cNvPr id="4" name="Title 1">
-            <a:extLst>
-              <a:ext uri="{FF2B5EF4-FFF2-40B4-BE49-F238E27FC236}">
-                <a16:creationId xmlns:a16="http://schemas.microsoft.com/office/drawing/2014/main" id="{6D663B74-2C5B-4317-A1E3-CF311E451B78}"/>
-              </a:ext>
-            </a:extLst>
-          </p:cNvPr>
-          <p:cNvSpPr>
-            <a:spLocks noGrp="1"/>
-          </p:cNvSpPr>
-          <p:nvPr>
-            <p:ph type="title"/>
-          </p:nvPr>
-        </p:nvSpPr>
-        <p:spPr>
-          <a:xfrm>
-            <a:off x="643467" y="321734"/>
-            <a:ext cx="10905066" cy="1135737"/>
-          </a:xfrm>
-        </p:spPr>
-        <p:txBody>
-          <a:bodyPr>
-            <a:normAutofit/>
-          </a:bodyPr>
-          <a:lstStyle/>
-          <a:p>
-            <a:r>
-              <a:rPr lang="en-US" sz="3600" b="1">
-                <a:latin typeface="Times New Roman"/>
-                <a:cs typeface="Calibri Light"/>
-              </a:rPr>
-              <a:t>Tasks remaining</a:t>
-            </a:r>
-            <a:endParaRPr lang="en-US" sz="3600" b="1">
-              <a:latin typeface="Times New Roman"/>
-              <a:cs typeface="Times New Roman"/>
-            </a:endParaRPr>
-          </a:p>
-        </p:txBody>
-      </p:sp>
-    </p:spTree>
-    <p:extLst>
-      <p:ext uri="{BB962C8B-B14F-4D97-AF65-F5344CB8AC3E}">
-        <p14:creationId xmlns:p14="http://schemas.microsoft.com/office/powerpoint/2010/main" val="1909848064"/>
-      </p:ext>
-    </p:extLst>
-  </p:cSld>
-  <p:clrMapOvr>
-    <a:masterClrMapping/>
-  </p:clrMapOvr>
-</p:sld>
-</file>
-
-<file path=ppt/slides/slide26.xml><?xml version="1.0" encoding="utf-8"?>
-<p:sld xmlns:a="http://schemas.openxmlformats.org/drawingml/2006/main" xmlns:r="http://schemas.openxmlformats.org/officeDocument/2006/relationships" xmlns:p="http://schemas.openxmlformats.org/presentationml/2006/main">
-  <p:cSld>
-    <p:bg>
-      <p:bgPr>
-        <a:solidFill>
-          <a:schemeClr val="bg1"/>
-        </a:solidFill>
-        <a:effectLst/>
-      </p:bgPr>
-    </p:bg>
-    <p:spTree>
-      <p:nvGrpSpPr>
-        <p:cNvPr id="1" name=""/>
-        <p:cNvGrpSpPr/>
-        <p:nvPr/>
-      </p:nvGrpSpPr>
-      <p:grpSpPr>
-        <a:xfrm>
-          <a:off x="0" y="0"/>
-          <a:ext cx="0" cy="0"/>
-          <a:chOff x="0" y="0"/>
-          <a:chExt cx="0" cy="0"/>
-        </a:xfrm>
-      </p:grpSpPr>
-      <p:sp>
-        <p:nvSpPr>
-          <p:cNvPr id="2" name="Title 1">
-            <a:extLst>
-              <a:ext uri="{FF2B5EF4-FFF2-40B4-BE49-F238E27FC236}">
-                <a16:creationId xmlns:a16="http://schemas.microsoft.com/office/drawing/2014/main" id="{05C73558-9850-4C4D-0C7D-615EA9C9149C}"/>
-              </a:ext>
-            </a:extLst>
-          </p:cNvPr>
-          <p:cNvSpPr>
-            <a:spLocks noGrp="1"/>
-          </p:cNvSpPr>
-          <p:nvPr>
-            <p:ph type="title"/>
-          </p:nvPr>
-        </p:nvSpPr>
-        <p:spPr>
-          <a:xfrm>
-            <a:off x="643467" y="321734"/>
-            <a:ext cx="10905066" cy="1135737"/>
-          </a:xfrm>
-        </p:spPr>
-        <p:txBody>
-          <a:bodyPr>
-            <a:normAutofit/>
-          </a:bodyPr>
-          <a:lstStyle/>
-          <a:p>
-            <a:r>
-              <a:rPr lang="en-US" sz="3600" b="1">
-                <a:latin typeface="Times New Roman"/>
-                <a:cs typeface="Calibri Light"/>
-              </a:rPr>
-              <a:t>References</a:t>
-            </a:r>
-            <a:endParaRPr lang="en-US" sz="3600" b="1">
-              <a:latin typeface="Times New Roman"/>
-              <a:cs typeface="Times New Roman"/>
-            </a:endParaRPr>
-          </a:p>
-        </p:txBody>
-      </p:sp>
-      <p:sp>
-        <p:nvSpPr>
-          <p:cNvPr id="3" name="Content Placeholder 2">
-            <a:extLst>
-              <a:ext uri="{FF2B5EF4-FFF2-40B4-BE49-F238E27FC236}">
-                <a16:creationId xmlns:a16="http://schemas.microsoft.com/office/drawing/2014/main" id="{CAA490FF-A792-B0B4-12CA-F56458A6D023}"/>
-              </a:ext>
-            </a:extLst>
-          </p:cNvPr>
-          <p:cNvSpPr>
-            <a:spLocks noGrp="1"/>
-          </p:cNvSpPr>
-          <p:nvPr>
-            <p:ph idx="1"/>
-          </p:nvPr>
-        </p:nvSpPr>
-        <p:spPr>
-          <a:xfrm>
-            <a:off x="643467" y="1300766"/>
-            <a:ext cx="10905066" cy="4876198"/>
-          </a:xfrm>
-        </p:spPr>
-        <p:txBody>
-          <a:bodyPr vert="horz" lIns="91440" tIns="45720" rIns="91440" bIns="45720" rtlCol="0" anchor="t">
-            <a:noAutofit/>
-          </a:bodyPr>
-          <a:lstStyle/>
-          <a:p>
-            <a:pPr marL="0" indent="0" algn="just">
-              <a:lnSpc>
-                <a:spcPct val="150000"/>
-              </a:lnSpc>
-              <a:spcBef>
-                <a:spcPts val="0"/>
-              </a:spcBef>
-              <a:buNone/>
-            </a:pPr>
-            <a:r>
-              <a:rPr lang="en-US" sz="2000">
-                <a:latin typeface="Times New Roman" panose="02020603050405020304" pitchFamily="18" charset="0"/>
-                <a:cs typeface="Times New Roman" panose="02020603050405020304" pitchFamily="18" charset="0"/>
-              </a:rPr>
-              <a:t>[1] S. Salve, T. Shah, V. </a:t>
-            </a:r>
-            <a:r>
-              <a:rPr lang="en-US" sz="2000" err="1">
-                <a:latin typeface="Times New Roman" panose="02020603050405020304" pitchFamily="18" charset="0"/>
-                <a:cs typeface="Times New Roman" panose="02020603050405020304" pitchFamily="18" charset="0"/>
-              </a:rPr>
-              <a:t>Ranjane</a:t>
-            </a:r>
-            <a:r>
-              <a:rPr lang="en-US" sz="2000">
-                <a:latin typeface="Times New Roman" panose="02020603050405020304" pitchFamily="18" charset="0"/>
-                <a:cs typeface="Times New Roman" panose="02020603050405020304" pitchFamily="18" charset="0"/>
-              </a:rPr>
-              <a:t>, and S. </a:t>
-            </a:r>
-            <a:r>
-              <a:rPr lang="en-US" sz="2000" err="1">
-                <a:latin typeface="Times New Roman" panose="02020603050405020304" pitchFamily="18" charset="0"/>
-                <a:cs typeface="Times New Roman" panose="02020603050405020304" pitchFamily="18" charset="0"/>
-              </a:rPr>
-              <a:t>Sadhukhan</a:t>
-            </a:r>
-            <a:r>
-              <a:rPr lang="en-US" sz="2000">
-                <a:latin typeface="Times New Roman" panose="02020603050405020304" pitchFamily="18" charset="0"/>
-                <a:cs typeface="Times New Roman" panose="02020603050405020304" pitchFamily="18" charset="0"/>
-              </a:rPr>
-              <a:t>, "Automatization of coloring grayscale images using convolutional neural network," 2018.</a:t>
-            </a:r>
-          </a:p>
-          <a:p>
-            <a:pPr marL="0" indent="0" algn="just">
-              <a:lnSpc>
-                <a:spcPct val="150000"/>
-              </a:lnSpc>
-              <a:spcBef>
-                <a:spcPts val="0"/>
-              </a:spcBef>
-              <a:buNone/>
-            </a:pPr>
-            <a:r>
-              <a:rPr lang="en-US" sz="2000">
-                <a:latin typeface="Times New Roman" panose="02020603050405020304" pitchFamily="18" charset="0"/>
-                <a:cs typeface="Times New Roman" panose="02020603050405020304" pitchFamily="18" charset="0"/>
-              </a:rPr>
-              <a:t>[2] V. K. Putri and M. I. Fanany, "Sketch plus colorization deep convolutional neural networks for photos generation from sketches," pp. 1-6, 2017. </a:t>
-            </a:r>
-          </a:p>
-          <a:p>
-            <a:pPr marL="0" indent="0" algn="just">
-              <a:lnSpc>
-                <a:spcPct val="150000"/>
-              </a:lnSpc>
-              <a:spcBef>
-                <a:spcPts val="0"/>
-              </a:spcBef>
-              <a:buNone/>
-            </a:pPr>
-            <a:r>
-              <a:rPr lang="en-US" sz="2000">
-                <a:latin typeface="Times New Roman" panose="02020603050405020304" pitchFamily="18" charset="0"/>
-                <a:cs typeface="Times New Roman" panose="02020603050405020304" pitchFamily="18" charset="0"/>
-              </a:rPr>
-              <a:t>[3] H. H. Chen Y, "An improved method for semantic image inpainting with </a:t>
-            </a:r>
-            <a:r>
-              <a:rPr lang="en-US" sz="2000" err="1">
-                <a:latin typeface="Times New Roman" panose="02020603050405020304" pitchFamily="18" charset="0"/>
-                <a:cs typeface="Times New Roman" panose="02020603050405020304" pitchFamily="18" charset="0"/>
-              </a:rPr>
-              <a:t>gans</a:t>
-            </a:r>
-            <a:r>
-              <a:rPr lang="en-US" sz="2000">
-                <a:latin typeface="Times New Roman" panose="02020603050405020304" pitchFamily="18" charset="0"/>
-                <a:cs typeface="Times New Roman" panose="02020603050405020304" pitchFamily="18" charset="0"/>
-              </a:rPr>
-              <a:t>: progressive inpainting.," Neural Process Lett, p. 1355–1367, 2019. </a:t>
-            </a:r>
-          </a:p>
-          <a:p>
-            <a:pPr marL="0" indent="0" algn="just">
-              <a:lnSpc>
-                <a:spcPct val="150000"/>
-              </a:lnSpc>
-              <a:spcBef>
-                <a:spcPts val="0"/>
-              </a:spcBef>
-              <a:buNone/>
-            </a:pPr>
-            <a:r>
-              <a:rPr lang="en-US" sz="2000">
-                <a:latin typeface="Times New Roman" panose="02020603050405020304" pitchFamily="18" charset="0"/>
-                <a:cs typeface="Times New Roman" panose="02020603050405020304" pitchFamily="18" charset="0"/>
-              </a:rPr>
-              <a:t>[4] Vitoria P, </a:t>
-            </a:r>
-            <a:r>
-              <a:rPr lang="en-US" sz="2000" err="1">
-                <a:latin typeface="Times New Roman" panose="02020603050405020304" pitchFamily="18" charset="0"/>
-                <a:cs typeface="Times New Roman" panose="02020603050405020304" pitchFamily="18" charset="0"/>
-              </a:rPr>
-              <a:t>Sintes</a:t>
-            </a:r>
-            <a:r>
-              <a:rPr lang="en-US" sz="2000">
-                <a:latin typeface="Times New Roman" panose="02020603050405020304" pitchFamily="18" charset="0"/>
-                <a:cs typeface="Times New Roman" panose="02020603050405020304" pitchFamily="18" charset="0"/>
-              </a:rPr>
-              <a:t> J, </a:t>
-            </a:r>
-            <a:r>
-              <a:rPr lang="en-US" sz="2000" err="1">
-                <a:latin typeface="Times New Roman" panose="02020603050405020304" pitchFamily="18" charset="0"/>
-                <a:cs typeface="Times New Roman" panose="02020603050405020304" pitchFamily="18" charset="0"/>
-              </a:rPr>
-              <a:t>Ballester</a:t>
-            </a:r>
-            <a:r>
-              <a:rPr lang="en-US" sz="2000">
-                <a:latin typeface="Times New Roman" panose="02020603050405020304" pitchFamily="18" charset="0"/>
-                <a:cs typeface="Times New Roman" panose="02020603050405020304" pitchFamily="18" charset="0"/>
-              </a:rPr>
-              <a:t> C, "Semantic image inpainting through improved Wasserstein generative adversarial networks," 2018.</a:t>
-            </a:r>
-          </a:p>
-          <a:p>
-            <a:pPr marL="0" indent="0" algn="just">
-              <a:lnSpc>
-                <a:spcPct val="150000"/>
-              </a:lnSpc>
-              <a:spcBef>
-                <a:spcPts val="0"/>
-              </a:spcBef>
-              <a:buNone/>
-            </a:pPr>
-            <a:r>
-              <a:rPr lang="en-US" sz="2000">
-                <a:latin typeface="Times New Roman" panose="02020603050405020304" pitchFamily="18" charset="0"/>
-                <a:cs typeface="Times New Roman" panose="02020603050405020304" pitchFamily="18" charset="0"/>
-              </a:rPr>
-              <a:t>[5] </a:t>
-            </a:r>
-            <a:r>
-              <a:rPr lang="en-US" sz="2000" err="1">
-                <a:latin typeface="Times New Roman" panose="02020603050405020304" pitchFamily="18" charset="0"/>
-                <a:cs typeface="Times New Roman" panose="02020603050405020304" pitchFamily="18" charset="0"/>
-              </a:rPr>
-              <a:t>Nazeri</a:t>
-            </a:r>
-            <a:r>
-              <a:rPr lang="en-US" sz="2000">
-                <a:latin typeface="Times New Roman" panose="02020603050405020304" pitchFamily="18" charset="0"/>
-                <a:cs typeface="Times New Roman" panose="02020603050405020304" pitchFamily="18" charset="0"/>
-              </a:rPr>
-              <a:t> K, Ng E, Joseph T, Qureshi F, Ebrahimi M, "</a:t>
-            </a:r>
-            <a:r>
-              <a:rPr lang="en-US" sz="2000" err="1">
-                <a:latin typeface="Times New Roman" panose="02020603050405020304" pitchFamily="18" charset="0"/>
-                <a:cs typeface="Times New Roman" panose="02020603050405020304" pitchFamily="18" charset="0"/>
-              </a:rPr>
-              <a:t>Edgeconnect</a:t>
-            </a:r>
-            <a:r>
-              <a:rPr lang="en-US" sz="2000">
-                <a:latin typeface="Times New Roman" panose="02020603050405020304" pitchFamily="18" charset="0"/>
-                <a:cs typeface="Times New Roman" panose="02020603050405020304" pitchFamily="18" charset="0"/>
-              </a:rPr>
-              <a:t>: generative image inpainting with adversarial edge learning," 2019.  </a:t>
-            </a:r>
-          </a:p>
-          <a:p>
-            <a:pPr marL="0" indent="0" algn="just">
-              <a:lnSpc>
-                <a:spcPct val="150000"/>
-              </a:lnSpc>
-              <a:spcBef>
-                <a:spcPts val="0"/>
-              </a:spcBef>
-              <a:buNone/>
-            </a:pPr>
-            <a:r>
-              <a:rPr lang="en-US" sz="2000">
-                <a:latin typeface="Times New Roman" panose="02020603050405020304" pitchFamily="18" charset="0"/>
-                <a:cs typeface="Times New Roman" panose="02020603050405020304" pitchFamily="18" charset="0"/>
-              </a:rPr>
-              <a:t>[6] Yuan L, </a:t>
-            </a:r>
-            <a:r>
-              <a:rPr lang="en-US" sz="2000" err="1">
-                <a:latin typeface="Times New Roman" panose="02020603050405020304" pitchFamily="18" charset="0"/>
-                <a:cs typeface="Times New Roman" panose="02020603050405020304" pitchFamily="18" charset="0"/>
-              </a:rPr>
-              <a:t>Ruan</a:t>
-            </a:r>
-            <a:r>
-              <a:rPr lang="en-US" sz="2000">
-                <a:latin typeface="Times New Roman" panose="02020603050405020304" pitchFamily="18" charset="0"/>
-                <a:cs typeface="Times New Roman" panose="02020603050405020304" pitchFamily="18" charset="0"/>
-              </a:rPr>
-              <a:t> C, Hu H, Chen D, "Image inpainting based on patch-GANs," 2019. </a:t>
-            </a:r>
-          </a:p>
-          <a:p>
-            <a:pPr marL="457200" indent="-457200" algn="just">
-              <a:buAutoNum type="arabicPeriod"/>
-            </a:pPr>
-            <a:endParaRPr lang="en-US" sz="2000">
-              <a:latin typeface="Times New Roman" panose="02020603050405020304" pitchFamily="18" charset="0"/>
-              <a:cs typeface="Times New Roman" panose="02020603050405020304" pitchFamily="18" charset="0"/>
-            </a:endParaRPr>
-          </a:p>
-        </p:txBody>
-      </p:sp>
-    </p:spTree>
-    <p:extLst>
-      <p:ext uri="{BB962C8B-B14F-4D97-AF65-F5344CB8AC3E}">
-        <p14:creationId xmlns:p14="http://schemas.microsoft.com/office/powerpoint/2010/main" val="3745978786"/>
-      </p:ext>
-    </p:extLst>
-  </p:cSld>
-  <p:clrMapOvr>
-    <a:masterClrMapping/>
-  </p:clrMapOvr>
-</p:sld>
-</file>
-
-<file path=ppt/slides/slide27.xml><?xml version="1.0" encoding="utf-8"?>
-<p:sld xmlns:a="http://schemas.openxmlformats.org/drawingml/2006/main" xmlns:r="http://schemas.openxmlformats.org/officeDocument/2006/relationships" xmlns:p="http://schemas.openxmlformats.org/presentationml/2006/main">
-  <p:cSld>
-    <p:bg>
-      <p:bgPr>
-        <a:solidFill>
-          <a:schemeClr val="bg1"/>
-        </a:solidFill>
-        <a:effectLst/>
-      </p:bgPr>
-    </p:bg>
-    <p:spTree>
-      <p:nvGrpSpPr>
-        <p:cNvPr id="1" name=""/>
-        <p:cNvGrpSpPr/>
-        <p:nvPr/>
-      </p:nvGrpSpPr>
-      <p:grpSpPr>
-        <a:xfrm>
-          <a:off x="0" y="0"/>
-          <a:ext cx="0" cy="0"/>
-          <a:chOff x="0" y="0"/>
-          <a:chExt cx="0" cy="0"/>
-        </a:xfrm>
-      </p:grpSpPr>
-      <p:sp>
-        <p:nvSpPr>
-          <p:cNvPr id="3" name="Content Placeholder 2">
-            <a:extLst>
-              <a:ext uri="{FF2B5EF4-FFF2-40B4-BE49-F238E27FC236}">
-                <a16:creationId xmlns:a16="http://schemas.microsoft.com/office/drawing/2014/main" id="{27F2EB5A-25A5-83FB-83F4-B9F8B2B91077}"/>
-              </a:ext>
-            </a:extLst>
-          </p:cNvPr>
-          <p:cNvSpPr>
-            <a:spLocks noGrp="1"/>
-          </p:cNvSpPr>
-          <p:nvPr>
-            <p:ph idx="1"/>
-          </p:nvPr>
-        </p:nvSpPr>
-        <p:spPr>
-          <a:xfrm>
-            <a:off x="643467" y="1076737"/>
-            <a:ext cx="10905066" cy="4393982"/>
-          </a:xfrm>
-        </p:spPr>
-        <p:txBody>
-          <a:bodyPr vert="horz" lIns="91440" tIns="45720" rIns="91440" bIns="45720" rtlCol="0" anchor="ctr">
-            <a:normAutofit/>
-          </a:bodyPr>
-          <a:lstStyle/>
-          <a:p>
-            <a:pPr marL="0" indent="0" algn="ctr">
-              <a:buNone/>
-            </a:pPr>
-            <a:r>
-              <a:rPr lang="en-US" sz="5000">
-                <a:latin typeface="Times New Roman"/>
-                <a:cs typeface="Calibri" panose="020F0502020204030204"/>
-              </a:rPr>
-              <a:t>Thank You</a:t>
-            </a:r>
-            <a:endParaRPr lang="en-US" sz="5000">
-              <a:cs typeface="Calibri"/>
-            </a:endParaRPr>
-          </a:p>
-        </p:txBody>
-      </p:sp>
-    </p:spTree>
-    <p:extLst>
-      <p:ext uri="{BB962C8B-B14F-4D97-AF65-F5344CB8AC3E}">
-        <p14:creationId xmlns:p14="http://schemas.microsoft.com/office/powerpoint/2010/main" val="1770231167"/>
-      </p:ext>
-    </p:extLst>
-  </p:cSld>
-  <p:clrMapOvr>
-    <a:masterClrMapping/>
-  </p:clrMapOvr>
-</p:sld>
-</file>
-
 <file path=ppt/slides/slide3.xml><?xml version="1.0" encoding="utf-8"?>
 <p:sld xmlns:a="http://schemas.openxmlformats.org/drawingml/2006/main" xmlns:r="http://schemas.openxmlformats.org/officeDocument/2006/relationships" xmlns:p="http://schemas.openxmlformats.org/presentationml/2006/main">
   <p:cSld>
@@ -6650,6 +6810,993 @@
     <p:extLst>
       <p:ext uri="{BB962C8B-B14F-4D97-AF65-F5344CB8AC3E}">
         <p14:creationId xmlns:p14="http://schemas.microsoft.com/office/powerpoint/2010/main" val="1870114896"/>
+      </p:ext>
+    </p:extLst>
+  </p:cSld>
+  <p:clrMapOvr>
+    <a:masterClrMapping/>
+  </p:clrMapOvr>
+</p:sld>
+</file>
+
+<file path=ppt/slides/slide30.xml><?xml version="1.0" encoding="utf-8"?>
+<p:sld xmlns:a="http://schemas.openxmlformats.org/drawingml/2006/main" xmlns:r="http://schemas.openxmlformats.org/officeDocument/2006/relationships" xmlns:p="http://schemas.openxmlformats.org/presentationml/2006/main">
+  <p:cSld>
+    <p:bg>
+      <p:bgPr>
+        <a:solidFill>
+          <a:schemeClr val="bg1"/>
+        </a:solidFill>
+        <a:effectLst/>
+      </p:bgPr>
+    </p:bg>
+    <p:spTree>
+      <p:nvGrpSpPr>
+        <p:cNvPr id="1" name=""/>
+        <p:cNvGrpSpPr/>
+        <p:nvPr/>
+      </p:nvGrpSpPr>
+      <p:grpSpPr>
+        <a:xfrm>
+          <a:off x="0" y="0"/>
+          <a:ext cx="0" cy="0"/>
+          <a:chOff x="0" y="0"/>
+          <a:chExt cx="0" cy="0"/>
+        </a:xfrm>
+      </p:grpSpPr>
+      <p:sp>
+        <p:nvSpPr>
+          <p:cNvPr id="3" name="Content Placeholder 2">
+            <a:extLst>
+              <a:ext uri="{FF2B5EF4-FFF2-40B4-BE49-F238E27FC236}">
+                <a16:creationId xmlns:a16="http://schemas.microsoft.com/office/drawing/2014/main" id="{A71E7746-F2D2-121B-BAF0-A7DD5CA3AC66}"/>
+              </a:ext>
+            </a:extLst>
+          </p:cNvPr>
+          <p:cNvSpPr>
+            <a:spLocks noGrp="1"/>
+          </p:cNvSpPr>
+          <p:nvPr>
+            <p:ph idx="1"/>
+          </p:nvPr>
+        </p:nvSpPr>
+        <p:spPr>
+          <a:xfrm>
+            <a:off x="643467" y="713127"/>
+            <a:ext cx="10905066" cy="5463836"/>
+          </a:xfrm>
+        </p:spPr>
+        <p:txBody>
+          <a:bodyPr>
+            <a:normAutofit/>
+          </a:bodyPr>
+          <a:lstStyle/>
+          <a:p>
+            <a:pPr marL="0" indent="0">
+              <a:lnSpc>
+                <a:spcPct val="160000"/>
+              </a:lnSpc>
+              <a:spcBef>
+                <a:spcPts val="0"/>
+              </a:spcBef>
+              <a:spcAft>
+                <a:spcPts val="600"/>
+              </a:spcAft>
+              <a:buNone/>
+            </a:pPr>
+            <a:r>
+              <a:rPr lang="en-US" b="1">
+                <a:latin typeface="Times New Roman" panose="02020603050405020304" pitchFamily="18" charset="0"/>
+                <a:cs typeface="Times New Roman" panose="02020603050405020304" pitchFamily="18" charset="0"/>
+              </a:rPr>
+              <a:t>Frontend development:</a:t>
+            </a:r>
+            <a:endParaRPr lang="en-US" b="1">
+              <a:latin typeface="Times New Roman"/>
+              <a:cs typeface="Times New Roman"/>
+            </a:endParaRPr>
+          </a:p>
+          <a:p>
+            <a:pPr>
+              <a:lnSpc>
+                <a:spcPct val="160000"/>
+              </a:lnSpc>
+              <a:spcBef>
+                <a:spcPts val="0"/>
+              </a:spcBef>
+              <a:spcAft>
+                <a:spcPts val="600"/>
+              </a:spcAft>
+            </a:pPr>
+            <a:r>
+              <a:rPr lang="en-US" sz="2400">
+                <a:latin typeface="Times New Roman" panose="02020603050405020304" pitchFamily="18" charset="0"/>
+                <a:cs typeface="Times New Roman" panose="02020603050405020304" pitchFamily="18" charset="0"/>
+              </a:rPr>
+              <a:t>JavaScript – React</a:t>
+            </a:r>
+          </a:p>
+          <a:p>
+            <a:pPr>
+              <a:lnSpc>
+                <a:spcPct val="160000"/>
+              </a:lnSpc>
+              <a:spcBef>
+                <a:spcPts val="0"/>
+              </a:spcBef>
+              <a:spcAft>
+                <a:spcPts val="600"/>
+              </a:spcAft>
+            </a:pPr>
+            <a:r>
+              <a:rPr lang="en-US" sz="2400">
+                <a:latin typeface="Times New Roman"/>
+                <a:cs typeface="Times New Roman"/>
+              </a:rPr>
+              <a:t>CSS</a:t>
+            </a:r>
+          </a:p>
+          <a:p>
+            <a:pPr marL="0" indent="0">
+              <a:lnSpc>
+                <a:spcPct val="160000"/>
+              </a:lnSpc>
+              <a:spcBef>
+                <a:spcPts val="0"/>
+              </a:spcBef>
+              <a:spcAft>
+                <a:spcPts val="600"/>
+              </a:spcAft>
+              <a:buNone/>
+            </a:pPr>
+            <a:endParaRPr lang="en-US" sz="2000" b="1">
+              <a:latin typeface="Times New Roman"/>
+              <a:ea typeface="+mn-lt"/>
+              <a:cs typeface="Times New Roman"/>
+            </a:endParaRPr>
+          </a:p>
+          <a:p>
+            <a:pPr marL="0" indent="0">
+              <a:lnSpc>
+                <a:spcPct val="160000"/>
+              </a:lnSpc>
+              <a:spcBef>
+                <a:spcPts val="0"/>
+              </a:spcBef>
+              <a:spcAft>
+                <a:spcPts val="600"/>
+              </a:spcAft>
+              <a:buNone/>
+            </a:pPr>
+            <a:r>
+              <a:rPr lang="en-US" b="1">
+                <a:latin typeface="Times New Roman"/>
+                <a:cs typeface="Times New Roman"/>
+              </a:rPr>
+              <a:t>Backend development:</a:t>
+            </a:r>
+          </a:p>
+          <a:p>
+            <a:pPr>
+              <a:lnSpc>
+                <a:spcPct val="150000"/>
+              </a:lnSpc>
+              <a:spcBef>
+                <a:spcPts val="0"/>
+              </a:spcBef>
+              <a:spcAft>
+                <a:spcPts val="600"/>
+              </a:spcAft>
+            </a:pPr>
+            <a:r>
+              <a:rPr lang="en-US" sz="2400">
+                <a:latin typeface="Times New Roman"/>
+                <a:cs typeface="Times New Roman"/>
+              </a:rPr>
+              <a:t>Node JS</a:t>
+            </a:r>
+            <a:endParaRPr lang="en-US" sz="2400">
+              <a:latin typeface="Times New Roman"/>
+              <a:ea typeface="+mn-lt"/>
+              <a:cs typeface="+mn-lt"/>
+            </a:endParaRPr>
+          </a:p>
+          <a:p>
+            <a:pPr>
+              <a:lnSpc>
+                <a:spcPct val="150000"/>
+              </a:lnSpc>
+              <a:spcBef>
+                <a:spcPts val="0"/>
+              </a:spcBef>
+              <a:spcAft>
+                <a:spcPts val="600"/>
+              </a:spcAft>
+            </a:pPr>
+            <a:r>
+              <a:rPr lang="en-US" sz="2400">
+                <a:latin typeface="Times New Roman"/>
+                <a:ea typeface="+mn-lt"/>
+                <a:cs typeface="+mn-lt"/>
+              </a:rPr>
+              <a:t>Python</a:t>
+            </a:r>
+            <a:endParaRPr lang="en-US" sz="2400">
+              <a:latin typeface="Times New Roman"/>
+              <a:cs typeface="Times New Roman"/>
+            </a:endParaRPr>
+          </a:p>
+          <a:p>
+            <a:endParaRPr lang="en-US" sz="2000"/>
+          </a:p>
+        </p:txBody>
+      </p:sp>
+    </p:spTree>
+    <p:extLst>
+      <p:ext uri="{BB962C8B-B14F-4D97-AF65-F5344CB8AC3E}">
+        <p14:creationId xmlns:p14="http://schemas.microsoft.com/office/powerpoint/2010/main" val="30016698"/>
+      </p:ext>
+    </p:extLst>
+  </p:cSld>
+  <p:clrMapOvr>
+    <a:masterClrMapping/>
+  </p:clrMapOvr>
+</p:sld>
+</file>
+
+<file path=ppt/slides/slide31.xml><?xml version="1.0" encoding="utf-8"?>
+<p:sld xmlns:a="http://schemas.openxmlformats.org/drawingml/2006/main" xmlns:r="http://schemas.openxmlformats.org/officeDocument/2006/relationships" xmlns:p="http://schemas.openxmlformats.org/presentationml/2006/main">
+  <p:cSld>
+    <p:spTree>
+      <p:nvGrpSpPr>
+        <p:cNvPr id="1" name=""/>
+        <p:cNvGrpSpPr/>
+        <p:nvPr/>
+      </p:nvGrpSpPr>
+      <p:grpSpPr>
+        <a:xfrm>
+          <a:off x="0" y="0"/>
+          <a:ext cx="0" cy="0"/>
+          <a:chOff x="0" y="0"/>
+          <a:chExt cx="0" cy="0"/>
+        </a:xfrm>
+      </p:grpSpPr>
+      <p:sp>
+        <p:nvSpPr>
+          <p:cNvPr id="3" name="Content Placeholder 2">
+            <a:extLst>
+              <a:ext uri="{FF2B5EF4-FFF2-40B4-BE49-F238E27FC236}">
+                <a16:creationId xmlns:a16="http://schemas.microsoft.com/office/drawing/2014/main" id="{ACDC6698-1295-4E10-B360-F7316E067EEB}"/>
+              </a:ext>
+            </a:extLst>
+          </p:cNvPr>
+          <p:cNvSpPr>
+            <a:spLocks noGrp="1"/>
+          </p:cNvSpPr>
+          <p:nvPr>
+            <p:ph idx="1"/>
+          </p:nvPr>
+        </p:nvSpPr>
+        <p:spPr>
+          <a:xfrm>
+            <a:off x="643467" y="1825625"/>
+            <a:ext cx="10710333" cy="4351338"/>
+          </a:xfrm>
+        </p:spPr>
+        <p:txBody>
+          <a:bodyPr>
+            <a:normAutofit/>
+          </a:bodyPr>
+          <a:lstStyle/>
+          <a:p>
+            <a:pPr algn="just">
+              <a:lnSpc>
+                <a:spcPct val="150000"/>
+              </a:lnSpc>
+              <a:spcBef>
+                <a:spcPts val="0"/>
+              </a:spcBef>
+              <a:spcAft>
+                <a:spcPts val="600"/>
+              </a:spcAft>
+            </a:pPr>
+            <a:r>
+              <a:rPr lang="en-US" sz="2400" dirty="0">
+                <a:latin typeface="Times New Roman" panose="02020603050405020304" pitchFamily="18" charset="0"/>
+                <a:cs typeface="Times New Roman" panose="02020603050405020304" pitchFamily="18" charset="0"/>
+              </a:rPr>
+              <a:t>A homepage showcasing the basic functionality of our application has been created.</a:t>
+            </a:r>
+          </a:p>
+          <a:p>
+            <a:pPr algn="just">
+              <a:lnSpc>
+                <a:spcPct val="150000"/>
+              </a:lnSpc>
+              <a:spcBef>
+                <a:spcPts val="0"/>
+              </a:spcBef>
+              <a:spcAft>
+                <a:spcPts val="600"/>
+              </a:spcAft>
+            </a:pPr>
+            <a:r>
+              <a:rPr lang="en-US" sz="2400" dirty="0">
+                <a:latin typeface="Times New Roman" panose="02020603050405020304" pitchFamily="18" charset="0"/>
+                <a:cs typeface="Times New Roman" panose="02020603050405020304" pitchFamily="18" charset="0"/>
+              </a:rPr>
+              <a:t>Reviewed some research papers on GAN models used for image inpainting.</a:t>
+            </a:r>
+          </a:p>
+          <a:p>
+            <a:pPr algn="just">
+              <a:lnSpc>
+                <a:spcPct val="150000"/>
+              </a:lnSpc>
+              <a:spcBef>
+                <a:spcPts val="0"/>
+              </a:spcBef>
+              <a:spcAft>
+                <a:spcPts val="600"/>
+              </a:spcAft>
+            </a:pPr>
+            <a:r>
+              <a:rPr lang="en-US" sz="2400" dirty="0">
+                <a:latin typeface="Times New Roman" panose="02020603050405020304" pitchFamily="18" charset="0"/>
+                <a:cs typeface="Times New Roman" panose="02020603050405020304" pitchFamily="18" charset="0"/>
+              </a:rPr>
+              <a:t>Obtained “places” dataset and prepared the data in a suitable form to train the model.</a:t>
+            </a:r>
+          </a:p>
+        </p:txBody>
+      </p:sp>
+      <p:sp>
+        <p:nvSpPr>
+          <p:cNvPr id="4" name="Title 1">
+            <a:extLst>
+              <a:ext uri="{FF2B5EF4-FFF2-40B4-BE49-F238E27FC236}">
+                <a16:creationId xmlns:a16="http://schemas.microsoft.com/office/drawing/2014/main" id="{FB160293-04D9-4C61-BCBD-06757DEC5B20}"/>
+              </a:ext>
+            </a:extLst>
+          </p:cNvPr>
+          <p:cNvSpPr>
+            <a:spLocks noGrp="1"/>
+          </p:cNvSpPr>
+          <p:nvPr>
+            <p:ph type="title"/>
+          </p:nvPr>
+        </p:nvSpPr>
+        <p:spPr>
+          <a:xfrm>
+            <a:off x="643467" y="321734"/>
+            <a:ext cx="10905066" cy="1135737"/>
+          </a:xfrm>
+        </p:spPr>
+        <p:txBody>
+          <a:bodyPr>
+            <a:normAutofit/>
+          </a:bodyPr>
+          <a:lstStyle/>
+          <a:p>
+            <a:r>
+              <a:rPr lang="en-US" sz="3600" b="1">
+                <a:latin typeface="Times New Roman"/>
+                <a:cs typeface="Calibri Light"/>
+              </a:rPr>
+              <a:t>Tasks completed</a:t>
+            </a:r>
+            <a:endParaRPr lang="en-US" sz="3600" b="1">
+              <a:latin typeface="Times New Roman"/>
+              <a:cs typeface="Times New Roman"/>
+            </a:endParaRPr>
+          </a:p>
+        </p:txBody>
+      </p:sp>
+    </p:spTree>
+    <p:extLst>
+      <p:ext uri="{BB962C8B-B14F-4D97-AF65-F5344CB8AC3E}">
+        <p14:creationId xmlns:p14="http://schemas.microsoft.com/office/powerpoint/2010/main" val="2735958904"/>
+      </p:ext>
+    </p:extLst>
+  </p:cSld>
+  <p:clrMapOvr>
+    <a:masterClrMapping/>
+  </p:clrMapOvr>
+</p:sld>
+</file>
+
+<file path=ppt/slides/slide32.xml><?xml version="1.0" encoding="utf-8"?>
+<p:sld xmlns:a="http://schemas.openxmlformats.org/drawingml/2006/main" xmlns:r="http://schemas.openxmlformats.org/officeDocument/2006/relationships" xmlns:p="http://schemas.openxmlformats.org/presentationml/2006/main">
+  <p:cSld>
+    <p:spTree>
+      <p:nvGrpSpPr>
+        <p:cNvPr id="1" name=""/>
+        <p:cNvGrpSpPr/>
+        <p:nvPr/>
+      </p:nvGrpSpPr>
+      <p:grpSpPr>
+        <a:xfrm>
+          <a:off x="0" y="0"/>
+          <a:ext cx="0" cy="0"/>
+          <a:chOff x="0" y="0"/>
+          <a:chExt cx="0" cy="0"/>
+        </a:xfrm>
+      </p:grpSpPr>
+      <p:sp>
+        <p:nvSpPr>
+          <p:cNvPr id="3" name="Content Placeholder 2">
+            <a:extLst>
+              <a:ext uri="{FF2B5EF4-FFF2-40B4-BE49-F238E27FC236}">
+                <a16:creationId xmlns:a16="http://schemas.microsoft.com/office/drawing/2014/main" id="{DBB8CAF1-A279-4F01-82DD-3DDE1B4FD958}"/>
+              </a:ext>
+            </a:extLst>
+          </p:cNvPr>
+          <p:cNvSpPr>
+            <a:spLocks noGrp="1"/>
+          </p:cNvSpPr>
+          <p:nvPr>
+            <p:ph idx="1"/>
+          </p:nvPr>
+        </p:nvSpPr>
+        <p:spPr>
+          <a:xfrm>
+            <a:off x="643467" y="1825625"/>
+            <a:ext cx="10710333" cy="4351338"/>
+          </a:xfrm>
+        </p:spPr>
+        <p:txBody>
+          <a:bodyPr>
+            <a:normAutofit/>
+          </a:bodyPr>
+          <a:lstStyle/>
+          <a:p>
+            <a:pPr>
+              <a:lnSpc>
+                <a:spcPct val="150000"/>
+              </a:lnSpc>
+              <a:spcBef>
+                <a:spcPts val="0"/>
+              </a:spcBef>
+              <a:spcAft>
+                <a:spcPts val="600"/>
+              </a:spcAft>
+            </a:pPr>
+            <a:r>
+              <a:rPr lang="en-US" sz="2400" dirty="0">
+                <a:latin typeface="Times New Roman" panose="02020603050405020304" pitchFamily="18" charset="0"/>
+                <a:cs typeface="Times New Roman" panose="02020603050405020304" pitchFamily="18" charset="0"/>
+              </a:rPr>
+              <a:t>Dynamic properties of the web application need to be added.</a:t>
+            </a:r>
+          </a:p>
+          <a:p>
+            <a:pPr>
+              <a:lnSpc>
+                <a:spcPct val="150000"/>
+              </a:lnSpc>
+              <a:spcBef>
+                <a:spcPts val="0"/>
+              </a:spcBef>
+              <a:spcAft>
+                <a:spcPts val="600"/>
+              </a:spcAft>
+            </a:pPr>
+            <a:r>
+              <a:rPr lang="en-US" sz="2400" dirty="0">
+                <a:latin typeface="Times New Roman" panose="02020603050405020304" pitchFamily="18" charset="0"/>
+                <a:cs typeface="Times New Roman" panose="02020603050405020304" pitchFamily="18" charset="0"/>
+              </a:rPr>
+              <a:t>GAN model with the corresponding generator and discriminator needs to be built.</a:t>
+            </a:r>
+          </a:p>
+          <a:p>
+            <a:pPr>
+              <a:lnSpc>
+                <a:spcPct val="150000"/>
+              </a:lnSpc>
+              <a:spcBef>
+                <a:spcPts val="0"/>
+              </a:spcBef>
+              <a:spcAft>
+                <a:spcPts val="600"/>
+              </a:spcAft>
+            </a:pPr>
+            <a:r>
+              <a:rPr lang="en-US" sz="2400" dirty="0">
+                <a:latin typeface="Times New Roman" panose="02020603050405020304" pitchFamily="18" charset="0"/>
+                <a:cs typeface="Times New Roman" panose="02020603050405020304" pitchFamily="18" charset="0"/>
+              </a:rPr>
+              <a:t>Customizing the model to increase accuracy.</a:t>
+            </a:r>
+          </a:p>
+          <a:p>
+            <a:pPr>
+              <a:lnSpc>
+                <a:spcPct val="150000"/>
+              </a:lnSpc>
+              <a:spcBef>
+                <a:spcPts val="0"/>
+              </a:spcBef>
+              <a:spcAft>
+                <a:spcPts val="600"/>
+              </a:spcAft>
+            </a:pPr>
+            <a:r>
+              <a:rPr lang="en-US" sz="2400" dirty="0">
+                <a:latin typeface="Times New Roman" panose="02020603050405020304" pitchFamily="18" charset="0"/>
+                <a:cs typeface="Times New Roman" panose="02020603050405020304" pitchFamily="18" charset="0"/>
+              </a:rPr>
+              <a:t>Building database, creating APIs.</a:t>
+            </a:r>
+          </a:p>
+        </p:txBody>
+      </p:sp>
+      <p:sp>
+        <p:nvSpPr>
+          <p:cNvPr id="4" name="Title 1">
+            <a:extLst>
+              <a:ext uri="{FF2B5EF4-FFF2-40B4-BE49-F238E27FC236}">
+                <a16:creationId xmlns:a16="http://schemas.microsoft.com/office/drawing/2014/main" id="{6D663B74-2C5B-4317-A1E3-CF311E451B78}"/>
+              </a:ext>
+            </a:extLst>
+          </p:cNvPr>
+          <p:cNvSpPr>
+            <a:spLocks noGrp="1"/>
+          </p:cNvSpPr>
+          <p:nvPr>
+            <p:ph type="title"/>
+          </p:nvPr>
+        </p:nvSpPr>
+        <p:spPr>
+          <a:xfrm>
+            <a:off x="643467" y="321734"/>
+            <a:ext cx="10905066" cy="1135737"/>
+          </a:xfrm>
+        </p:spPr>
+        <p:txBody>
+          <a:bodyPr>
+            <a:normAutofit/>
+          </a:bodyPr>
+          <a:lstStyle/>
+          <a:p>
+            <a:r>
+              <a:rPr lang="en-US" sz="3600" b="1">
+                <a:latin typeface="Times New Roman"/>
+                <a:cs typeface="Calibri Light"/>
+              </a:rPr>
+              <a:t>Tasks remaining</a:t>
+            </a:r>
+            <a:endParaRPr lang="en-US" sz="3600" b="1">
+              <a:latin typeface="Times New Roman"/>
+              <a:cs typeface="Times New Roman"/>
+            </a:endParaRPr>
+          </a:p>
+        </p:txBody>
+      </p:sp>
+    </p:spTree>
+    <p:extLst>
+      <p:ext uri="{BB962C8B-B14F-4D97-AF65-F5344CB8AC3E}">
+        <p14:creationId xmlns:p14="http://schemas.microsoft.com/office/powerpoint/2010/main" val="1909848064"/>
+      </p:ext>
+    </p:extLst>
+  </p:cSld>
+  <p:clrMapOvr>
+    <a:masterClrMapping/>
+  </p:clrMapOvr>
+</p:sld>
+</file>
+
+<file path=ppt/slides/slide33.xml><?xml version="1.0" encoding="utf-8"?>
+<p:sld xmlns:a="http://schemas.openxmlformats.org/drawingml/2006/main" xmlns:r="http://schemas.openxmlformats.org/officeDocument/2006/relationships" xmlns:p="http://schemas.openxmlformats.org/presentationml/2006/main">
+  <p:cSld>
+    <p:bg>
+      <p:bgPr>
+        <a:solidFill>
+          <a:schemeClr val="bg1"/>
+        </a:solidFill>
+        <a:effectLst/>
+      </p:bgPr>
+    </p:bg>
+    <p:spTree>
+      <p:nvGrpSpPr>
+        <p:cNvPr id="1" name=""/>
+        <p:cNvGrpSpPr/>
+        <p:nvPr/>
+      </p:nvGrpSpPr>
+      <p:grpSpPr>
+        <a:xfrm>
+          <a:off x="0" y="0"/>
+          <a:ext cx="0" cy="0"/>
+          <a:chOff x="0" y="0"/>
+          <a:chExt cx="0" cy="0"/>
+        </a:xfrm>
+      </p:grpSpPr>
+      <p:sp>
+        <p:nvSpPr>
+          <p:cNvPr id="2" name="Title 1">
+            <a:extLst>
+              <a:ext uri="{FF2B5EF4-FFF2-40B4-BE49-F238E27FC236}">
+                <a16:creationId xmlns:a16="http://schemas.microsoft.com/office/drawing/2014/main" id="{05C73558-9850-4C4D-0C7D-615EA9C9149C}"/>
+              </a:ext>
+            </a:extLst>
+          </p:cNvPr>
+          <p:cNvSpPr>
+            <a:spLocks noGrp="1"/>
+          </p:cNvSpPr>
+          <p:nvPr>
+            <p:ph type="title"/>
+          </p:nvPr>
+        </p:nvSpPr>
+        <p:spPr>
+          <a:xfrm>
+            <a:off x="643467" y="321734"/>
+            <a:ext cx="10905066" cy="1135737"/>
+          </a:xfrm>
+        </p:spPr>
+        <p:txBody>
+          <a:bodyPr>
+            <a:normAutofit/>
+          </a:bodyPr>
+          <a:lstStyle/>
+          <a:p>
+            <a:r>
+              <a:rPr lang="en-US" sz="3600" b="1">
+                <a:latin typeface="Times New Roman"/>
+                <a:cs typeface="Calibri Light"/>
+              </a:rPr>
+              <a:t>References</a:t>
+            </a:r>
+            <a:endParaRPr lang="en-US" sz="3600" b="1">
+              <a:latin typeface="Times New Roman"/>
+              <a:cs typeface="Times New Roman"/>
+            </a:endParaRPr>
+          </a:p>
+        </p:txBody>
+      </p:sp>
+      <p:sp>
+        <p:nvSpPr>
+          <p:cNvPr id="3" name="Content Placeholder 2">
+            <a:extLst>
+              <a:ext uri="{FF2B5EF4-FFF2-40B4-BE49-F238E27FC236}">
+                <a16:creationId xmlns:a16="http://schemas.microsoft.com/office/drawing/2014/main" id="{CAA490FF-A792-B0B4-12CA-F56458A6D023}"/>
+              </a:ext>
+            </a:extLst>
+          </p:cNvPr>
+          <p:cNvSpPr>
+            <a:spLocks noGrp="1"/>
+          </p:cNvSpPr>
+          <p:nvPr>
+            <p:ph idx="1"/>
+          </p:nvPr>
+        </p:nvSpPr>
+        <p:spPr>
+          <a:xfrm>
+            <a:off x="643467" y="1300766"/>
+            <a:ext cx="10905066" cy="4876198"/>
+          </a:xfrm>
+        </p:spPr>
+        <p:txBody>
+          <a:bodyPr vert="horz" lIns="91440" tIns="45720" rIns="91440" bIns="45720" rtlCol="0" anchor="t">
+            <a:noAutofit/>
+          </a:bodyPr>
+          <a:lstStyle/>
+          <a:p>
+            <a:pPr marL="0" indent="0" algn="just">
+              <a:lnSpc>
+                <a:spcPct val="150000"/>
+              </a:lnSpc>
+              <a:spcBef>
+                <a:spcPts val="0"/>
+              </a:spcBef>
+              <a:buNone/>
+            </a:pPr>
+            <a:r>
+              <a:rPr lang="en-US" sz="2000">
+                <a:latin typeface="Times New Roman" panose="02020603050405020304" pitchFamily="18" charset="0"/>
+                <a:cs typeface="Times New Roman" panose="02020603050405020304" pitchFamily="18" charset="0"/>
+              </a:rPr>
+              <a:t>[1] S. Salve, T. Shah, V. </a:t>
+            </a:r>
+            <a:r>
+              <a:rPr lang="en-US" sz="2000" err="1">
+                <a:latin typeface="Times New Roman" panose="02020603050405020304" pitchFamily="18" charset="0"/>
+                <a:cs typeface="Times New Roman" panose="02020603050405020304" pitchFamily="18" charset="0"/>
+              </a:rPr>
+              <a:t>Ranjane</a:t>
+            </a:r>
+            <a:r>
+              <a:rPr lang="en-US" sz="2000">
+                <a:latin typeface="Times New Roman" panose="02020603050405020304" pitchFamily="18" charset="0"/>
+                <a:cs typeface="Times New Roman" panose="02020603050405020304" pitchFamily="18" charset="0"/>
+              </a:rPr>
+              <a:t>, and S. </a:t>
+            </a:r>
+            <a:r>
+              <a:rPr lang="en-US" sz="2000" err="1">
+                <a:latin typeface="Times New Roman" panose="02020603050405020304" pitchFamily="18" charset="0"/>
+                <a:cs typeface="Times New Roman" panose="02020603050405020304" pitchFamily="18" charset="0"/>
+              </a:rPr>
+              <a:t>Sadhukhan</a:t>
+            </a:r>
+            <a:r>
+              <a:rPr lang="en-US" sz="2000">
+                <a:latin typeface="Times New Roman" panose="02020603050405020304" pitchFamily="18" charset="0"/>
+                <a:cs typeface="Times New Roman" panose="02020603050405020304" pitchFamily="18" charset="0"/>
+              </a:rPr>
+              <a:t>, "Automatization of coloring grayscale images using convolutional neural network," 2018.</a:t>
+            </a:r>
+          </a:p>
+          <a:p>
+            <a:pPr marL="0" indent="0" algn="just">
+              <a:lnSpc>
+                <a:spcPct val="150000"/>
+              </a:lnSpc>
+              <a:spcBef>
+                <a:spcPts val="0"/>
+              </a:spcBef>
+              <a:buNone/>
+            </a:pPr>
+            <a:r>
+              <a:rPr lang="en-US" sz="2000">
+                <a:latin typeface="Times New Roman" panose="02020603050405020304" pitchFamily="18" charset="0"/>
+                <a:cs typeface="Times New Roman" panose="02020603050405020304" pitchFamily="18" charset="0"/>
+              </a:rPr>
+              <a:t>[2] V. K. Putri and M. I. Fanany, "Sketch plus colorization deep convolutional neural networks for photos generation from sketches," pp. 1-6, 2017. </a:t>
+            </a:r>
+          </a:p>
+          <a:p>
+            <a:pPr marL="0" indent="0" algn="just">
+              <a:lnSpc>
+                <a:spcPct val="150000"/>
+              </a:lnSpc>
+              <a:spcBef>
+                <a:spcPts val="0"/>
+              </a:spcBef>
+              <a:buNone/>
+            </a:pPr>
+            <a:r>
+              <a:rPr lang="en-US" sz="2000">
+                <a:latin typeface="Times New Roman" panose="02020603050405020304" pitchFamily="18" charset="0"/>
+                <a:cs typeface="Times New Roman" panose="02020603050405020304" pitchFamily="18" charset="0"/>
+              </a:rPr>
+              <a:t>[3] H. H. Chen Y, "An improved method for semantic image inpainting with </a:t>
+            </a:r>
+            <a:r>
+              <a:rPr lang="en-US" sz="2000" err="1">
+                <a:latin typeface="Times New Roman" panose="02020603050405020304" pitchFamily="18" charset="0"/>
+                <a:cs typeface="Times New Roman" panose="02020603050405020304" pitchFamily="18" charset="0"/>
+              </a:rPr>
+              <a:t>gans</a:t>
+            </a:r>
+            <a:r>
+              <a:rPr lang="en-US" sz="2000">
+                <a:latin typeface="Times New Roman" panose="02020603050405020304" pitchFamily="18" charset="0"/>
+                <a:cs typeface="Times New Roman" panose="02020603050405020304" pitchFamily="18" charset="0"/>
+              </a:rPr>
+              <a:t>: progressive inpainting.," Neural Process Lett, p. 1355–1367, 2019. </a:t>
+            </a:r>
+          </a:p>
+          <a:p>
+            <a:pPr marL="0" indent="0" algn="just">
+              <a:lnSpc>
+                <a:spcPct val="150000"/>
+              </a:lnSpc>
+              <a:spcBef>
+                <a:spcPts val="0"/>
+              </a:spcBef>
+              <a:buNone/>
+            </a:pPr>
+            <a:r>
+              <a:rPr lang="en-US" sz="2000">
+                <a:latin typeface="Times New Roman" panose="02020603050405020304" pitchFamily="18" charset="0"/>
+                <a:cs typeface="Times New Roman" panose="02020603050405020304" pitchFamily="18" charset="0"/>
+              </a:rPr>
+              <a:t>[4] Vitoria P, </a:t>
+            </a:r>
+            <a:r>
+              <a:rPr lang="en-US" sz="2000" err="1">
+                <a:latin typeface="Times New Roman" panose="02020603050405020304" pitchFamily="18" charset="0"/>
+                <a:cs typeface="Times New Roman" panose="02020603050405020304" pitchFamily="18" charset="0"/>
+              </a:rPr>
+              <a:t>Sintes</a:t>
+            </a:r>
+            <a:r>
+              <a:rPr lang="en-US" sz="2000">
+                <a:latin typeface="Times New Roman" panose="02020603050405020304" pitchFamily="18" charset="0"/>
+                <a:cs typeface="Times New Roman" panose="02020603050405020304" pitchFamily="18" charset="0"/>
+              </a:rPr>
+              <a:t> J, </a:t>
+            </a:r>
+            <a:r>
+              <a:rPr lang="en-US" sz="2000" err="1">
+                <a:latin typeface="Times New Roman" panose="02020603050405020304" pitchFamily="18" charset="0"/>
+                <a:cs typeface="Times New Roman" panose="02020603050405020304" pitchFamily="18" charset="0"/>
+              </a:rPr>
+              <a:t>Ballester</a:t>
+            </a:r>
+            <a:r>
+              <a:rPr lang="en-US" sz="2000">
+                <a:latin typeface="Times New Roman" panose="02020603050405020304" pitchFamily="18" charset="0"/>
+                <a:cs typeface="Times New Roman" panose="02020603050405020304" pitchFamily="18" charset="0"/>
+              </a:rPr>
+              <a:t> C, "Semantic image inpainting through improved Wasserstein generative adversarial networks," 2018.</a:t>
+            </a:r>
+          </a:p>
+          <a:p>
+            <a:pPr marL="0" indent="0" algn="just">
+              <a:lnSpc>
+                <a:spcPct val="150000"/>
+              </a:lnSpc>
+              <a:spcBef>
+                <a:spcPts val="0"/>
+              </a:spcBef>
+              <a:buNone/>
+            </a:pPr>
+            <a:r>
+              <a:rPr lang="en-US" sz="2000">
+                <a:latin typeface="Times New Roman" panose="02020603050405020304" pitchFamily="18" charset="0"/>
+                <a:cs typeface="Times New Roman" panose="02020603050405020304" pitchFamily="18" charset="0"/>
+              </a:rPr>
+              <a:t>[5] </a:t>
+            </a:r>
+            <a:r>
+              <a:rPr lang="en-US" sz="2000" err="1">
+                <a:latin typeface="Times New Roman" panose="02020603050405020304" pitchFamily="18" charset="0"/>
+                <a:cs typeface="Times New Roman" panose="02020603050405020304" pitchFamily="18" charset="0"/>
+              </a:rPr>
+              <a:t>Nazeri</a:t>
+            </a:r>
+            <a:r>
+              <a:rPr lang="en-US" sz="2000">
+                <a:latin typeface="Times New Roman" panose="02020603050405020304" pitchFamily="18" charset="0"/>
+                <a:cs typeface="Times New Roman" panose="02020603050405020304" pitchFamily="18" charset="0"/>
+              </a:rPr>
+              <a:t> K, Ng E, Joseph T, Qureshi F, Ebrahimi M, "</a:t>
+            </a:r>
+            <a:r>
+              <a:rPr lang="en-US" sz="2000" err="1">
+                <a:latin typeface="Times New Roman" panose="02020603050405020304" pitchFamily="18" charset="0"/>
+                <a:cs typeface="Times New Roman" panose="02020603050405020304" pitchFamily="18" charset="0"/>
+              </a:rPr>
+              <a:t>Edgeconnect</a:t>
+            </a:r>
+            <a:r>
+              <a:rPr lang="en-US" sz="2000">
+                <a:latin typeface="Times New Roman" panose="02020603050405020304" pitchFamily="18" charset="0"/>
+                <a:cs typeface="Times New Roman" panose="02020603050405020304" pitchFamily="18" charset="0"/>
+              </a:rPr>
+              <a:t>: generative image inpainting with adversarial edge learning," 2019.  </a:t>
+            </a:r>
+          </a:p>
+          <a:p>
+            <a:pPr marL="0" indent="0" algn="just">
+              <a:lnSpc>
+                <a:spcPct val="150000"/>
+              </a:lnSpc>
+              <a:spcBef>
+                <a:spcPts val="0"/>
+              </a:spcBef>
+              <a:buNone/>
+            </a:pPr>
+            <a:r>
+              <a:rPr lang="en-US" sz="2000">
+                <a:latin typeface="Times New Roman" panose="02020603050405020304" pitchFamily="18" charset="0"/>
+                <a:cs typeface="Times New Roman" panose="02020603050405020304" pitchFamily="18" charset="0"/>
+              </a:rPr>
+              <a:t>[6] Yuan L, </a:t>
+            </a:r>
+            <a:r>
+              <a:rPr lang="en-US" sz="2000" err="1">
+                <a:latin typeface="Times New Roman" panose="02020603050405020304" pitchFamily="18" charset="0"/>
+                <a:cs typeface="Times New Roman" panose="02020603050405020304" pitchFamily="18" charset="0"/>
+              </a:rPr>
+              <a:t>Ruan</a:t>
+            </a:r>
+            <a:r>
+              <a:rPr lang="en-US" sz="2000">
+                <a:latin typeface="Times New Roman" panose="02020603050405020304" pitchFamily="18" charset="0"/>
+                <a:cs typeface="Times New Roman" panose="02020603050405020304" pitchFamily="18" charset="0"/>
+              </a:rPr>
+              <a:t> C, Hu H, Chen D, "Image inpainting based on patch-GANs," 2019. </a:t>
+            </a:r>
+          </a:p>
+          <a:p>
+            <a:pPr marL="457200" indent="-457200" algn="just">
+              <a:buAutoNum type="arabicPeriod"/>
+            </a:pPr>
+            <a:endParaRPr lang="en-US" sz="2000">
+              <a:latin typeface="Times New Roman" panose="02020603050405020304" pitchFamily="18" charset="0"/>
+              <a:cs typeface="Times New Roman" panose="02020603050405020304" pitchFamily="18" charset="0"/>
+            </a:endParaRPr>
+          </a:p>
+        </p:txBody>
+      </p:sp>
+    </p:spTree>
+    <p:extLst>
+      <p:ext uri="{BB962C8B-B14F-4D97-AF65-F5344CB8AC3E}">
+        <p14:creationId xmlns:p14="http://schemas.microsoft.com/office/powerpoint/2010/main" val="3745978786"/>
+      </p:ext>
+    </p:extLst>
+  </p:cSld>
+  <p:clrMapOvr>
+    <a:masterClrMapping/>
+  </p:clrMapOvr>
+</p:sld>
+</file>
+
+<file path=ppt/slides/slide34.xml><?xml version="1.0" encoding="utf-8"?>
+<p:sld xmlns:a="http://schemas.openxmlformats.org/drawingml/2006/main" xmlns:r="http://schemas.openxmlformats.org/officeDocument/2006/relationships" xmlns:p="http://schemas.openxmlformats.org/presentationml/2006/main">
+  <p:cSld>
+    <p:bg>
+      <p:bgPr>
+        <a:solidFill>
+          <a:schemeClr val="bg1"/>
+        </a:solidFill>
+        <a:effectLst/>
+      </p:bgPr>
+    </p:bg>
+    <p:spTree>
+      <p:nvGrpSpPr>
+        <p:cNvPr id="1" name=""/>
+        <p:cNvGrpSpPr/>
+        <p:nvPr/>
+      </p:nvGrpSpPr>
+      <p:grpSpPr>
+        <a:xfrm>
+          <a:off x="0" y="0"/>
+          <a:ext cx="0" cy="0"/>
+          <a:chOff x="0" y="0"/>
+          <a:chExt cx="0" cy="0"/>
+        </a:xfrm>
+      </p:grpSpPr>
+      <p:sp>
+        <p:nvSpPr>
+          <p:cNvPr id="3" name="Content Placeholder 2">
+            <a:extLst>
+              <a:ext uri="{FF2B5EF4-FFF2-40B4-BE49-F238E27FC236}">
+                <a16:creationId xmlns:a16="http://schemas.microsoft.com/office/drawing/2014/main" id="{27F2EB5A-25A5-83FB-83F4-B9F8B2B91077}"/>
+              </a:ext>
+            </a:extLst>
+          </p:cNvPr>
+          <p:cNvSpPr>
+            <a:spLocks noGrp="1"/>
+          </p:cNvSpPr>
+          <p:nvPr>
+            <p:ph idx="1"/>
+          </p:nvPr>
+        </p:nvSpPr>
+        <p:spPr>
+          <a:xfrm>
+            <a:off x="643467" y="1076737"/>
+            <a:ext cx="10905066" cy="4393982"/>
+          </a:xfrm>
+        </p:spPr>
+        <p:txBody>
+          <a:bodyPr vert="horz" lIns="91440" tIns="45720" rIns="91440" bIns="45720" rtlCol="0" anchor="ctr">
+            <a:normAutofit/>
+          </a:bodyPr>
+          <a:lstStyle/>
+          <a:p>
+            <a:pPr marL="0" indent="0" algn="ctr">
+              <a:buNone/>
+            </a:pPr>
+            <a:r>
+              <a:rPr lang="en-US" sz="5000">
+                <a:latin typeface="Times New Roman"/>
+                <a:cs typeface="Calibri" panose="020F0502020204030204"/>
+              </a:rPr>
+              <a:t>Thank You</a:t>
+            </a:r>
+            <a:endParaRPr lang="en-US" sz="5000">
+              <a:cs typeface="Calibri"/>
+            </a:endParaRPr>
+          </a:p>
+        </p:txBody>
+      </p:sp>
+    </p:spTree>
+    <p:extLst>
+      <p:ext uri="{BB962C8B-B14F-4D97-AF65-F5344CB8AC3E}">
+        <p14:creationId xmlns:p14="http://schemas.microsoft.com/office/powerpoint/2010/main" val="1770231167"/>
       </p:ext>
     </p:extLst>
   </p:cSld>
@@ -6713,11 +7860,11 @@
           <a:lstStyle/>
           <a:p>
             <a:r>
-              <a:rPr lang="en-US" sz="3600" b="1">
+              <a:rPr lang="en-US" sz="3600" b="1" dirty="0">
                 <a:latin typeface="Times New Roman"/>
                 <a:cs typeface="Calibri Light"/>
               </a:rPr>
-              <a:t>Objectives</a:t>
+              <a:t>Objective</a:t>
             </a:r>
           </a:p>
         </p:txBody>
@@ -6763,42 +7910,40 @@
             </a:pPr>
             <a:r>
               <a:rPr lang="en-US" sz="2400" dirty="0">
-                <a:latin typeface="Times New Roman"/>
-                <a:ea typeface="+mn-lt"/>
-                <a:cs typeface="+mn-lt"/>
-              </a:rPr>
-              <a:t>To implement Generative and Adversarial Network more focused on Pix2Pix.</a:t>
-            </a:r>
-          </a:p>
-          <a:p>
-            <a:pPr algn="just">
-              <a:lnSpc>
-                <a:spcPct val="150000"/>
-              </a:lnSpc>
-              <a:spcBef>
-                <a:spcPts val="0"/>
-              </a:spcBef>
-              <a:spcAft>
-                <a:spcPts val="600"/>
-              </a:spcAft>
-            </a:pPr>
+                <a:effectLst/>
+                <a:latin typeface="Times New Roman" panose="02020603050405020304" pitchFamily="18" charset="0"/>
+                <a:ea typeface="Times New Roman" panose="02020603050405020304" pitchFamily="18" charset="0"/>
+              </a:rPr>
+              <a:t>To</a:t>
+            </a:r>
             <a:r>
               <a:rPr lang="en-US" sz="2400" dirty="0">
-                <a:latin typeface="Times New Roman"/>
-                <a:ea typeface="+mn-lt"/>
-                <a:cs typeface="+mn-lt"/>
-              </a:rPr>
-              <a:t>To develop web-app for restoring old or corrupted </a:t>
+                <a:solidFill>
+                  <a:srgbClr val="000000"/>
+                </a:solidFill>
+                <a:effectLst/>
+                <a:latin typeface="Times New Roman" panose="02020603050405020304" pitchFamily="18" charset="0"/>
+                <a:ea typeface="Times New Roman" panose="02020603050405020304" pitchFamily="18" charset="0"/>
+              </a:rPr>
+              <a:t> reconstruct damaged parts or missing parts of image</a:t>
             </a:r>
             <a:r>
               <a:rPr lang="en-US" sz="2400" dirty="0">
-                <a:latin typeface="Times New Roman"/>
-                <a:ea typeface="+mn-lt"/>
-                <a:cs typeface="Times New Roman"/>
-              </a:rPr>
-              <a:t>photographs.</a:t>
-            </a:r>
-            <a:endParaRPr lang="en-US" sz="2400" dirty="0">
+                <a:effectLst/>
+                <a:latin typeface="Times New Roman" panose="02020603050405020304" pitchFamily="18" charset="0"/>
+                <a:ea typeface="Times New Roman" panose="02020603050405020304" pitchFamily="18" charset="0"/>
+              </a:rPr>
+              <a:t> using GAN</a:t>
+            </a:r>
+            <a:r>
+              <a:rPr lang="en-US" sz="2400" dirty="0">
+                <a:effectLst/>
+                <a:latin typeface="Times New Roman" panose="02020603050405020304" pitchFamily="18" charset="0"/>
+                <a:ea typeface="Calibri" panose="020F0502020204030204" pitchFamily="34" charset="0"/>
+              </a:rPr>
+              <a:t>s.</a:t>
+            </a:r>
+            <a:endParaRPr lang="en-US" sz="3200" dirty="0">
               <a:latin typeface="Times New Roman"/>
               <a:ea typeface="Calibri"/>
               <a:cs typeface="Calibri"/>
@@ -6860,13 +8005,13 @@
           <a:lstStyle/>
           <a:p>
             <a:r>
-              <a:rPr lang="en-US" sz="3600" b="1">
+              <a:rPr lang="en-US" sz="3600" b="1" dirty="0">
                 <a:latin typeface="Times New Roman"/>
                 <a:cs typeface="Calibri Light"/>
               </a:rPr>
               <a:t>Scope and Applications</a:t>
             </a:r>
-            <a:endParaRPr lang="en-US" sz="3600" b="1">
+            <a:endParaRPr lang="en-US" sz="3600" b="1" dirty="0">
               <a:latin typeface="Times New Roman"/>
             </a:endParaRPr>
           </a:p>
@@ -6936,21 +8081,7 @@
                 <a:latin typeface="Times New Roman"/>
                 <a:cs typeface="Calibri"/>
               </a:rPr>
-              <a:t>To edit an image </a:t>
-            </a:r>
-            <a:r>
-              <a:rPr lang="en-US" sz="2400" dirty="0" err="1">
-                <a:latin typeface="Times New Roman"/>
-                <a:cs typeface="Calibri"/>
-              </a:rPr>
-              <a:t>i.e</a:t>
-            </a:r>
-            <a:r>
-              <a:rPr lang="en-US" sz="2400" dirty="0">
-                <a:latin typeface="Times New Roman"/>
-                <a:cs typeface="Calibri"/>
-              </a:rPr>
-              <a:t> object removal.</a:t>
+              <a:t>To edit an image i.e. object removal.</a:t>
             </a:r>
           </a:p>
         </p:txBody>
@@ -7100,7 +8231,7 @@
                 <a:latin typeface="Times New Roman"/>
                 <a:cs typeface="Calibri" panose="020F0502020204030204"/>
               </a:rPr>
-              <a:t>Login/Register</a:t>
+              <a:t>Register</a:t>
             </a:r>
           </a:p>
           <a:p>
@@ -7120,7 +8251,7 @@
                 <a:latin typeface="Times New Roman"/>
                 <a:cs typeface="Calibri" panose="020F0502020204030204"/>
               </a:rPr>
-              <a:t>Upload images</a:t>
+              <a:t>Login</a:t>
             </a:r>
           </a:p>
           <a:p>
@@ -7140,7 +8271,27 @@
                 <a:latin typeface="Times New Roman"/>
                 <a:cs typeface="Calibri" panose="020F0502020204030204"/>
               </a:rPr>
-              <a:t>Image restoration</a:t>
+              <a:t>Upload images</a:t>
+            </a:r>
+          </a:p>
+          <a:p>
+            <a:pPr>
+              <a:lnSpc>
+                <a:spcPct val="150000"/>
+              </a:lnSpc>
+              <a:spcBef>
+                <a:spcPts val="0"/>
+              </a:spcBef>
+              <a:spcAft>
+                <a:spcPts val="600"/>
+              </a:spcAft>
+            </a:pPr>
+            <a:r>
+              <a:rPr lang="en-US" sz="2400" dirty="0">
+                <a:latin typeface="Times New Roman"/>
+                <a:cs typeface="Calibri" panose="020F0502020204030204"/>
+              </a:rPr>
+              <a:t>Image inpainting</a:t>
             </a:r>
           </a:p>
           <a:p>
@@ -7658,103 +8809,12 @@
           <a:chExt cx="0" cy="0"/>
         </a:xfrm>
       </p:grpSpPr>
-      <p:sp>
-        <p:nvSpPr>
-          <p:cNvPr id="2" name="Title 1">
+      <p:pic>
+        <p:nvPicPr>
+          <p:cNvPr id="6" name="Picture 5">
             <a:extLst>
               <a:ext uri="{FF2B5EF4-FFF2-40B4-BE49-F238E27FC236}">
-                <a16:creationId xmlns:a16="http://schemas.microsoft.com/office/drawing/2014/main" id="{C83D562A-7F24-85DE-218B-8A7442150612}"/>
-              </a:ext>
-            </a:extLst>
-          </p:cNvPr>
-          <p:cNvSpPr>
-            <a:spLocks noGrp="1"/>
-          </p:cNvSpPr>
-          <p:nvPr>
-            <p:ph type="title"/>
-          </p:nvPr>
-        </p:nvSpPr>
-        <p:spPr>
-          <a:xfrm>
-            <a:off x="643467" y="321734"/>
-            <a:ext cx="10905066" cy="1135737"/>
-          </a:xfrm>
-        </p:spPr>
-        <p:txBody>
-          <a:bodyPr>
-            <a:normAutofit/>
-          </a:bodyPr>
-          <a:lstStyle/>
-          <a:p>
-            <a:r>
-              <a:rPr lang="en-US" sz="3600" b="1">
-                <a:latin typeface="Times New Roman"/>
-                <a:cs typeface="Times New Roman"/>
-              </a:rPr>
-              <a:t>System Design</a:t>
-            </a:r>
-            <a:endParaRPr lang="en-US" b="1">
-              <a:cs typeface="Calibri Light" panose="020F0302020204030204"/>
-            </a:endParaRPr>
-          </a:p>
-        </p:txBody>
-      </p:sp>
-      <p:sp>
-        <p:nvSpPr>
-          <p:cNvPr id="3" name="Content Placeholder 2">
-            <a:extLst>
-              <a:ext uri="{FF2B5EF4-FFF2-40B4-BE49-F238E27FC236}">
-                <a16:creationId xmlns:a16="http://schemas.microsoft.com/office/drawing/2014/main" id="{2411F57C-A50E-7181-FBB7-CA5B49CD13C1}"/>
-              </a:ext>
-            </a:extLst>
-          </p:cNvPr>
-          <p:cNvSpPr>
-            <a:spLocks noGrp="1"/>
-          </p:cNvSpPr>
-          <p:nvPr>
-            <p:ph idx="1"/>
-          </p:nvPr>
-        </p:nvSpPr>
-        <p:spPr>
-          <a:xfrm>
-            <a:off x="643467" y="1429860"/>
-            <a:ext cx="10905066" cy="4747103"/>
-          </a:xfrm>
-        </p:spPr>
-        <p:txBody>
-          <a:bodyPr vert="horz" lIns="91440" tIns="45720" rIns="91440" bIns="45720" rtlCol="0" anchor="t">
-            <a:normAutofit/>
-          </a:bodyPr>
-          <a:lstStyle/>
-          <a:p>
-            <a:pPr marL="0" indent="0">
-              <a:buNone/>
-            </a:pPr>
-            <a:r>
-              <a:rPr lang="en-US" sz="2400" b="1">
-                <a:latin typeface="Times New Roman"/>
-                <a:cs typeface="Calibri" panose="020F0502020204030204"/>
-              </a:rPr>
-              <a:t>Use Case Diagram</a:t>
-            </a:r>
-          </a:p>
-          <a:p>
-            <a:pPr marL="0" indent="0">
-              <a:buNone/>
-            </a:pPr>
-            <a:endParaRPr lang="en-US" sz="2000">
-              <a:latin typeface="Times New Roman"/>
-              <a:cs typeface="Calibri" panose="020F0502020204030204"/>
-            </a:endParaRPr>
-          </a:p>
-        </p:txBody>
-      </p:sp>
-      <p:pic>
-        <p:nvPicPr>
-          <p:cNvPr id="5" name="Picture 4">
-            <a:extLst>
-              <a:ext uri="{FF2B5EF4-FFF2-40B4-BE49-F238E27FC236}">
-                <a16:creationId xmlns:a16="http://schemas.microsoft.com/office/drawing/2014/main" id="{FEF43EB1-6E62-4BDC-A20C-4A34EE43F247}"/>
+                <a16:creationId xmlns:a16="http://schemas.microsoft.com/office/drawing/2014/main" id="{803E42E5-AD25-3887-92FB-5F98F16367E2}"/>
               </a:ext>
             </a:extLst>
           </p:cNvPr>
@@ -7763,7 +8823,7 @@
           </p:cNvPicPr>
           <p:nvPr/>
         </p:nvPicPr>
-        <p:blipFill rotWithShape="1">
+        <p:blipFill>
           <a:blip r:embed="rId2">
             <a:extLst>
               <a:ext uri="{28A0092B-C50C-407E-A947-70E740481C1C}">
@@ -7771,19 +8831,111 @@
               </a:ext>
             </a:extLst>
           </a:blip>
-          <a:srcRect l="9632" t="3474" r="15723" b="7146"/>
-          <a:stretch/>
+          <a:stretch>
+            <a:fillRect/>
+          </a:stretch>
         </p:blipFill>
         <p:spPr>
           <a:xfrm>
-            <a:off x="3416969" y="1343440"/>
-            <a:ext cx="6521116" cy="5514560"/>
+            <a:off x="2199947" y="1280161"/>
+            <a:ext cx="7792106" cy="5577840"/>
           </a:xfrm>
           <a:prstGeom prst="rect">
             <a:avLst/>
           </a:prstGeom>
         </p:spPr>
       </p:pic>
+      <p:sp>
+        <p:nvSpPr>
+          <p:cNvPr id="2" name="Title 1">
+            <a:extLst>
+              <a:ext uri="{FF2B5EF4-FFF2-40B4-BE49-F238E27FC236}">
+                <a16:creationId xmlns:a16="http://schemas.microsoft.com/office/drawing/2014/main" id="{C83D562A-7F24-85DE-218B-8A7442150612}"/>
+              </a:ext>
+            </a:extLst>
+          </p:cNvPr>
+          <p:cNvSpPr>
+            <a:spLocks noGrp="1"/>
+          </p:cNvSpPr>
+          <p:nvPr>
+            <p:ph type="title"/>
+          </p:nvPr>
+        </p:nvSpPr>
+        <p:spPr>
+          <a:xfrm>
+            <a:off x="643467" y="321734"/>
+            <a:ext cx="10905066" cy="1135737"/>
+          </a:xfrm>
+        </p:spPr>
+        <p:txBody>
+          <a:bodyPr>
+            <a:normAutofit/>
+          </a:bodyPr>
+          <a:lstStyle/>
+          <a:p>
+            <a:r>
+              <a:rPr lang="en-US" sz="3600" b="1">
+                <a:latin typeface="Times New Roman"/>
+                <a:cs typeface="Times New Roman"/>
+              </a:rPr>
+              <a:t>System Design</a:t>
+            </a:r>
+            <a:endParaRPr lang="en-US" b="1">
+              <a:cs typeface="Calibri Light" panose="020F0302020204030204"/>
+            </a:endParaRPr>
+          </a:p>
+        </p:txBody>
+      </p:sp>
+      <p:sp>
+        <p:nvSpPr>
+          <p:cNvPr id="3" name="Content Placeholder 2">
+            <a:extLst>
+              <a:ext uri="{FF2B5EF4-FFF2-40B4-BE49-F238E27FC236}">
+                <a16:creationId xmlns:a16="http://schemas.microsoft.com/office/drawing/2014/main" id="{2411F57C-A50E-7181-FBB7-CA5B49CD13C1}"/>
+              </a:ext>
+            </a:extLst>
+          </p:cNvPr>
+          <p:cNvSpPr>
+            <a:spLocks noGrp="1"/>
+          </p:cNvSpPr>
+          <p:nvPr>
+            <p:ph idx="1"/>
+          </p:nvPr>
+        </p:nvSpPr>
+        <p:spPr>
+          <a:xfrm>
+            <a:off x="643467" y="1429860"/>
+            <a:ext cx="10905066" cy="4747103"/>
+          </a:xfrm>
+        </p:spPr>
+        <p:txBody>
+          <a:bodyPr vert="horz" lIns="91440" tIns="45720" rIns="91440" bIns="45720" rtlCol="0" anchor="t">
+            <a:normAutofit/>
+          </a:bodyPr>
+          <a:lstStyle/>
+          <a:p>
+            <a:pPr marL="0" indent="0">
+              <a:buNone/>
+            </a:pPr>
+            <a:r>
+              <a:rPr lang="en-US" sz="2400" b="1">
+                <a:latin typeface="Times New Roman"/>
+                <a:cs typeface="Calibri" panose="020F0502020204030204"/>
+              </a:rPr>
+              <a:t>Use Case Diagram</a:t>
+            </a:r>
+          </a:p>
+          <a:p>
+            <a:pPr marL="0" indent="0">
+              <a:buNone/>
+            </a:pPr>
+            <a:endParaRPr lang="en-US" sz="2000">
+              <a:latin typeface="Times New Roman"/>
+              <a:cs typeface="Calibri" panose="020F0502020204030204"/>
+            </a:endParaRPr>
+          </a:p>
+        </p:txBody>
+      </p:sp>
     </p:spTree>
     <p:extLst>
       <p:ext uri="{BB962C8B-B14F-4D97-AF65-F5344CB8AC3E}">
